--- a/CSCE658-S24/L19.pptx
+++ b/CSCE658-S24/L19.pptx
@@ -5,7 +5,7 @@
     <p:sldMasterId id="2147483648" r:id="rId1"/>
   </p:sldMasterIdLst>
   <p:notesMasterIdLst>
-    <p:notesMasterId r:id="rId52"/>
+    <p:notesMasterId r:id="rId41"/>
   </p:notesMasterIdLst>
   <p:sldIdLst>
     <p:sldId id="788" r:id="rId2"/>
@@ -36,28 +36,17 @@
     <p:sldId id="1289" r:id="rId27"/>
     <p:sldId id="1258" r:id="rId28"/>
     <p:sldId id="1264" r:id="rId29"/>
-    <p:sldId id="1269" r:id="rId30"/>
-    <p:sldId id="1268" r:id="rId31"/>
-    <p:sldId id="1263" r:id="rId32"/>
-    <p:sldId id="1265" r:id="rId33"/>
-    <p:sldId id="1266" r:id="rId34"/>
-    <p:sldId id="1270" r:id="rId35"/>
-    <p:sldId id="1271" r:id="rId36"/>
-    <p:sldId id="1272" r:id="rId37"/>
-    <p:sldId id="1267" r:id="rId38"/>
-    <p:sldId id="1275" r:id="rId39"/>
-    <p:sldId id="1274" r:id="rId40"/>
-    <p:sldId id="1283" r:id="rId41"/>
-    <p:sldId id="1276" r:id="rId42"/>
-    <p:sldId id="1277" r:id="rId43"/>
-    <p:sldId id="1284" r:id="rId44"/>
-    <p:sldId id="1278" r:id="rId45"/>
-    <p:sldId id="1285" r:id="rId46"/>
-    <p:sldId id="1280" r:id="rId47"/>
-    <p:sldId id="1286" r:id="rId48"/>
-    <p:sldId id="1282" r:id="rId49"/>
-    <p:sldId id="1281" r:id="rId50"/>
-    <p:sldId id="1279" r:id="rId51"/>
+    <p:sldId id="1263" r:id="rId30"/>
+    <p:sldId id="1265" r:id="rId31"/>
+    <p:sldId id="1266" r:id="rId32"/>
+    <p:sldId id="1270" r:id="rId33"/>
+    <p:sldId id="1271" r:id="rId34"/>
+    <p:sldId id="1272" r:id="rId35"/>
+    <p:sldId id="1267" r:id="rId36"/>
+    <p:sldId id="1275" r:id="rId37"/>
+    <p:sldId id="1274" r:id="rId38"/>
+    <p:sldId id="1283" r:id="rId39"/>
+    <p:sldId id="1276" r:id="rId40"/>
   </p:sldIdLst>
   <p:sldSz cx="12192000" cy="6858000"/>
   <p:notesSz cx="6858000" cy="9144000"/>
@@ -246,7 +235,7 @@
           <a:p>
             <a:fld id="{D4BCAE1A-251E-4F77-AC08-4EFDCAE38183}" type="datetimeFigureOut">
               <a:rPr lang="en-US" smtClean="0"/>
-              <a:t>4/9/2024</a:t>
+              <a:t>4/10/2024</a:t>
             </a:fld>
             <a:endParaRPr lang="en-US"/>
           </a:p>
@@ -2189,7 +2178,7 @@
     </p:spTree>
     <p:extLst>
       <p:ext uri="{BB962C8B-B14F-4D97-AF65-F5344CB8AC3E}">
-        <p14:creationId xmlns:p14="http://schemas.microsoft.com/office/powerpoint/2010/main" val="721915237"/>
+        <p14:creationId xmlns:p14="http://schemas.microsoft.com/office/powerpoint/2010/main" val="1642724111"/>
       </p:ext>
     </p:extLst>
   </p:cSld>
@@ -2288,7 +2277,7 @@
     </p:spTree>
     <p:extLst>
       <p:ext uri="{BB962C8B-B14F-4D97-AF65-F5344CB8AC3E}">
-        <p14:creationId xmlns:p14="http://schemas.microsoft.com/office/powerpoint/2010/main" val="3011566570"/>
+        <p14:creationId xmlns:p14="http://schemas.microsoft.com/office/powerpoint/2010/main" val="4204885139"/>
       </p:ext>
     </p:extLst>
   </p:cSld>
@@ -2387,7 +2376,7 @@
     </p:spTree>
     <p:extLst>
       <p:ext uri="{BB962C8B-B14F-4D97-AF65-F5344CB8AC3E}">
-        <p14:creationId xmlns:p14="http://schemas.microsoft.com/office/powerpoint/2010/main" val="1642724111"/>
+        <p14:creationId xmlns:p14="http://schemas.microsoft.com/office/powerpoint/2010/main" val="3271796620"/>
       </p:ext>
     </p:extLst>
   </p:cSld>
@@ -2486,7 +2475,7 @@
     </p:spTree>
     <p:extLst>
       <p:ext uri="{BB962C8B-B14F-4D97-AF65-F5344CB8AC3E}">
-        <p14:creationId xmlns:p14="http://schemas.microsoft.com/office/powerpoint/2010/main" val="4204885139"/>
+        <p14:creationId xmlns:p14="http://schemas.microsoft.com/office/powerpoint/2010/main" val="2155454608"/>
       </p:ext>
     </p:extLst>
   </p:cSld>
@@ -2669,7 +2658,7 @@
     </p:spTree>
     <p:extLst>
       <p:ext uri="{BB962C8B-B14F-4D97-AF65-F5344CB8AC3E}">
-        <p14:creationId xmlns:p14="http://schemas.microsoft.com/office/powerpoint/2010/main" val="3271796620"/>
+        <p14:creationId xmlns:p14="http://schemas.microsoft.com/office/powerpoint/2010/main" val="2937781415"/>
       </p:ext>
     </p:extLst>
   </p:cSld>
@@ -2768,7 +2757,7 @@
     </p:spTree>
     <p:extLst>
       <p:ext uri="{BB962C8B-B14F-4D97-AF65-F5344CB8AC3E}">
-        <p14:creationId xmlns:p14="http://schemas.microsoft.com/office/powerpoint/2010/main" val="2155454608"/>
+        <p14:creationId xmlns:p14="http://schemas.microsoft.com/office/powerpoint/2010/main" val="238459288"/>
       </p:ext>
     </p:extLst>
   </p:cSld>
@@ -2867,7 +2856,7 @@
     </p:spTree>
     <p:extLst>
       <p:ext uri="{BB962C8B-B14F-4D97-AF65-F5344CB8AC3E}">
-        <p14:creationId xmlns:p14="http://schemas.microsoft.com/office/powerpoint/2010/main" val="2937781415"/>
+        <p14:creationId xmlns:p14="http://schemas.microsoft.com/office/powerpoint/2010/main" val="4077519003"/>
       </p:ext>
     </p:extLst>
   </p:cSld>
@@ -2966,7 +2955,7 @@
     </p:spTree>
     <p:extLst>
       <p:ext uri="{BB962C8B-B14F-4D97-AF65-F5344CB8AC3E}">
-        <p14:creationId xmlns:p14="http://schemas.microsoft.com/office/powerpoint/2010/main" val="238459288"/>
+        <p14:creationId xmlns:p14="http://schemas.microsoft.com/office/powerpoint/2010/main" val="838277819"/>
       </p:ext>
     </p:extLst>
   </p:cSld>
@@ -3065,7 +3054,7 @@
     </p:spTree>
     <p:extLst>
       <p:ext uri="{BB962C8B-B14F-4D97-AF65-F5344CB8AC3E}">
-        <p14:creationId xmlns:p14="http://schemas.microsoft.com/office/powerpoint/2010/main" val="4077519003"/>
+        <p14:creationId xmlns:p14="http://schemas.microsoft.com/office/powerpoint/2010/main" val="1731937872"/>
       </p:ext>
     </p:extLst>
   </p:cSld>
@@ -3164,7 +3153,7 @@
     </p:spTree>
     <p:extLst>
       <p:ext uri="{BB962C8B-B14F-4D97-AF65-F5344CB8AC3E}">
-        <p14:creationId xmlns:p14="http://schemas.microsoft.com/office/powerpoint/2010/main" val="838277819"/>
+        <p14:creationId xmlns:p14="http://schemas.microsoft.com/office/powerpoint/2010/main" val="816904231"/>
       </p:ext>
     </p:extLst>
   </p:cSld>
@@ -3263,304 +3252,7 @@
     </p:spTree>
     <p:extLst>
       <p:ext uri="{BB962C8B-B14F-4D97-AF65-F5344CB8AC3E}">
-        <p14:creationId xmlns:p14="http://schemas.microsoft.com/office/powerpoint/2010/main" val="1731937872"/>
-      </p:ext>
-    </p:extLst>
-  </p:cSld>
-  <p:clrMapOvr>
-    <a:masterClrMapping/>
-  </p:clrMapOvr>
-</p:notes>
-</file>
-
-<file path=ppt/notesSlides/notesSlide37.xml><?xml version="1.0" encoding="utf-8"?>
-<p:notes xmlns:a="http://schemas.openxmlformats.org/drawingml/2006/main" xmlns:r="http://schemas.openxmlformats.org/officeDocument/2006/relationships" xmlns:p="http://schemas.openxmlformats.org/presentationml/2006/main">
-  <p:cSld>
-    <p:spTree>
-      <p:nvGrpSpPr>
-        <p:cNvPr id="1" name=""/>
-        <p:cNvGrpSpPr/>
-        <p:nvPr/>
-      </p:nvGrpSpPr>
-      <p:grpSpPr>
-        <a:xfrm>
-          <a:off x="0" y="0"/>
-          <a:ext cx="0" cy="0"/>
-          <a:chOff x="0" y="0"/>
-          <a:chExt cx="0" cy="0"/>
-        </a:xfrm>
-      </p:grpSpPr>
-      <p:sp>
-        <p:nvSpPr>
-          <p:cNvPr id="2" name="Slide Image Placeholder 1"/>
-          <p:cNvSpPr>
-            <a:spLocks noGrp="1" noRot="1" noChangeAspect="1"/>
-          </p:cNvSpPr>
-          <p:nvPr>
-            <p:ph type="sldImg"/>
-          </p:nvPr>
-        </p:nvSpPr>
-        <p:spPr/>
-      </p:sp>
-      <p:sp>
-        <p:nvSpPr>
-          <p:cNvPr id="3" name="Notes Placeholder 2"/>
-          <p:cNvSpPr>
-            <a:spLocks noGrp="1"/>
-          </p:cNvSpPr>
-          <p:nvPr>
-            <p:ph type="body" idx="1"/>
-          </p:nvPr>
-        </p:nvSpPr>
-        <p:spPr/>
-        <p:txBody>
-          <a:bodyPr/>
-          <a:lstStyle/>
-          <a:p>
-            <a:r>
-              <a:rPr lang="en-US" dirty="0"/>
-              <a:t> </a:t>
-            </a:r>
-            <a:r>
-              <a:rPr lang="en-US" dirty="0">
-                <a:solidFill>
-                  <a:srgbClr val="0070C0"/>
-                </a:solidFill>
-              </a:rPr>
-              <a:t>[DworkMcSherryNissimSmith06]</a:t>
-            </a:r>
-            <a:r>
-              <a:rPr lang="en-US" dirty="0"/>
-              <a:t> </a:t>
-            </a:r>
-          </a:p>
-        </p:txBody>
-      </p:sp>
-      <p:sp>
-        <p:nvSpPr>
-          <p:cNvPr id="4" name="Slide Number Placeholder 3"/>
-          <p:cNvSpPr>
-            <a:spLocks noGrp="1"/>
-          </p:cNvSpPr>
-          <p:nvPr>
-            <p:ph type="sldNum" sz="quarter" idx="5"/>
-          </p:nvPr>
-        </p:nvSpPr>
-        <p:spPr/>
-        <p:txBody>
-          <a:bodyPr/>
-          <a:lstStyle/>
-          <a:p>
-            <a:fld id="{E2226E65-ADC9-4F29-BA00-34B3E2F9B8F0}" type="slidenum">
-              <a:rPr lang="en-US" smtClean="0"/>
-              <a:t>40</a:t>
-            </a:fld>
-            <a:endParaRPr lang="en-US"/>
-          </a:p>
-        </p:txBody>
-      </p:sp>
-    </p:spTree>
-    <p:extLst>
-      <p:ext uri="{BB962C8B-B14F-4D97-AF65-F5344CB8AC3E}">
-        <p14:creationId xmlns:p14="http://schemas.microsoft.com/office/powerpoint/2010/main" val="816904231"/>
-      </p:ext>
-    </p:extLst>
-  </p:cSld>
-  <p:clrMapOvr>
-    <a:masterClrMapping/>
-  </p:clrMapOvr>
-</p:notes>
-</file>
-
-<file path=ppt/notesSlides/notesSlide38.xml><?xml version="1.0" encoding="utf-8"?>
-<p:notes xmlns:a="http://schemas.openxmlformats.org/drawingml/2006/main" xmlns:r="http://schemas.openxmlformats.org/officeDocument/2006/relationships" xmlns:p="http://schemas.openxmlformats.org/presentationml/2006/main">
-  <p:cSld>
-    <p:spTree>
-      <p:nvGrpSpPr>
-        <p:cNvPr id="1" name=""/>
-        <p:cNvGrpSpPr/>
-        <p:nvPr/>
-      </p:nvGrpSpPr>
-      <p:grpSpPr>
-        <a:xfrm>
-          <a:off x="0" y="0"/>
-          <a:ext cx="0" cy="0"/>
-          <a:chOff x="0" y="0"/>
-          <a:chExt cx="0" cy="0"/>
-        </a:xfrm>
-      </p:grpSpPr>
-      <p:sp>
-        <p:nvSpPr>
-          <p:cNvPr id="2" name="Slide Image Placeholder 1"/>
-          <p:cNvSpPr>
-            <a:spLocks noGrp="1" noRot="1" noChangeAspect="1"/>
-          </p:cNvSpPr>
-          <p:nvPr>
-            <p:ph type="sldImg"/>
-          </p:nvPr>
-        </p:nvSpPr>
-        <p:spPr/>
-      </p:sp>
-      <p:sp>
-        <p:nvSpPr>
-          <p:cNvPr id="3" name="Notes Placeholder 2"/>
-          <p:cNvSpPr>
-            <a:spLocks noGrp="1"/>
-          </p:cNvSpPr>
-          <p:nvPr>
-            <p:ph type="body" idx="1"/>
-          </p:nvPr>
-        </p:nvSpPr>
-        <p:spPr/>
-        <p:txBody>
-          <a:bodyPr/>
-          <a:lstStyle/>
-          <a:p>
-            <a:r>
-              <a:rPr lang="en-US" dirty="0"/>
-              <a:t> </a:t>
-            </a:r>
-            <a:r>
-              <a:rPr lang="en-US" dirty="0">
-                <a:solidFill>
-                  <a:srgbClr val="0070C0"/>
-                </a:solidFill>
-              </a:rPr>
-              <a:t>[DworkMcSherryNissimSmith06]</a:t>
-            </a:r>
-            <a:r>
-              <a:rPr lang="en-US" dirty="0"/>
-              <a:t> </a:t>
-            </a:r>
-          </a:p>
-        </p:txBody>
-      </p:sp>
-      <p:sp>
-        <p:nvSpPr>
-          <p:cNvPr id="4" name="Slide Number Placeholder 3"/>
-          <p:cNvSpPr>
-            <a:spLocks noGrp="1"/>
-          </p:cNvSpPr>
-          <p:nvPr>
-            <p:ph type="sldNum" sz="quarter" idx="5"/>
-          </p:nvPr>
-        </p:nvSpPr>
-        <p:spPr/>
-        <p:txBody>
-          <a:bodyPr/>
-          <a:lstStyle/>
-          <a:p>
-            <a:fld id="{E2226E65-ADC9-4F29-BA00-34B3E2F9B8F0}" type="slidenum">
-              <a:rPr lang="en-US" smtClean="0"/>
-              <a:t>41</a:t>
-            </a:fld>
-            <a:endParaRPr lang="en-US"/>
-          </a:p>
-        </p:txBody>
-      </p:sp>
-    </p:spTree>
-    <p:extLst>
-      <p:ext uri="{BB962C8B-B14F-4D97-AF65-F5344CB8AC3E}">
         <p14:creationId xmlns:p14="http://schemas.microsoft.com/office/powerpoint/2010/main" val="2464621269"/>
-      </p:ext>
-    </p:extLst>
-  </p:cSld>
-  <p:clrMapOvr>
-    <a:masterClrMapping/>
-  </p:clrMapOvr>
-</p:notes>
-</file>
-
-<file path=ppt/notesSlides/notesSlide39.xml><?xml version="1.0" encoding="utf-8"?>
-<p:notes xmlns:a="http://schemas.openxmlformats.org/drawingml/2006/main" xmlns:r="http://schemas.openxmlformats.org/officeDocument/2006/relationships" xmlns:p="http://schemas.openxmlformats.org/presentationml/2006/main">
-  <p:cSld>
-    <p:spTree>
-      <p:nvGrpSpPr>
-        <p:cNvPr id="1" name=""/>
-        <p:cNvGrpSpPr/>
-        <p:nvPr/>
-      </p:nvGrpSpPr>
-      <p:grpSpPr>
-        <a:xfrm>
-          <a:off x="0" y="0"/>
-          <a:ext cx="0" cy="0"/>
-          <a:chOff x="0" y="0"/>
-          <a:chExt cx="0" cy="0"/>
-        </a:xfrm>
-      </p:grpSpPr>
-      <p:sp>
-        <p:nvSpPr>
-          <p:cNvPr id="2" name="Slide Image Placeholder 1"/>
-          <p:cNvSpPr>
-            <a:spLocks noGrp="1" noRot="1" noChangeAspect="1"/>
-          </p:cNvSpPr>
-          <p:nvPr>
-            <p:ph type="sldImg"/>
-          </p:nvPr>
-        </p:nvSpPr>
-        <p:spPr/>
-      </p:sp>
-      <p:sp>
-        <p:nvSpPr>
-          <p:cNvPr id="3" name="Notes Placeholder 2"/>
-          <p:cNvSpPr>
-            <a:spLocks noGrp="1"/>
-          </p:cNvSpPr>
-          <p:nvPr>
-            <p:ph type="body" idx="1"/>
-          </p:nvPr>
-        </p:nvSpPr>
-        <p:spPr/>
-        <p:txBody>
-          <a:bodyPr/>
-          <a:lstStyle/>
-          <a:p>
-            <a:r>
-              <a:rPr lang="en-US" dirty="0"/>
-              <a:t> </a:t>
-            </a:r>
-            <a:r>
-              <a:rPr lang="en-US" dirty="0">
-                <a:solidFill>
-                  <a:srgbClr val="0070C0"/>
-                </a:solidFill>
-              </a:rPr>
-              <a:t>[DworkMcSherryNissimSmith06]</a:t>
-            </a:r>
-            <a:r>
-              <a:rPr lang="en-US" dirty="0"/>
-              <a:t> </a:t>
-            </a:r>
-          </a:p>
-        </p:txBody>
-      </p:sp>
-      <p:sp>
-        <p:nvSpPr>
-          <p:cNvPr id="4" name="Slide Number Placeholder 3"/>
-          <p:cNvSpPr>
-            <a:spLocks noGrp="1"/>
-          </p:cNvSpPr>
-          <p:nvPr>
-            <p:ph type="sldNum" sz="quarter" idx="5"/>
-          </p:nvPr>
-        </p:nvSpPr>
-        <p:spPr/>
-        <p:txBody>
-          <a:bodyPr/>
-          <a:lstStyle/>
-          <a:p>
-            <a:fld id="{E2226E65-ADC9-4F29-BA00-34B3E2F9B8F0}" type="slidenum">
-              <a:rPr lang="en-US" smtClean="0"/>
-              <a:t>42</a:t>
-            </a:fld>
-            <a:endParaRPr lang="en-US"/>
-          </a:p>
-        </p:txBody>
-      </p:sp>
-    </p:spTree>
-    <p:extLst>
-      <p:ext uri="{BB962C8B-B14F-4D97-AF65-F5344CB8AC3E}">
-        <p14:creationId xmlns:p14="http://schemas.microsoft.com/office/powerpoint/2010/main" val="1040990605"/>
       </p:ext>
     </p:extLst>
   </p:cSld>
@@ -3645,798 +3337,6 @@
     <p:extLst>
       <p:ext uri="{BB962C8B-B14F-4D97-AF65-F5344CB8AC3E}">
         <p14:creationId xmlns:p14="http://schemas.microsoft.com/office/powerpoint/2010/main" val="2284353998"/>
-      </p:ext>
-    </p:extLst>
-  </p:cSld>
-  <p:clrMapOvr>
-    <a:masterClrMapping/>
-  </p:clrMapOvr>
-</p:notes>
-</file>
-
-<file path=ppt/notesSlides/notesSlide40.xml><?xml version="1.0" encoding="utf-8"?>
-<p:notes xmlns:a="http://schemas.openxmlformats.org/drawingml/2006/main" xmlns:r="http://schemas.openxmlformats.org/officeDocument/2006/relationships" xmlns:p="http://schemas.openxmlformats.org/presentationml/2006/main">
-  <p:cSld>
-    <p:spTree>
-      <p:nvGrpSpPr>
-        <p:cNvPr id="1" name=""/>
-        <p:cNvGrpSpPr/>
-        <p:nvPr/>
-      </p:nvGrpSpPr>
-      <p:grpSpPr>
-        <a:xfrm>
-          <a:off x="0" y="0"/>
-          <a:ext cx="0" cy="0"/>
-          <a:chOff x="0" y="0"/>
-          <a:chExt cx="0" cy="0"/>
-        </a:xfrm>
-      </p:grpSpPr>
-      <p:sp>
-        <p:nvSpPr>
-          <p:cNvPr id="2" name="Slide Image Placeholder 1"/>
-          <p:cNvSpPr>
-            <a:spLocks noGrp="1" noRot="1" noChangeAspect="1"/>
-          </p:cNvSpPr>
-          <p:nvPr>
-            <p:ph type="sldImg"/>
-          </p:nvPr>
-        </p:nvSpPr>
-        <p:spPr/>
-      </p:sp>
-      <p:sp>
-        <p:nvSpPr>
-          <p:cNvPr id="3" name="Notes Placeholder 2"/>
-          <p:cNvSpPr>
-            <a:spLocks noGrp="1"/>
-          </p:cNvSpPr>
-          <p:nvPr>
-            <p:ph type="body" idx="1"/>
-          </p:nvPr>
-        </p:nvSpPr>
-        <p:spPr/>
-        <p:txBody>
-          <a:bodyPr/>
-          <a:lstStyle/>
-          <a:p>
-            <a:r>
-              <a:rPr lang="en-US" dirty="0"/>
-              <a:t> </a:t>
-            </a:r>
-            <a:r>
-              <a:rPr lang="en-US" dirty="0">
-                <a:solidFill>
-                  <a:srgbClr val="0070C0"/>
-                </a:solidFill>
-              </a:rPr>
-              <a:t>[DworkMcSherryNissimSmith06]</a:t>
-            </a:r>
-            <a:r>
-              <a:rPr lang="en-US" dirty="0"/>
-              <a:t> </a:t>
-            </a:r>
-          </a:p>
-        </p:txBody>
-      </p:sp>
-      <p:sp>
-        <p:nvSpPr>
-          <p:cNvPr id="4" name="Slide Number Placeholder 3"/>
-          <p:cNvSpPr>
-            <a:spLocks noGrp="1"/>
-          </p:cNvSpPr>
-          <p:nvPr>
-            <p:ph type="sldNum" sz="quarter" idx="5"/>
-          </p:nvPr>
-        </p:nvSpPr>
-        <p:spPr/>
-        <p:txBody>
-          <a:bodyPr/>
-          <a:lstStyle/>
-          <a:p>
-            <a:fld id="{E2226E65-ADC9-4F29-BA00-34B3E2F9B8F0}" type="slidenum">
-              <a:rPr lang="en-US" smtClean="0"/>
-              <a:t>43</a:t>
-            </a:fld>
-            <a:endParaRPr lang="en-US"/>
-          </a:p>
-        </p:txBody>
-      </p:sp>
-    </p:spTree>
-    <p:extLst>
-      <p:ext uri="{BB962C8B-B14F-4D97-AF65-F5344CB8AC3E}">
-        <p14:creationId xmlns:p14="http://schemas.microsoft.com/office/powerpoint/2010/main" val="1093314364"/>
-      </p:ext>
-    </p:extLst>
-  </p:cSld>
-  <p:clrMapOvr>
-    <a:masterClrMapping/>
-  </p:clrMapOvr>
-</p:notes>
-</file>
-
-<file path=ppt/notesSlides/notesSlide41.xml><?xml version="1.0" encoding="utf-8"?>
-<p:notes xmlns:a="http://schemas.openxmlformats.org/drawingml/2006/main" xmlns:r="http://schemas.openxmlformats.org/officeDocument/2006/relationships" xmlns:p="http://schemas.openxmlformats.org/presentationml/2006/main">
-  <p:cSld>
-    <p:spTree>
-      <p:nvGrpSpPr>
-        <p:cNvPr id="1" name=""/>
-        <p:cNvGrpSpPr/>
-        <p:nvPr/>
-      </p:nvGrpSpPr>
-      <p:grpSpPr>
-        <a:xfrm>
-          <a:off x="0" y="0"/>
-          <a:ext cx="0" cy="0"/>
-          <a:chOff x="0" y="0"/>
-          <a:chExt cx="0" cy="0"/>
-        </a:xfrm>
-      </p:grpSpPr>
-      <p:sp>
-        <p:nvSpPr>
-          <p:cNvPr id="2" name="Slide Image Placeholder 1"/>
-          <p:cNvSpPr>
-            <a:spLocks noGrp="1" noRot="1" noChangeAspect="1"/>
-          </p:cNvSpPr>
-          <p:nvPr>
-            <p:ph type="sldImg"/>
-          </p:nvPr>
-        </p:nvSpPr>
-        <p:spPr/>
-      </p:sp>
-      <p:sp>
-        <p:nvSpPr>
-          <p:cNvPr id="3" name="Notes Placeholder 2"/>
-          <p:cNvSpPr>
-            <a:spLocks noGrp="1"/>
-          </p:cNvSpPr>
-          <p:nvPr>
-            <p:ph type="body" idx="1"/>
-          </p:nvPr>
-        </p:nvSpPr>
-        <p:spPr/>
-        <p:txBody>
-          <a:bodyPr/>
-          <a:lstStyle/>
-          <a:p>
-            <a:r>
-              <a:rPr lang="en-US" dirty="0"/>
-              <a:t> </a:t>
-            </a:r>
-            <a:r>
-              <a:rPr lang="en-US" dirty="0">
-                <a:solidFill>
-                  <a:srgbClr val="0070C0"/>
-                </a:solidFill>
-              </a:rPr>
-              <a:t>[DworkMcSherryNissimSmith06]</a:t>
-            </a:r>
-            <a:r>
-              <a:rPr lang="en-US" dirty="0"/>
-              <a:t> </a:t>
-            </a:r>
-          </a:p>
-        </p:txBody>
-      </p:sp>
-      <p:sp>
-        <p:nvSpPr>
-          <p:cNvPr id="4" name="Slide Number Placeholder 3"/>
-          <p:cNvSpPr>
-            <a:spLocks noGrp="1"/>
-          </p:cNvSpPr>
-          <p:nvPr>
-            <p:ph type="sldNum" sz="quarter" idx="5"/>
-          </p:nvPr>
-        </p:nvSpPr>
-        <p:spPr/>
-        <p:txBody>
-          <a:bodyPr/>
-          <a:lstStyle/>
-          <a:p>
-            <a:fld id="{E2226E65-ADC9-4F29-BA00-34B3E2F9B8F0}" type="slidenum">
-              <a:rPr lang="en-US" smtClean="0"/>
-              <a:t>44</a:t>
-            </a:fld>
-            <a:endParaRPr lang="en-US"/>
-          </a:p>
-        </p:txBody>
-      </p:sp>
-    </p:spTree>
-    <p:extLst>
-      <p:ext uri="{BB962C8B-B14F-4D97-AF65-F5344CB8AC3E}">
-        <p14:creationId xmlns:p14="http://schemas.microsoft.com/office/powerpoint/2010/main" val="2847277164"/>
-      </p:ext>
-    </p:extLst>
-  </p:cSld>
-  <p:clrMapOvr>
-    <a:masterClrMapping/>
-  </p:clrMapOvr>
-</p:notes>
-</file>
-
-<file path=ppt/notesSlides/notesSlide42.xml><?xml version="1.0" encoding="utf-8"?>
-<p:notes xmlns:a="http://schemas.openxmlformats.org/drawingml/2006/main" xmlns:r="http://schemas.openxmlformats.org/officeDocument/2006/relationships" xmlns:p="http://schemas.openxmlformats.org/presentationml/2006/main">
-  <p:cSld>
-    <p:spTree>
-      <p:nvGrpSpPr>
-        <p:cNvPr id="1" name=""/>
-        <p:cNvGrpSpPr/>
-        <p:nvPr/>
-      </p:nvGrpSpPr>
-      <p:grpSpPr>
-        <a:xfrm>
-          <a:off x="0" y="0"/>
-          <a:ext cx="0" cy="0"/>
-          <a:chOff x="0" y="0"/>
-          <a:chExt cx="0" cy="0"/>
-        </a:xfrm>
-      </p:grpSpPr>
-      <p:sp>
-        <p:nvSpPr>
-          <p:cNvPr id="2" name="Slide Image Placeholder 1"/>
-          <p:cNvSpPr>
-            <a:spLocks noGrp="1" noRot="1" noChangeAspect="1"/>
-          </p:cNvSpPr>
-          <p:nvPr>
-            <p:ph type="sldImg"/>
-          </p:nvPr>
-        </p:nvSpPr>
-        <p:spPr/>
-      </p:sp>
-      <p:sp>
-        <p:nvSpPr>
-          <p:cNvPr id="3" name="Notes Placeholder 2"/>
-          <p:cNvSpPr>
-            <a:spLocks noGrp="1"/>
-          </p:cNvSpPr>
-          <p:nvPr>
-            <p:ph type="body" idx="1"/>
-          </p:nvPr>
-        </p:nvSpPr>
-        <p:spPr/>
-        <p:txBody>
-          <a:bodyPr/>
-          <a:lstStyle/>
-          <a:p>
-            <a:r>
-              <a:rPr lang="en-US" dirty="0"/>
-              <a:t> </a:t>
-            </a:r>
-            <a:r>
-              <a:rPr lang="en-US" dirty="0">
-                <a:solidFill>
-                  <a:srgbClr val="0070C0"/>
-                </a:solidFill>
-              </a:rPr>
-              <a:t>[DworkMcSherryNissimSmith06]</a:t>
-            </a:r>
-            <a:r>
-              <a:rPr lang="en-US" dirty="0"/>
-              <a:t> </a:t>
-            </a:r>
-          </a:p>
-        </p:txBody>
-      </p:sp>
-      <p:sp>
-        <p:nvSpPr>
-          <p:cNvPr id="4" name="Slide Number Placeholder 3"/>
-          <p:cNvSpPr>
-            <a:spLocks noGrp="1"/>
-          </p:cNvSpPr>
-          <p:nvPr>
-            <p:ph type="sldNum" sz="quarter" idx="5"/>
-          </p:nvPr>
-        </p:nvSpPr>
-        <p:spPr/>
-        <p:txBody>
-          <a:bodyPr/>
-          <a:lstStyle/>
-          <a:p>
-            <a:fld id="{E2226E65-ADC9-4F29-BA00-34B3E2F9B8F0}" type="slidenum">
-              <a:rPr lang="en-US" smtClean="0"/>
-              <a:t>45</a:t>
-            </a:fld>
-            <a:endParaRPr lang="en-US"/>
-          </a:p>
-        </p:txBody>
-      </p:sp>
-    </p:spTree>
-    <p:extLst>
-      <p:ext uri="{BB962C8B-B14F-4D97-AF65-F5344CB8AC3E}">
-        <p14:creationId xmlns:p14="http://schemas.microsoft.com/office/powerpoint/2010/main" val="273006442"/>
-      </p:ext>
-    </p:extLst>
-  </p:cSld>
-  <p:clrMapOvr>
-    <a:masterClrMapping/>
-  </p:clrMapOvr>
-</p:notes>
-</file>
-
-<file path=ppt/notesSlides/notesSlide43.xml><?xml version="1.0" encoding="utf-8"?>
-<p:notes xmlns:a="http://schemas.openxmlformats.org/drawingml/2006/main" xmlns:r="http://schemas.openxmlformats.org/officeDocument/2006/relationships" xmlns:p="http://schemas.openxmlformats.org/presentationml/2006/main">
-  <p:cSld>
-    <p:spTree>
-      <p:nvGrpSpPr>
-        <p:cNvPr id="1" name=""/>
-        <p:cNvGrpSpPr/>
-        <p:nvPr/>
-      </p:nvGrpSpPr>
-      <p:grpSpPr>
-        <a:xfrm>
-          <a:off x="0" y="0"/>
-          <a:ext cx="0" cy="0"/>
-          <a:chOff x="0" y="0"/>
-          <a:chExt cx="0" cy="0"/>
-        </a:xfrm>
-      </p:grpSpPr>
-      <p:sp>
-        <p:nvSpPr>
-          <p:cNvPr id="2" name="Slide Image Placeholder 1"/>
-          <p:cNvSpPr>
-            <a:spLocks noGrp="1" noRot="1" noChangeAspect="1"/>
-          </p:cNvSpPr>
-          <p:nvPr>
-            <p:ph type="sldImg"/>
-          </p:nvPr>
-        </p:nvSpPr>
-        <p:spPr/>
-      </p:sp>
-      <p:sp>
-        <p:nvSpPr>
-          <p:cNvPr id="3" name="Notes Placeholder 2"/>
-          <p:cNvSpPr>
-            <a:spLocks noGrp="1"/>
-          </p:cNvSpPr>
-          <p:nvPr>
-            <p:ph type="body" idx="1"/>
-          </p:nvPr>
-        </p:nvSpPr>
-        <p:spPr/>
-        <p:txBody>
-          <a:bodyPr/>
-          <a:lstStyle/>
-          <a:p>
-            <a:r>
-              <a:rPr lang="en-US" dirty="0"/>
-              <a:t> </a:t>
-            </a:r>
-            <a:r>
-              <a:rPr lang="en-US" dirty="0">
-                <a:solidFill>
-                  <a:srgbClr val="0070C0"/>
-                </a:solidFill>
-              </a:rPr>
-              <a:t>[DworkMcSherryNissimSmith06]</a:t>
-            </a:r>
-            <a:r>
-              <a:rPr lang="en-US" dirty="0"/>
-              <a:t> </a:t>
-            </a:r>
-          </a:p>
-        </p:txBody>
-      </p:sp>
-      <p:sp>
-        <p:nvSpPr>
-          <p:cNvPr id="4" name="Slide Number Placeholder 3"/>
-          <p:cNvSpPr>
-            <a:spLocks noGrp="1"/>
-          </p:cNvSpPr>
-          <p:nvPr>
-            <p:ph type="sldNum" sz="quarter" idx="5"/>
-          </p:nvPr>
-        </p:nvSpPr>
-        <p:spPr/>
-        <p:txBody>
-          <a:bodyPr/>
-          <a:lstStyle/>
-          <a:p>
-            <a:fld id="{E2226E65-ADC9-4F29-BA00-34B3E2F9B8F0}" type="slidenum">
-              <a:rPr lang="en-US" smtClean="0"/>
-              <a:t>46</a:t>
-            </a:fld>
-            <a:endParaRPr lang="en-US"/>
-          </a:p>
-        </p:txBody>
-      </p:sp>
-    </p:spTree>
-    <p:extLst>
-      <p:ext uri="{BB962C8B-B14F-4D97-AF65-F5344CB8AC3E}">
-        <p14:creationId xmlns:p14="http://schemas.microsoft.com/office/powerpoint/2010/main" val="3253670722"/>
-      </p:ext>
-    </p:extLst>
-  </p:cSld>
-  <p:clrMapOvr>
-    <a:masterClrMapping/>
-  </p:clrMapOvr>
-</p:notes>
-</file>
-
-<file path=ppt/notesSlides/notesSlide44.xml><?xml version="1.0" encoding="utf-8"?>
-<p:notes xmlns:a="http://schemas.openxmlformats.org/drawingml/2006/main" xmlns:r="http://schemas.openxmlformats.org/officeDocument/2006/relationships" xmlns:p="http://schemas.openxmlformats.org/presentationml/2006/main">
-  <p:cSld>
-    <p:spTree>
-      <p:nvGrpSpPr>
-        <p:cNvPr id="1" name=""/>
-        <p:cNvGrpSpPr/>
-        <p:nvPr/>
-      </p:nvGrpSpPr>
-      <p:grpSpPr>
-        <a:xfrm>
-          <a:off x="0" y="0"/>
-          <a:ext cx="0" cy="0"/>
-          <a:chOff x="0" y="0"/>
-          <a:chExt cx="0" cy="0"/>
-        </a:xfrm>
-      </p:grpSpPr>
-      <p:sp>
-        <p:nvSpPr>
-          <p:cNvPr id="2" name="Slide Image Placeholder 1"/>
-          <p:cNvSpPr>
-            <a:spLocks noGrp="1" noRot="1" noChangeAspect="1"/>
-          </p:cNvSpPr>
-          <p:nvPr>
-            <p:ph type="sldImg"/>
-          </p:nvPr>
-        </p:nvSpPr>
-        <p:spPr/>
-      </p:sp>
-      <p:sp>
-        <p:nvSpPr>
-          <p:cNvPr id="3" name="Notes Placeholder 2"/>
-          <p:cNvSpPr>
-            <a:spLocks noGrp="1"/>
-          </p:cNvSpPr>
-          <p:nvPr>
-            <p:ph type="body" idx="1"/>
-          </p:nvPr>
-        </p:nvSpPr>
-        <p:spPr/>
-        <p:txBody>
-          <a:bodyPr/>
-          <a:lstStyle/>
-          <a:p>
-            <a:r>
-              <a:rPr lang="en-US" dirty="0"/>
-              <a:t> </a:t>
-            </a:r>
-            <a:r>
-              <a:rPr lang="en-US" dirty="0">
-                <a:solidFill>
-                  <a:srgbClr val="0070C0"/>
-                </a:solidFill>
-              </a:rPr>
-              <a:t>[DworkMcSherryNissimSmith06]</a:t>
-            </a:r>
-            <a:r>
-              <a:rPr lang="en-US" dirty="0"/>
-              <a:t> </a:t>
-            </a:r>
-          </a:p>
-        </p:txBody>
-      </p:sp>
-      <p:sp>
-        <p:nvSpPr>
-          <p:cNvPr id="4" name="Slide Number Placeholder 3"/>
-          <p:cNvSpPr>
-            <a:spLocks noGrp="1"/>
-          </p:cNvSpPr>
-          <p:nvPr>
-            <p:ph type="sldNum" sz="quarter" idx="5"/>
-          </p:nvPr>
-        </p:nvSpPr>
-        <p:spPr/>
-        <p:txBody>
-          <a:bodyPr/>
-          <a:lstStyle/>
-          <a:p>
-            <a:fld id="{E2226E65-ADC9-4F29-BA00-34B3E2F9B8F0}" type="slidenum">
-              <a:rPr lang="en-US" smtClean="0"/>
-              <a:t>47</a:t>
-            </a:fld>
-            <a:endParaRPr lang="en-US"/>
-          </a:p>
-        </p:txBody>
-      </p:sp>
-    </p:spTree>
-    <p:extLst>
-      <p:ext uri="{BB962C8B-B14F-4D97-AF65-F5344CB8AC3E}">
-        <p14:creationId xmlns:p14="http://schemas.microsoft.com/office/powerpoint/2010/main" val="1748213556"/>
-      </p:ext>
-    </p:extLst>
-  </p:cSld>
-  <p:clrMapOvr>
-    <a:masterClrMapping/>
-  </p:clrMapOvr>
-</p:notes>
-</file>
-
-<file path=ppt/notesSlides/notesSlide45.xml><?xml version="1.0" encoding="utf-8"?>
-<p:notes xmlns:a="http://schemas.openxmlformats.org/drawingml/2006/main" xmlns:r="http://schemas.openxmlformats.org/officeDocument/2006/relationships" xmlns:p="http://schemas.openxmlformats.org/presentationml/2006/main">
-  <p:cSld>
-    <p:spTree>
-      <p:nvGrpSpPr>
-        <p:cNvPr id="1" name=""/>
-        <p:cNvGrpSpPr/>
-        <p:nvPr/>
-      </p:nvGrpSpPr>
-      <p:grpSpPr>
-        <a:xfrm>
-          <a:off x="0" y="0"/>
-          <a:ext cx="0" cy="0"/>
-          <a:chOff x="0" y="0"/>
-          <a:chExt cx="0" cy="0"/>
-        </a:xfrm>
-      </p:grpSpPr>
-      <p:sp>
-        <p:nvSpPr>
-          <p:cNvPr id="2" name="Slide Image Placeholder 1"/>
-          <p:cNvSpPr>
-            <a:spLocks noGrp="1" noRot="1" noChangeAspect="1"/>
-          </p:cNvSpPr>
-          <p:nvPr>
-            <p:ph type="sldImg"/>
-          </p:nvPr>
-        </p:nvSpPr>
-        <p:spPr/>
-      </p:sp>
-      <p:sp>
-        <p:nvSpPr>
-          <p:cNvPr id="3" name="Notes Placeholder 2"/>
-          <p:cNvSpPr>
-            <a:spLocks noGrp="1"/>
-          </p:cNvSpPr>
-          <p:nvPr>
-            <p:ph type="body" idx="1"/>
-          </p:nvPr>
-        </p:nvSpPr>
-        <p:spPr/>
-        <p:txBody>
-          <a:bodyPr/>
-          <a:lstStyle/>
-          <a:p>
-            <a:r>
-              <a:rPr lang="en-US" dirty="0"/>
-              <a:t> </a:t>
-            </a:r>
-            <a:r>
-              <a:rPr lang="en-US" dirty="0">
-                <a:solidFill>
-                  <a:srgbClr val="0070C0"/>
-                </a:solidFill>
-              </a:rPr>
-              <a:t>[DworkMcSherryNissimSmith06]</a:t>
-            </a:r>
-            <a:r>
-              <a:rPr lang="en-US" dirty="0"/>
-              <a:t> </a:t>
-            </a:r>
-          </a:p>
-        </p:txBody>
-      </p:sp>
-      <p:sp>
-        <p:nvSpPr>
-          <p:cNvPr id="4" name="Slide Number Placeholder 3"/>
-          <p:cNvSpPr>
-            <a:spLocks noGrp="1"/>
-          </p:cNvSpPr>
-          <p:nvPr>
-            <p:ph type="sldNum" sz="quarter" idx="5"/>
-          </p:nvPr>
-        </p:nvSpPr>
-        <p:spPr/>
-        <p:txBody>
-          <a:bodyPr/>
-          <a:lstStyle/>
-          <a:p>
-            <a:fld id="{E2226E65-ADC9-4F29-BA00-34B3E2F9B8F0}" type="slidenum">
-              <a:rPr lang="en-US" smtClean="0"/>
-              <a:t>48</a:t>
-            </a:fld>
-            <a:endParaRPr lang="en-US"/>
-          </a:p>
-        </p:txBody>
-      </p:sp>
-    </p:spTree>
-    <p:extLst>
-      <p:ext uri="{BB962C8B-B14F-4D97-AF65-F5344CB8AC3E}">
-        <p14:creationId xmlns:p14="http://schemas.microsoft.com/office/powerpoint/2010/main" val="833782572"/>
-      </p:ext>
-    </p:extLst>
-  </p:cSld>
-  <p:clrMapOvr>
-    <a:masterClrMapping/>
-  </p:clrMapOvr>
-</p:notes>
-</file>
-
-<file path=ppt/notesSlides/notesSlide46.xml><?xml version="1.0" encoding="utf-8"?>
-<p:notes xmlns:a="http://schemas.openxmlformats.org/drawingml/2006/main" xmlns:r="http://schemas.openxmlformats.org/officeDocument/2006/relationships" xmlns:p="http://schemas.openxmlformats.org/presentationml/2006/main">
-  <p:cSld>
-    <p:spTree>
-      <p:nvGrpSpPr>
-        <p:cNvPr id="1" name=""/>
-        <p:cNvGrpSpPr/>
-        <p:nvPr/>
-      </p:nvGrpSpPr>
-      <p:grpSpPr>
-        <a:xfrm>
-          <a:off x="0" y="0"/>
-          <a:ext cx="0" cy="0"/>
-          <a:chOff x="0" y="0"/>
-          <a:chExt cx="0" cy="0"/>
-        </a:xfrm>
-      </p:grpSpPr>
-      <p:sp>
-        <p:nvSpPr>
-          <p:cNvPr id="2" name="Slide Image Placeholder 1"/>
-          <p:cNvSpPr>
-            <a:spLocks noGrp="1" noRot="1" noChangeAspect="1"/>
-          </p:cNvSpPr>
-          <p:nvPr>
-            <p:ph type="sldImg"/>
-          </p:nvPr>
-        </p:nvSpPr>
-        <p:spPr/>
-      </p:sp>
-      <p:sp>
-        <p:nvSpPr>
-          <p:cNvPr id="3" name="Notes Placeholder 2"/>
-          <p:cNvSpPr>
-            <a:spLocks noGrp="1"/>
-          </p:cNvSpPr>
-          <p:nvPr>
-            <p:ph type="body" idx="1"/>
-          </p:nvPr>
-        </p:nvSpPr>
-        <p:spPr/>
-        <p:txBody>
-          <a:bodyPr/>
-          <a:lstStyle/>
-          <a:p>
-            <a:r>
-              <a:rPr lang="en-US" dirty="0"/>
-              <a:t> </a:t>
-            </a:r>
-            <a:r>
-              <a:rPr lang="en-US" dirty="0">
-                <a:solidFill>
-                  <a:srgbClr val="0070C0"/>
-                </a:solidFill>
-              </a:rPr>
-              <a:t>[DworkMcSherryNissimSmith06]</a:t>
-            </a:r>
-            <a:r>
-              <a:rPr lang="en-US" dirty="0"/>
-              <a:t> </a:t>
-            </a:r>
-          </a:p>
-        </p:txBody>
-      </p:sp>
-      <p:sp>
-        <p:nvSpPr>
-          <p:cNvPr id="4" name="Slide Number Placeholder 3"/>
-          <p:cNvSpPr>
-            <a:spLocks noGrp="1"/>
-          </p:cNvSpPr>
-          <p:nvPr>
-            <p:ph type="sldNum" sz="quarter" idx="5"/>
-          </p:nvPr>
-        </p:nvSpPr>
-        <p:spPr/>
-        <p:txBody>
-          <a:bodyPr/>
-          <a:lstStyle/>
-          <a:p>
-            <a:fld id="{E2226E65-ADC9-4F29-BA00-34B3E2F9B8F0}" type="slidenum">
-              <a:rPr lang="en-US" smtClean="0"/>
-              <a:t>49</a:t>
-            </a:fld>
-            <a:endParaRPr lang="en-US"/>
-          </a:p>
-        </p:txBody>
-      </p:sp>
-    </p:spTree>
-    <p:extLst>
-      <p:ext uri="{BB962C8B-B14F-4D97-AF65-F5344CB8AC3E}">
-        <p14:creationId xmlns:p14="http://schemas.microsoft.com/office/powerpoint/2010/main" val="3840116268"/>
-      </p:ext>
-    </p:extLst>
-  </p:cSld>
-  <p:clrMapOvr>
-    <a:masterClrMapping/>
-  </p:clrMapOvr>
-</p:notes>
-</file>
-
-<file path=ppt/notesSlides/notesSlide47.xml><?xml version="1.0" encoding="utf-8"?>
-<p:notes xmlns:a="http://schemas.openxmlformats.org/drawingml/2006/main" xmlns:r="http://schemas.openxmlformats.org/officeDocument/2006/relationships" xmlns:p="http://schemas.openxmlformats.org/presentationml/2006/main">
-  <p:cSld>
-    <p:spTree>
-      <p:nvGrpSpPr>
-        <p:cNvPr id="1" name=""/>
-        <p:cNvGrpSpPr/>
-        <p:nvPr/>
-      </p:nvGrpSpPr>
-      <p:grpSpPr>
-        <a:xfrm>
-          <a:off x="0" y="0"/>
-          <a:ext cx="0" cy="0"/>
-          <a:chOff x="0" y="0"/>
-          <a:chExt cx="0" cy="0"/>
-        </a:xfrm>
-      </p:grpSpPr>
-      <p:sp>
-        <p:nvSpPr>
-          <p:cNvPr id="2" name="Slide Image Placeholder 1"/>
-          <p:cNvSpPr>
-            <a:spLocks noGrp="1" noRot="1" noChangeAspect="1"/>
-          </p:cNvSpPr>
-          <p:nvPr>
-            <p:ph type="sldImg"/>
-          </p:nvPr>
-        </p:nvSpPr>
-        <p:spPr/>
-      </p:sp>
-      <p:sp>
-        <p:nvSpPr>
-          <p:cNvPr id="3" name="Notes Placeholder 2"/>
-          <p:cNvSpPr>
-            <a:spLocks noGrp="1"/>
-          </p:cNvSpPr>
-          <p:nvPr>
-            <p:ph type="body" idx="1"/>
-          </p:nvPr>
-        </p:nvSpPr>
-        <p:spPr/>
-        <p:txBody>
-          <a:bodyPr/>
-          <a:lstStyle/>
-          <a:p>
-            <a:r>
-              <a:rPr lang="en-US" dirty="0"/>
-              <a:t> </a:t>
-            </a:r>
-            <a:r>
-              <a:rPr lang="en-US" dirty="0">
-                <a:solidFill>
-                  <a:srgbClr val="0070C0"/>
-                </a:solidFill>
-              </a:rPr>
-              <a:t>[DworkMcSherryNissimSmith06]</a:t>
-            </a:r>
-            <a:r>
-              <a:rPr lang="en-US" dirty="0"/>
-              <a:t> </a:t>
-            </a:r>
-          </a:p>
-        </p:txBody>
-      </p:sp>
-      <p:sp>
-        <p:nvSpPr>
-          <p:cNvPr id="4" name="Slide Number Placeholder 3"/>
-          <p:cNvSpPr>
-            <a:spLocks noGrp="1"/>
-          </p:cNvSpPr>
-          <p:nvPr>
-            <p:ph type="sldNum" sz="quarter" idx="5"/>
-          </p:nvPr>
-        </p:nvSpPr>
-        <p:spPr/>
-        <p:txBody>
-          <a:bodyPr/>
-          <a:lstStyle/>
-          <a:p>
-            <a:fld id="{E2226E65-ADC9-4F29-BA00-34B3E2F9B8F0}" type="slidenum">
-              <a:rPr lang="en-US" smtClean="0"/>
-              <a:t>50</a:t>
-            </a:fld>
-            <a:endParaRPr lang="en-US"/>
-          </a:p>
-        </p:txBody>
-      </p:sp>
-    </p:spTree>
-    <p:extLst>
-      <p:ext uri="{BB962C8B-B14F-4D97-AF65-F5344CB8AC3E}">
-        <p14:creationId xmlns:p14="http://schemas.microsoft.com/office/powerpoint/2010/main" val="2055297168"/>
       </p:ext>
     </p:extLst>
   </p:cSld>
@@ -5013,7 +3913,7 @@
           <a:p>
             <a:fld id="{CEC09607-EBB4-42D8-AA24-DB43F31174A6}" type="datetimeFigureOut">
               <a:rPr lang="en-US" smtClean="0"/>
-              <a:t>4/9/2024</a:t>
+              <a:t>4/10/2024</a:t>
             </a:fld>
             <a:endParaRPr lang="en-US"/>
           </a:p>
@@ -5211,7 +4111,7 @@
           <a:p>
             <a:fld id="{CEC09607-EBB4-42D8-AA24-DB43F31174A6}" type="datetimeFigureOut">
               <a:rPr lang="en-US" smtClean="0"/>
-              <a:t>4/9/2024</a:t>
+              <a:t>4/10/2024</a:t>
             </a:fld>
             <a:endParaRPr lang="en-US"/>
           </a:p>
@@ -5419,7 +4319,7 @@
           <a:p>
             <a:fld id="{CEC09607-EBB4-42D8-AA24-DB43F31174A6}" type="datetimeFigureOut">
               <a:rPr lang="en-US" smtClean="0"/>
-              <a:t>4/9/2024</a:t>
+              <a:t>4/10/2024</a:t>
             </a:fld>
             <a:endParaRPr lang="en-US"/>
           </a:p>
@@ -5617,7 +4517,7 @@
           <a:p>
             <a:fld id="{CEC09607-EBB4-42D8-AA24-DB43F31174A6}" type="datetimeFigureOut">
               <a:rPr lang="en-US" smtClean="0"/>
-              <a:t>4/9/2024</a:t>
+              <a:t>4/10/2024</a:t>
             </a:fld>
             <a:endParaRPr lang="en-US"/>
           </a:p>
@@ -5892,7 +4792,7 @@
           <a:p>
             <a:fld id="{CEC09607-EBB4-42D8-AA24-DB43F31174A6}" type="datetimeFigureOut">
               <a:rPr lang="en-US" smtClean="0"/>
-              <a:t>4/9/2024</a:t>
+              <a:t>4/10/2024</a:t>
             </a:fld>
             <a:endParaRPr lang="en-US"/>
           </a:p>
@@ -6157,7 +5057,7 @@
           <a:p>
             <a:fld id="{CEC09607-EBB4-42D8-AA24-DB43F31174A6}" type="datetimeFigureOut">
               <a:rPr lang="en-US" smtClean="0"/>
-              <a:t>4/9/2024</a:t>
+              <a:t>4/10/2024</a:t>
             </a:fld>
             <a:endParaRPr lang="en-US"/>
           </a:p>
@@ -6569,7 +5469,7 @@
           <a:p>
             <a:fld id="{CEC09607-EBB4-42D8-AA24-DB43F31174A6}" type="datetimeFigureOut">
               <a:rPr lang="en-US" smtClean="0"/>
-              <a:t>4/9/2024</a:t>
+              <a:t>4/10/2024</a:t>
             </a:fld>
             <a:endParaRPr lang="en-US"/>
           </a:p>
@@ -6710,7 +5610,7 @@
           <a:p>
             <a:fld id="{CEC09607-EBB4-42D8-AA24-DB43F31174A6}" type="datetimeFigureOut">
               <a:rPr lang="en-US" smtClean="0"/>
-              <a:t>4/9/2024</a:t>
+              <a:t>4/10/2024</a:t>
             </a:fld>
             <a:endParaRPr lang="en-US"/>
           </a:p>
@@ -6823,7 +5723,7 @@
           <a:p>
             <a:fld id="{CEC09607-EBB4-42D8-AA24-DB43F31174A6}" type="datetimeFigureOut">
               <a:rPr lang="en-US" smtClean="0"/>
-              <a:t>4/9/2024</a:t>
+              <a:t>4/10/2024</a:t>
             </a:fld>
             <a:endParaRPr lang="en-US"/>
           </a:p>
@@ -7134,7 +6034,7 @@
           <a:p>
             <a:fld id="{CEC09607-EBB4-42D8-AA24-DB43F31174A6}" type="datetimeFigureOut">
               <a:rPr lang="en-US" smtClean="0"/>
-              <a:t>4/9/2024</a:t>
+              <a:t>4/10/2024</a:t>
             </a:fld>
             <a:endParaRPr lang="en-US"/>
           </a:p>
@@ -7422,7 +6322,7 @@
           <a:p>
             <a:fld id="{CEC09607-EBB4-42D8-AA24-DB43F31174A6}" type="datetimeFigureOut">
               <a:rPr lang="en-US" smtClean="0"/>
-              <a:t>4/9/2024</a:t>
+              <a:t>4/10/2024</a:t>
             </a:fld>
             <a:endParaRPr lang="en-US"/>
           </a:p>
@@ -7663,7 +6563,7 @@
           <a:p>
             <a:fld id="{CEC09607-EBB4-42D8-AA24-DB43F31174A6}" type="datetimeFigureOut">
               <a:rPr lang="en-US" smtClean="0"/>
-              <a:t>4/9/2024</a:t>
+              <a:t>4/10/2024</a:t>
             </a:fld>
             <a:endParaRPr lang="en-US"/>
           </a:p>
@@ -12323,8 +11223,8 @@
           </a:p>
         </p:txBody>
       </p:sp>
-      <mc:AlternateContent xmlns:mc="http://schemas.openxmlformats.org/markup-compatibility/2006">
-        <mc:Choice xmlns:a14="http://schemas.microsoft.com/office/drawing/2010/main" Requires="a14">
+      <mc:AlternateContent xmlns:mc="http://schemas.openxmlformats.org/markup-compatibility/2006" xmlns:a14="http://schemas.microsoft.com/office/drawing/2010/main">
+        <mc:Choice Requires="a14">
           <p:sp>
             <p:nvSpPr>
               <p:cNvPr id="5" name="Content Placeholder 3">
@@ -12522,7 +11422,7 @@
             </p:txBody>
           </p:sp>
         </mc:Choice>
-        <mc:Fallback>
+        <mc:Fallback xmlns="">
           <p:sp>
             <p:nvSpPr>
               <p:cNvPr id="5" name="Content Placeholder 3">
@@ -12566,8 +11466,8 @@
           </p:sp>
         </mc:Fallback>
       </mc:AlternateContent>
-      <mc:AlternateContent xmlns:mc="http://schemas.openxmlformats.org/markup-compatibility/2006">
-        <mc:Choice xmlns:a14="http://schemas.microsoft.com/office/drawing/2010/main" Requires="a14">
+      <mc:AlternateContent xmlns:mc="http://schemas.openxmlformats.org/markup-compatibility/2006" xmlns:a14="http://schemas.microsoft.com/office/drawing/2010/main">
+        <mc:Choice Requires="a14">
           <p:sp>
             <p:nvSpPr>
               <p:cNvPr id="6" name="TextBox 5">
@@ -12801,7 +11701,7 @@
             </p:txBody>
           </p:sp>
         </mc:Choice>
-        <mc:Fallback>
+        <mc:Fallback xmlns="">
           <p:sp>
             <p:nvSpPr>
               <p:cNvPr id="6" name="TextBox 5">
@@ -13305,8 +12205,8 @@
           </a:p>
         </p:txBody>
       </p:sp>
-      <mc:AlternateContent xmlns:mc="http://schemas.openxmlformats.org/markup-compatibility/2006">
-        <mc:Choice xmlns:a14="http://schemas.microsoft.com/office/drawing/2010/main" Requires="a14">
+      <mc:AlternateContent xmlns:mc="http://schemas.openxmlformats.org/markup-compatibility/2006" xmlns:a14="http://schemas.microsoft.com/office/drawing/2010/main">
+        <mc:Choice Requires="a14">
           <p:sp>
             <p:nvSpPr>
               <p:cNvPr id="5" name="Content Placeholder 3">
@@ -13773,7 +12673,7 @@
             </p:txBody>
           </p:sp>
         </mc:Choice>
-        <mc:Fallback>
+        <mc:Fallback xmlns="">
           <p:sp>
             <p:nvSpPr>
               <p:cNvPr id="5" name="Content Placeholder 3">
@@ -14276,8 +13176,8 @@
           </a:p>
         </p:txBody>
       </p:sp>
-      <mc:AlternateContent xmlns:mc="http://schemas.openxmlformats.org/markup-compatibility/2006">
-        <mc:Choice xmlns:a14="http://schemas.microsoft.com/office/drawing/2010/main" Requires="a14">
+      <mc:AlternateContent xmlns:mc="http://schemas.openxmlformats.org/markup-compatibility/2006" xmlns:a14="http://schemas.microsoft.com/office/drawing/2010/main">
+        <mc:Choice Requires="a14">
           <p:sp>
             <p:nvSpPr>
               <p:cNvPr id="5" name="Content Placeholder 3">
@@ -14611,7 +13511,7 @@
             </p:txBody>
           </p:sp>
         </mc:Choice>
-        <mc:Fallback>
+        <mc:Fallback xmlns="">
           <p:sp>
             <p:nvSpPr>
               <p:cNvPr id="5" name="Content Placeholder 3">
@@ -14655,8 +13555,8 @@
           </p:sp>
         </mc:Fallback>
       </mc:AlternateContent>
-      <mc:AlternateContent xmlns:mc="http://schemas.openxmlformats.org/markup-compatibility/2006">
-        <mc:Choice xmlns:a14="http://schemas.microsoft.com/office/drawing/2010/main" Requires="a14">
+      <mc:AlternateContent xmlns:mc="http://schemas.openxmlformats.org/markup-compatibility/2006" xmlns:a14="http://schemas.microsoft.com/office/drawing/2010/main">
+        <mc:Choice Requires="a14">
           <p:sp>
             <p:nvSpPr>
               <p:cNvPr id="6" name="TextBox 5">
@@ -14951,7 +13851,7 @@
             </p:txBody>
           </p:sp>
         </mc:Choice>
-        <mc:Fallback>
+        <mc:Fallback xmlns="">
           <p:sp>
             <p:nvSpPr>
               <p:cNvPr id="6" name="TextBox 5">
@@ -14996,8 +13896,8 @@
           </p:sp>
         </mc:Fallback>
       </mc:AlternateContent>
-      <mc:AlternateContent xmlns:mc="http://schemas.openxmlformats.org/markup-compatibility/2006">
-        <mc:Choice xmlns:a14="http://schemas.microsoft.com/office/drawing/2010/main" Requires="a14">
+      <mc:AlternateContent xmlns:mc="http://schemas.openxmlformats.org/markup-compatibility/2006" xmlns:a14="http://schemas.microsoft.com/office/drawing/2010/main">
+        <mc:Choice Requires="a14">
           <p:sp>
             <p:nvSpPr>
               <p:cNvPr id="4" name="TextBox 3">
@@ -15132,7 +14032,7 @@
             </p:txBody>
           </p:sp>
         </mc:Choice>
-        <mc:Fallback>
+        <mc:Fallback xmlns="">
           <p:sp>
             <p:nvSpPr>
               <p:cNvPr id="4" name="TextBox 3">
@@ -15870,8 +14770,8 @@
           </p:sp>
         </mc:Fallback>
       </mc:AlternateContent>
-      <mc:AlternateContent xmlns:mc="http://schemas.openxmlformats.org/markup-compatibility/2006">
-        <mc:Choice xmlns:a14="http://schemas.microsoft.com/office/drawing/2010/main" Requires="a14">
+      <mc:AlternateContent xmlns:mc="http://schemas.openxmlformats.org/markup-compatibility/2006" xmlns:a14="http://schemas.microsoft.com/office/drawing/2010/main">
+        <mc:Choice Requires="a14">
           <p:sp>
             <p:nvSpPr>
               <p:cNvPr id="6" name="TextBox 5">
@@ -16166,7 +15066,7 @@
             </p:txBody>
           </p:sp>
         </mc:Choice>
-        <mc:Fallback>
+        <mc:Fallback xmlns="">
           <p:sp>
             <p:nvSpPr>
               <p:cNvPr id="6" name="TextBox 5">
@@ -17547,7 +16447,7 @@
                   <a:srgbClr val="C00000"/>
                 </a:solidFill>
               </a:rPr>
-              <a:t>Differential Privacy Properties</a:t>
+              <a:t>Counting</a:t>
             </a:r>
           </a:p>
         </p:txBody>
@@ -17571,7 +16471,7 @@
         <p:spPr>
           <a:xfrm>
             <a:off x="838200" y="1825624"/>
-            <a:ext cx="10242755" cy="4100047"/>
+            <a:ext cx="10242755" cy="4171764"/>
           </a:xfrm>
         </p:spPr>
         <p:txBody>
@@ -17587,15 +16487,107 @@
             </a:pPr>
             <a:r>
               <a:rPr lang="en-US" sz="3200" dirty="0"/>
-              <a:t>What properties would we like from a rigorous definition of privacy?</a:t>
+              <a:t>How many people in the population satisfy some property?</a:t>
             </a:r>
+          </a:p>
+          <a:p>
+            <a:pPr>
+              <a:buClr>
+                <a:schemeClr val="tx1"/>
+              </a:buClr>
+            </a:pPr>
+            <a:endParaRPr lang="en-US" sz="3200" dirty="0"/>
+          </a:p>
+          <a:p>
+            <a:pPr marL="0" indent="0">
+              <a:buClr>
+                <a:schemeClr val="tx1"/>
+              </a:buClr>
+              <a:buNone/>
+            </a:pPr>
+            <a:endParaRPr lang="en-US" sz="3200" dirty="0"/>
+          </a:p>
+          <a:p>
+            <a:pPr>
+              <a:buClr>
+                <a:schemeClr val="tx1"/>
+              </a:buClr>
+            </a:pPr>
+            <a:r>
+              <a:rPr lang="en-US" sz="3200" dirty="0">
+                <a:solidFill>
+                  <a:schemeClr val="accent1"/>
+                </a:solidFill>
+              </a:rPr>
+              <a:t>How many people in this class have a pet?</a:t>
+            </a:r>
+          </a:p>
+          <a:p>
+            <a:pPr>
+              <a:buClr>
+                <a:schemeClr val="tx1"/>
+              </a:buClr>
+            </a:pPr>
+            <a:endParaRPr lang="en-US" sz="3200" dirty="0"/>
+          </a:p>
+          <a:p>
+            <a:pPr>
+              <a:buClr>
+                <a:schemeClr val="tx1"/>
+              </a:buClr>
+            </a:pPr>
+            <a:endParaRPr lang="en-US" sz="3200" dirty="0"/>
+          </a:p>
+          <a:p>
+            <a:pPr>
+              <a:buClr>
+                <a:schemeClr val="tx1"/>
+              </a:buClr>
+            </a:pPr>
+            <a:endParaRPr lang="en-US" sz="3200" dirty="0"/>
           </a:p>
         </p:txBody>
       </p:sp>
+      <p:pic>
+        <p:nvPicPr>
+          <p:cNvPr id="4" name="Picture 3">
+            <a:extLst>
+              <a:ext uri="{FF2B5EF4-FFF2-40B4-BE49-F238E27FC236}">
+                <a16:creationId xmlns:a16="http://schemas.microsoft.com/office/drawing/2014/main" id="{E8D532C7-16FF-7BB5-FE35-15A3B97072B7}"/>
+              </a:ext>
+            </a:extLst>
+          </p:cNvPr>
+          <p:cNvPicPr>
+            <a:picLocks noChangeAspect="1"/>
+          </p:cNvPicPr>
+          <p:nvPr/>
+        </p:nvPicPr>
+        <p:blipFill>
+          <a:blip r:embed="rId3">
+            <a:extLst>
+              <a:ext uri="{28A0092B-C50C-407E-A947-70E740481C1C}">
+                <a14:useLocalDpi xmlns:a14="http://schemas.microsoft.com/office/drawing/2010/main" val="0"/>
+              </a:ext>
+            </a:extLst>
+          </a:blip>
+          <a:stretch>
+            <a:fillRect/>
+          </a:stretch>
+        </p:blipFill>
+        <p:spPr>
+          <a:xfrm>
+            <a:off x="8733023" y="4780429"/>
+            <a:ext cx="2847975" cy="1600200"/>
+          </a:xfrm>
+          <a:prstGeom prst="rect">
+            <a:avLst/>
+          </a:prstGeom>
+        </p:spPr>
+      </p:pic>
     </p:spTree>
     <p:extLst>
       <p:ext uri="{BB962C8B-B14F-4D97-AF65-F5344CB8AC3E}">
-        <p14:creationId xmlns:p14="http://schemas.microsoft.com/office/powerpoint/2010/main" val="2409075300"/>
+        <p14:creationId xmlns:p14="http://schemas.microsoft.com/office/powerpoint/2010/main" val="3952780185"/>
       </p:ext>
     </p:extLst>
   </p:cSld>
@@ -17840,694 +16832,123 @@
                   <a:srgbClr val="C00000"/>
                 </a:solidFill>
               </a:rPr>
-              <a:t>Differential Privacy Properties</a:t>
+              <a:t>Counting</a:t>
             </a:r>
           </a:p>
         </p:txBody>
       </p:sp>
-      <mc:AlternateContent xmlns:mc="http://schemas.openxmlformats.org/markup-compatibility/2006" xmlns:a14="http://schemas.microsoft.com/office/drawing/2010/main">
-        <mc:Choice Requires="a14">
-          <p:sp>
-            <p:nvSpPr>
-              <p:cNvPr id="5" name="Content Placeholder 3">
-                <a:extLst>
-                  <a:ext uri="{FF2B5EF4-FFF2-40B4-BE49-F238E27FC236}">
-                    <a16:creationId xmlns:a16="http://schemas.microsoft.com/office/drawing/2014/main" id="{46EDD9D9-1338-4BC5-9D28-964A84C143C2}"/>
-                  </a:ext>
-                </a:extLst>
-              </p:cNvPr>
-              <p:cNvSpPr>
-                <a:spLocks noGrp="1"/>
-              </p:cNvSpPr>
-              <p:nvPr>
-                <p:ph idx="1"/>
-              </p:nvPr>
-            </p:nvSpPr>
-            <p:spPr>
-              <a:xfrm>
-                <a:off x="838200" y="1825624"/>
-                <a:ext cx="10242755" cy="4799294"/>
-              </a:xfrm>
-            </p:spPr>
-            <p:txBody>
-              <a:bodyPr>
-                <a:noAutofit/>
-              </a:bodyPr>
-              <a:lstStyle/>
-              <a:p>
-                <a:pPr>
-                  <a:buClr>
-                    <a:schemeClr val="tx1"/>
-                  </a:buClr>
-                </a:pPr>
-                <a:r>
-                  <a:rPr lang="en-US" sz="3200" dirty="0"/>
-                  <a:t>Privacy loss measure </a:t>
-                </a:r>
-                <a14:m>
-                  <m:oMath xmlns:m="http://schemas.openxmlformats.org/officeDocument/2006/math">
-                    <m:r>
-                      <a:rPr lang="en-US" sz="3200" i="1" smtClean="0">
-                        <a:solidFill>
-                          <a:srgbClr val="C00000"/>
-                        </a:solidFill>
-                        <a:latin typeface="Cambria Math" panose="02040503050406030204" pitchFamily="18" charset="0"/>
-                      </a:rPr>
-                      <m:t>𝜀</m:t>
-                    </m:r>
-                  </m:oMath>
-                </a14:m>
-                <a:r>
-                  <a:rPr lang="en-US" sz="3200" dirty="0"/>
-                  <a:t> accumulates across multiple computations and datasets</a:t>
-                </a:r>
-              </a:p>
-              <a:p>
-                <a:pPr lvl="1">
-                  <a:buClr>
-                    <a:schemeClr val="tx1"/>
-                  </a:buClr>
-                </a:pPr>
-                <a:r>
-                  <a:rPr lang="en-US" sz="3200" dirty="0"/>
-                  <a:t>If mechanism </a:t>
-                </a:r>
-                <a14:m>
-                  <m:oMath xmlns:m="http://schemas.openxmlformats.org/officeDocument/2006/math">
-                    <m:sSub>
-                      <m:sSubPr>
-                        <m:ctrlPr>
-                          <a:rPr lang="en-US" sz="3200" b="0" i="1" smtClean="0">
-                            <a:solidFill>
-                              <a:srgbClr val="C00000"/>
-                            </a:solidFill>
-                            <a:latin typeface="Cambria Math" panose="02040503050406030204" pitchFamily="18" charset="0"/>
-                          </a:rPr>
-                        </m:ctrlPr>
-                      </m:sSubPr>
-                      <m:e>
-                        <m:r>
-                          <a:rPr lang="en-US" sz="3200" b="0" i="1" smtClean="0">
-                            <a:solidFill>
-                              <a:srgbClr val="C00000"/>
-                            </a:solidFill>
-                            <a:latin typeface="Cambria Math" panose="02040503050406030204" pitchFamily="18" charset="0"/>
-                          </a:rPr>
-                          <m:t>𝑀</m:t>
-                        </m:r>
-                      </m:e>
-                      <m:sub>
-                        <m:r>
-                          <a:rPr lang="en-US" sz="3200" b="0" i="1" smtClean="0">
-                            <a:solidFill>
-                              <a:srgbClr val="C00000"/>
-                            </a:solidFill>
-                            <a:latin typeface="Cambria Math" panose="02040503050406030204" pitchFamily="18" charset="0"/>
-                          </a:rPr>
-                          <m:t>1</m:t>
-                        </m:r>
-                      </m:sub>
-                    </m:sSub>
-                  </m:oMath>
-                </a14:m>
-                <a:r>
-                  <a:rPr lang="en-US" sz="3200" dirty="0"/>
-                  <a:t> has privacy loss </a:t>
-                </a:r>
-                <a14:m>
-                  <m:oMath xmlns:m="http://schemas.openxmlformats.org/officeDocument/2006/math">
-                    <m:sSub>
-                      <m:sSubPr>
-                        <m:ctrlPr>
-                          <a:rPr lang="en-US" sz="3200" b="0" i="1" smtClean="0">
-                            <a:solidFill>
-                              <a:srgbClr val="C00000"/>
-                            </a:solidFill>
-                            <a:latin typeface="Cambria Math" panose="02040503050406030204" pitchFamily="18" charset="0"/>
-                          </a:rPr>
-                        </m:ctrlPr>
-                      </m:sSubPr>
-                      <m:e>
-                        <m:r>
-                          <a:rPr lang="en-US" sz="3200" i="1" smtClean="0">
-                            <a:solidFill>
-                              <a:srgbClr val="C00000"/>
-                            </a:solidFill>
-                            <a:latin typeface="Cambria Math" panose="02040503050406030204" pitchFamily="18" charset="0"/>
-                          </a:rPr>
-                          <m:t>𝜀</m:t>
-                        </m:r>
-                      </m:e>
-                      <m:sub>
-                        <m:r>
-                          <a:rPr lang="en-US" sz="3200" b="0" i="0" smtClean="0">
-                            <a:solidFill>
-                              <a:srgbClr val="C00000"/>
-                            </a:solidFill>
-                            <a:latin typeface="Cambria Math" panose="02040503050406030204" pitchFamily="18" charset="0"/>
-                          </a:rPr>
-                          <m:t>1</m:t>
-                        </m:r>
-                      </m:sub>
-                    </m:sSub>
-                  </m:oMath>
-                </a14:m>
-                <a:r>
-                  <a:rPr lang="en-US" sz="3200" dirty="0"/>
-                  <a:t> and mechanism </a:t>
-                </a:r>
-                <a14:m>
-                  <m:oMath xmlns:m="http://schemas.openxmlformats.org/officeDocument/2006/math">
-                    <m:sSub>
-                      <m:sSubPr>
-                        <m:ctrlPr>
-                          <a:rPr lang="en-US" sz="3200" b="0" i="1" smtClean="0">
-                            <a:solidFill>
-                              <a:srgbClr val="C00000"/>
-                            </a:solidFill>
-                            <a:latin typeface="Cambria Math" panose="02040503050406030204" pitchFamily="18" charset="0"/>
-                          </a:rPr>
-                        </m:ctrlPr>
-                      </m:sSubPr>
-                      <m:e>
-                        <m:r>
-                          <a:rPr lang="en-US" sz="3200" b="0" i="1" smtClean="0">
-                            <a:solidFill>
-                              <a:srgbClr val="C00000"/>
-                            </a:solidFill>
-                            <a:latin typeface="Cambria Math" panose="02040503050406030204" pitchFamily="18" charset="0"/>
-                          </a:rPr>
-                          <m:t>𝑀</m:t>
-                        </m:r>
-                      </m:e>
-                      <m:sub>
-                        <m:r>
-                          <a:rPr lang="en-US" sz="3200" b="0" i="1" smtClean="0">
-                            <a:solidFill>
-                              <a:srgbClr val="C00000"/>
-                            </a:solidFill>
-                            <a:latin typeface="Cambria Math" panose="02040503050406030204" pitchFamily="18" charset="0"/>
-                          </a:rPr>
-                          <m:t>2</m:t>
-                        </m:r>
-                      </m:sub>
-                    </m:sSub>
-                  </m:oMath>
-                </a14:m>
-                <a:r>
-                  <a:rPr lang="en-US" sz="3200" dirty="0"/>
-                  <a:t> has privacy loss </a:t>
-                </a:r>
-                <a14:m>
-                  <m:oMath xmlns:m="http://schemas.openxmlformats.org/officeDocument/2006/math">
-                    <m:sSub>
-                      <m:sSubPr>
-                        <m:ctrlPr>
-                          <a:rPr lang="en-US" sz="3200" b="0" i="1" smtClean="0">
-                            <a:solidFill>
-                              <a:srgbClr val="C00000"/>
-                            </a:solidFill>
-                            <a:latin typeface="Cambria Math" panose="02040503050406030204" pitchFamily="18" charset="0"/>
-                          </a:rPr>
-                        </m:ctrlPr>
-                      </m:sSubPr>
-                      <m:e>
-                        <m:r>
-                          <a:rPr lang="en-US" sz="3200" i="1" smtClean="0">
-                            <a:solidFill>
-                              <a:srgbClr val="C00000"/>
-                            </a:solidFill>
-                            <a:latin typeface="Cambria Math" panose="02040503050406030204" pitchFamily="18" charset="0"/>
-                          </a:rPr>
-                          <m:t>𝜀</m:t>
-                        </m:r>
-                      </m:e>
-                      <m:sub>
-                        <m:r>
-                          <a:rPr lang="en-US" sz="3200" b="0" i="0" smtClean="0">
-                            <a:solidFill>
-                              <a:srgbClr val="C00000"/>
-                            </a:solidFill>
-                            <a:latin typeface="Cambria Math" panose="02040503050406030204" pitchFamily="18" charset="0"/>
-                          </a:rPr>
-                          <m:t>2</m:t>
-                        </m:r>
-                      </m:sub>
-                    </m:sSub>
-                  </m:oMath>
-                </a14:m>
-                <a:r>
-                  <a:rPr lang="en-US" sz="3200" dirty="0"/>
-                  <a:t>, then releasing the results of both </a:t>
-                </a:r>
-                <a14:m>
-                  <m:oMath xmlns:m="http://schemas.openxmlformats.org/officeDocument/2006/math">
-                    <m:sSub>
-                      <m:sSubPr>
-                        <m:ctrlPr>
-                          <a:rPr lang="en-US" sz="3200" b="0" i="1" smtClean="0">
-                            <a:solidFill>
-                              <a:srgbClr val="C00000"/>
-                            </a:solidFill>
-                            <a:latin typeface="Cambria Math" panose="02040503050406030204" pitchFamily="18" charset="0"/>
-                          </a:rPr>
-                        </m:ctrlPr>
-                      </m:sSubPr>
-                      <m:e>
-                        <m:r>
-                          <a:rPr lang="en-US" sz="3200" b="0" i="1" smtClean="0">
-                            <a:solidFill>
-                              <a:srgbClr val="C00000"/>
-                            </a:solidFill>
-                            <a:latin typeface="Cambria Math" panose="02040503050406030204" pitchFamily="18" charset="0"/>
-                          </a:rPr>
-                          <m:t>𝑀</m:t>
-                        </m:r>
-                      </m:e>
-                      <m:sub>
-                        <m:r>
-                          <a:rPr lang="en-US" sz="3200" b="0" i="1" smtClean="0">
-                            <a:solidFill>
-                              <a:srgbClr val="C00000"/>
-                            </a:solidFill>
-                            <a:latin typeface="Cambria Math" panose="02040503050406030204" pitchFamily="18" charset="0"/>
-                          </a:rPr>
-                          <m:t>1</m:t>
-                        </m:r>
-                      </m:sub>
-                    </m:sSub>
-                  </m:oMath>
-                </a14:m>
-                <a:r>
-                  <a:rPr lang="en-US" sz="3200" dirty="0"/>
-                  <a:t> and </a:t>
-                </a:r>
-                <a14:m>
-                  <m:oMath xmlns:m="http://schemas.openxmlformats.org/officeDocument/2006/math">
-                    <m:sSub>
-                      <m:sSubPr>
-                        <m:ctrlPr>
-                          <a:rPr lang="en-US" sz="3200" b="0" i="1" smtClean="0">
-                            <a:solidFill>
-                              <a:srgbClr val="C00000"/>
-                            </a:solidFill>
-                            <a:latin typeface="Cambria Math" panose="02040503050406030204" pitchFamily="18" charset="0"/>
-                          </a:rPr>
-                        </m:ctrlPr>
-                      </m:sSubPr>
-                      <m:e>
-                        <m:r>
-                          <a:rPr lang="en-US" sz="3200" b="0" i="1" smtClean="0">
-                            <a:solidFill>
-                              <a:srgbClr val="C00000"/>
-                            </a:solidFill>
-                            <a:latin typeface="Cambria Math" panose="02040503050406030204" pitchFamily="18" charset="0"/>
-                          </a:rPr>
-                          <m:t>𝑀</m:t>
-                        </m:r>
-                      </m:e>
-                      <m:sub>
-                        <m:r>
-                          <a:rPr lang="en-US" sz="3200" b="0" i="1" smtClean="0">
-                            <a:solidFill>
-                              <a:srgbClr val="C00000"/>
-                            </a:solidFill>
-                            <a:latin typeface="Cambria Math" panose="02040503050406030204" pitchFamily="18" charset="0"/>
-                          </a:rPr>
-                          <m:t>2</m:t>
-                        </m:r>
-                      </m:sub>
-                    </m:sSub>
-                  </m:oMath>
-                </a14:m>
-                <a:r>
-                  <a:rPr lang="en-US" sz="3200" dirty="0"/>
-                  <a:t> has privacy loss </a:t>
-                </a:r>
-                <a14:m>
-                  <m:oMath xmlns:m="http://schemas.openxmlformats.org/officeDocument/2006/math">
-                    <m:sSub>
-                      <m:sSubPr>
-                        <m:ctrlPr>
-                          <a:rPr lang="en-US" sz="3200" b="0" i="1" smtClean="0">
-                            <a:solidFill>
-                              <a:srgbClr val="C00000"/>
-                            </a:solidFill>
-                            <a:latin typeface="Cambria Math" panose="02040503050406030204" pitchFamily="18" charset="0"/>
-                          </a:rPr>
-                        </m:ctrlPr>
-                      </m:sSubPr>
-                      <m:e>
-                        <m:r>
-                          <a:rPr lang="en-US" sz="3200" i="1" smtClean="0">
-                            <a:solidFill>
-                              <a:srgbClr val="C00000"/>
-                            </a:solidFill>
-                            <a:latin typeface="Cambria Math" panose="02040503050406030204" pitchFamily="18" charset="0"/>
-                          </a:rPr>
-                          <m:t>𝜀</m:t>
-                        </m:r>
-                      </m:e>
-                      <m:sub>
-                        <m:r>
-                          <a:rPr lang="en-US" sz="3200" b="0" i="0" smtClean="0">
-                            <a:solidFill>
-                              <a:srgbClr val="C00000"/>
-                            </a:solidFill>
-                            <a:latin typeface="Cambria Math" panose="02040503050406030204" pitchFamily="18" charset="0"/>
-                          </a:rPr>
-                          <m:t>1</m:t>
-                        </m:r>
-                      </m:sub>
-                    </m:sSub>
-                    <m:r>
-                      <a:rPr lang="en-US" sz="3200" b="0" i="1" smtClean="0">
-                        <a:solidFill>
-                          <a:srgbClr val="C00000"/>
-                        </a:solidFill>
-                        <a:latin typeface="Cambria Math" panose="02040503050406030204" pitchFamily="18" charset="0"/>
-                      </a:rPr>
-                      <m:t>+</m:t>
-                    </m:r>
-                    <m:sSub>
-                      <m:sSubPr>
-                        <m:ctrlPr>
-                          <a:rPr lang="en-US" sz="3200" b="0" i="1" smtClean="0">
-                            <a:solidFill>
-                              <a:srgbClr val="C00000"/>
-                            </a:solidFill>
-                            <a:latin typeface="Cambria Math" panose="02040503050406030204" pitchFamily="18" charset="0"/>
-                          </a:rPr>
-                        </m:ctrlPr>
-                      </m:sSubPr>
-                      <m:e>
-                        <m:r>
-                          <a:rPr lang="en-US" sz="3200" b="0" i="1" smtClean="0">
-                            <a:solidFill>
-                              <a:srgbClr val="C00000"/>
-                            </a:solidFill>
-                            <a:latin typeface="Cambria Math" panose="02040503050406030204" pitchFamily="18" charset="0"/>
-                          </a:rPr>
-                          <m:t>𝜀</m:t>
-                        </m:r>
-                      </m:e>
-                      <m:sub>
-                        <m:r>
-                          <a:rPr lang="en-US" sz="3200" b="0" i="1" smtClean="0">
-                            <a:solidFill>
-                              <a:srgbClr val="C00000"/>
-                            </a:solidFill>
-                            <a:latin typeface="Cambria Math" panose="02040503050406030204" pitchFamily="18" charset="0"/>
-                          </a:rPr>
-                          <m:t>2</m:t>
-                        </m:r>
-                      </m:sub>
-                    </m:sSub>
-                  </m:oMath>
-                </a14:m>
-                <a:endParaRPr lang="en-US" sz="3200" dirty="0"/>
-              </a:p>
-              <a:p>
-                <a:pPr>
-                  <a:buClr>
-                    <a:schemeClr val="tx1"/>
-                  </a:buClr>
-                </a:pPr>
-                <a:r>
-                  <a:rPr lang="en-US" sz="3200" dirty="0"/>
-                  <a:t>Ability to handle post-processing</a:t>
-                </a:r>
-              </a:p>
-              <a:p>
-                <a:pPr lvl="1">
-                  <a:buClr>
-                    <a:schemeClr val="tx1"/>
-                  </a:buClr>
-                </a:pPr>
-                <a:r>
-                  <a:rPr lang="en-US" sz="3200" dirty="0"/>
-                  <a:t>If mechanism </a:t>
-                </a:r>
-                <a14:m>
-                  <m:oMath xmlns:m="http://schemas.openxmlformats.org/officeDocument/2006/math">
-                    <m:sSub>
-                      <m:sSubPr>
-                        <m:ctrlPr>
-                          <a:rPr lang="en-US" sz="3200" b="0" i="1" smtClean="0">
-                            <a:solidFill>
-                              <a:srgbClr val="C00000"/>
-                            </a:solidFill>
-                            <a:latin typeface="Cambria Math" panose="02040503050406030204" pitchFamily="18" charset="0"/>
-                          </a:rPr>
-                        </m:ctrlPr>
-                      </m:sSubPr>
-                      <m:e>
-                        <m:r>
-                          <a:rPr lang="en-US" sz="3200" b="0" i="1" smtClean="0">
-                            <a:solidFill>
-                              <a:srgbClr val="C00000"/>
-                            </a:solidFill>
-                            <a:latin typeface="Cambria Math" panose="02040503050406030204" pitchFamily="18" charset="0"/>
-                          </a:rPr>
-                          <m:t>𝑀</m:t>
-                        </m:r>
-                      </m:e>
-                      <m:sub>
-                        <m:r>
-                          <a:rPr lang="en-US" sz="3200" b="0" i="1" smtClean="0">
-                            <a:solidFill>
-                              <a:srgbClr val="C00000"/>
-                            </a:solidFill>
-                            <a:latin typeface="Cambria Math" panose="02040503050406030204" pitchFamily="18" charset="0"/>
-                          </a:rPr>
-                          <m:t>1</m:t>
-                        </m:r>
-                      </m:sub>
-                    </m:sSub>
-                  </m:oMath>
-                </a14:m>
-                <a:r>
-                  <a:rPr lang="en-US" sz="3200" dirty="0"/>
-                  <a:t> has privacy loss </a:t>
-                </a:r>
-                <a14:m>
-                  <m:oMath xmlns:m="http://schemas.openxmlformats.org/officeDocument/2006/math">
-                    <m:sSub>
-                      <m:sSubPr>
-                        <m:ctrlPr>
-                          <a:rPr lang="en-US" sz="3200" b="0" i="1" smtClean="0">
-                            <a:solidFill>
-                              <a:srgbClr val="C00000"/>
-                            </a:solidFill>
-                            <a:latin typeface="Cambria Math" panose="02040503050406030204" pitchFamily="18" charset="0"/>
-                          </a:rPr>
-                        </m:ctrlPr>
-                      </m:sSubPr>
-                      <m:e>
-                        <m:r>
-                          <a:rPr lang="en-US" sz="3200" i="1" smtClean="0">
-                            <a:solidFill>
-                              <a:srgbClr val="C00000"/>
-                            </a:solidFill>
-                            <a:latin typeface="Cambria Math" panose="02040503050406030204" pitchFamily="18" charset="0"/>
-                          </a:rPr>
-                          <m:t>𝜀</m:t>
-                        </m:r>
-                      </m:e>
-                      <m:sub>
-                        <m:r>
-                          <a:rPr lang="en-US" sz="3200" b="0" i="0" smtClean="0">
-                            <a:solidFill>
-                              <a:srgbClr val="C00000"/>
-                            </a:solidFill>
-                            <a:latin typeface="Cambria Math" panose="02040503050406030204" pitchFamily="18" charset="0"/>
-                          </a:rPr>
-                          <m:t>1</m:t>
-                        </m:r>
-                      </m:sub>
-                    </m:sSub>
-                  </m:oMath>
-                </a14:m>
-                <a:r>
-                  <a:rPr lang="en-US" sz="3200" dirty="0"/>
-                  <a:t> and we release </a:t>
-                </a:r>
-                <a14:m>
-                  <m:oMath xmlns:m="http://schemas.openxmlformats.org/officeDocument/2006/math">
-                    <m:r>
-                      <a:rPr lang="en-US" sz="3200" i="1" dirty="0" smtClean="0">
-                        <a:solidFill>
-                          <a:srgbClr val="C00000"/>
-                        </a:solidFill>
-                        <a:latin typeface="Cambria Math" panose="02040503050406030204" pitchFamily="18" charset="0"/>
-                      </a:rPr>
-                      <m:t>𝑓</m:t>
-                    </m:r>
-                    <m:d>
-                      <m:dPr>
-                        <m:ctrlPr>
-                          <a:rPr lang="en-US" sz="3200" b="0" i="1" dirty="0" smtClean="0">
-                            <a:solidFill>
-                              <a:srgbClr val="C00000"/>
-                            </a:solidFill>
-                            <a:latin typeface="Cambria Math" panose="02040503050406030204" pitchFamily="18" charset="0"/>
-                          </a:rPr>
-                        </m:ctrlPr>
-                      </m:dPr>
-                      <m:e>
-                        <m:sSub>
-                          <m:sSubPr>
-                            <m:ctrlPr>
-                              <a:rPr lang="en-US" sz="3200" b="0" i="1" smtClean="0">
-                                <a:solidFill>
-                                  <a:srgbClr val="C00000"/>
-                                </a:solidFill>
-                                <a:latin typeface="Cambria Math" panose="02040503050406030204" pitchFamily="18" charset="0"/>
-                              </a:rPr>
-                            </m:ctrlPr>
-                          </m:sSubPr>
-                          <m:e>
-                            <m:r>
-                              <a:rPr lang="en-US" sz="3200" b="0" i="1" smtClean="0">
-                                <a:solidFill>
-                                  <a:srgbClr val="C00000"/>
-                                </a:solidFill>
-                                <a:latin typeface="Cambria Math" panose="02040503050406030204" pitchFamily="18" charset="0"/>
-                              </a:rPr>
-                              <m:t>𝑀</m:t>
-                            </m:r>
-                          </m:e>
-                          <m:sub>
-                            <m:r>
-                              <a:rPr lang="en-US" sz="3200" b="0" i="1" smtClean="0">
-                                <a:solidFill>
-                                  <a:srgbClr val="C00000"/>
-                                </a:solidFill>
-                                <a:latin typeface="Cambria Math" panose="02040503050406030204" pitchFamily="18" charset="0"/>
-                              </a:rPr>
-                              <m:t>1</m:t>
-                            </m:r>
-                          </m:sub>
-                        </m:sSub>
-                      </m:e>
-                    </m:d>
-                  </m:oMath>
-                </a14:m>
-                <a:r>
-                  <a:rPr lang="en-US" sz="3200" dirty="0"/>
-                  <a:t>, then we have privacy loss</a:t>
-                </a:r>
-                <a:r>
-                  <a:rPr lang="en-US" sz="3200" b="0" dirty="0">
-                    <a:solidFill>
-                      <a:srgbClr val="C00000"/>
-                    </a:solidFill>
-                  </a:rPr>
-                  <a:t> </a:t>
-                </a:r>
-                <a14:m>
-                  <m:oMath xmlns:m="http://schemas.openxmlformats.org/officeDocument/2006/math">
-                    <m:sSub>
-                      <m:sSubPr>
-                        <m:ctrlPr>
-                          <a:rPr lang="en-US" sz="3200" b="0" i="1" smtClean="0">
-                            <a:solidFill>
-                              <a:srgbClr val="C00000"/>
-                            </a:solidFill>
-                            <a:latin typeface="Cambria Math" panose="02040503050406030204" pitchFamily="18" charset="0"/>
-                          </a:rPr>
-                        </m:ctrlPr>
-                      </m:sSubPr>
-                      <m:e>
-                        <m:r>
-                          <a:rPr lang="en-US" sz="3200" i="1" smtClean="0">
-                            <a:solidFill>
-                              <a:srgbClr val="C00000"/>
-                            </a:solidFill>
-                            <a:latin typeface="Cambria Math" panose="02040503050406030204" pitchFamily="18" charset="0"/>
-                          </a:rPr>
-                          <m:t>𝜀</m:t>
-                        </m:r>
-                      </m:e>
-                      <m:sub>
-                        <m:r>
-                          <a:rPr lang="en-US" sz="3200" b="0" i="0" smtClean="0">
-                            <a:solidFill>
-                              <a:srgbClr val="C00000"/>
-                            </a:solidFill>
-                            <a:latin typeface="Cambria Math" panose="02040503050406030204" pitchFamily="18" charset="0"/>
-                          </a:rPr>
-                          <m:t>1</m:t>
-                        </m:r>
-                      </m:sub>
-                    </m:sSub>
-                  </m:oMath>
-                </a14:m>
-                <a:r>
-                  <a:rPr lang="en-US" sz="3200" dirty="0"/>
-                  <a:t> </a:t>
-                </a:r>
-              </a:p>
-              <a:p>
-                <a:pPr marL="0" indent="0">
-                  <a:buClr>
-                    <a:schemeClr val="tx1"/>
-                  </a:buClr>
-                  <a:buNone/>
-                </a:pPr>
-                <a:endParaRPr lang="en-US" sz="3200" dirty="0"/>
-              </a:p>
-            </p:txBody>
-          </p:sp>
-        </mc:Choice>
-        <mc:Fallback xmlns="">
-          <p:sp>
-            <p:nvSpPr>
-              <p:cNvPr id="5" name="Content Placeholder 3">
-                <a:extLst>
-                  <a:ext uri="{FF2B5EF4-FFF2-40B4-BE49-F238E27FC236}">
-                    <a16:creationId xmlns:a16="http://schemas.microsoft.com/office/drawing/2014/main" id="{46EDD9D9-1338-4BC5-9D28-964A84C143C2}"/>
-                  </a:ext>
-                </a:extLst>
-              </p:cNvPr>
-              <p:cNvSpPr>
-                <a:spLocks noGrp="1" noRot="1" noChangeAspect="1" noMove="1" noResize="1" noEditPoints="1" noAdjustHandles="1" noChangeArrowheads="1" noChangeShapeType="1" noTextEdit="1"/>
-              </p:cNvSpPr>
-              <p:nvPr>
-                <p:ph idx="1"/>
-              </p:nvPr>
-            </p:nvSpPr>
-            <p:spPr>
-              <a:xfrm>
-                <a:off x="838200" y="1825624"/>
-                <a:ext cx="10242755" cy="4799294"/>
-              </a:xfrm>
-              <a:blipFill>
-                <a:blip r:embed="rId3"/>
-                <a:stretch>
-                  <a:fillRect l="-1369" t="-2538"/>
-                </a:stretch>
-              </a:blipFill>
-            </p:spPr>
-            <p:txBody>
-              <a:bodyPr/>
-              <a:lstStyle/>
-              <a:p>
-                <a:r>
-                  <a:rPr lang="en-US">
-                    <a:noFill/>
-                  </a:rPr>
-                  <a:t> </a:t>
-                </a:r>
-              </a:p>
-            </p:txBody>
-          </p:sp>
-        </mc:Fallback>
-      </mc:AlternateContent>
+      <p:sp>
+        <p:nvSpPr>
+          <p:cNvPr id="5" name="Content Placeholder 3">
+            <a:extLst>
+              <a:ext uri="{FF2B5EF4-FFF2-40B4-BE49-F238E27FC236}">
+                <a16:creationId xmlns:a16="http://schemas.microsoft.com/office/drawing/2014/main" id="{46EDD9D9-1338-4BC5-9D28-964A84C143C2}"/>
+              </a:ext>
+            </a:extLst>
+          </p:cNvPr>
+          <p:cNvSpPr>
+            <a:spLocks noGrp="1"/>
+          </p:cNvSpPr>
+          <p:nvPr>
+            <p:ph idx="1"/>
+          </p:nvPr>
+        </p:nvSpPr>
+        <p:spPr>
+          <a:xfrm>
+            <a:off x="838200" y="1825624"/>
+            <a:ext cx="10242755" cy="4171764"/>
+          </a:xfrm>
+        </p:spPr>
+        <p:txBody>
+          <a:bodyPr>
+            <a:noAutofit/>
+          </a:bodyPr>
+          <a:lstStyle/>
+          <a:p>
+            <a:pPr>
+              <a:buClr>
+                <a:schemeClr val="tx1"/>
+              </a:buClr>
+            </a:pPr>
+            <a:r>
+              <a:rPr lang="en-US" sz="3200" dirty="0">
+                <a:solidFill>
+                  <a:schemeClr val="accent1"/>
+                </a:solidFill>
+              </a:rPr>
+              <a:t>How many people in this class have a pet?</a:t>
+            </a:r>
+          </a:p>
+          <a:p>
+            <a:pPr>
+              <a:buClr>
+                <a:schemeClr val="tx1"/>
+              </a:buClr>
+            </a:pPr>
+            <a:endParaRPr lang="en-US" sz="3200" dirty="0"/>
+          </a:p>
+          <a:p>
+            <a:pPr marL="0" indent="0">
+              <a:buClr>
+                <a:schemeClr val="tx1"/>
+              </a:buClr>
+              <a:buNone/>
+            </a:pPr>
+            <a:endParaRPr lang="en-US" sz="3200" dirty="0"/>
+          </a:p>
+          <a:p>
+            <a:pPr>
+              <a:buClr>
+                <a:schemeClr val="tx1"/>
+              </a:buClr>
+            </a:pPr>
+            <a:r>
+              <a:rPr lang="en-US" sz="3200" dirty="0"/>
+              <a:t>What happens if each person answers with their truth?</a:t>
+            </a:r>
+          </a:p>
+        </p:txBody>
+      </p:sp>
+      <p:pic>
+        <p:nvPicPr>
+          <p:cNvPr id="4" name="Picture 3">
+            <a:extLst>
+              <a:ext uri="{FF2B5EF4-FFF2-40B4-BE49-F238E27FC236}">
+                <a16:creationId xmlns:a16="http://schemas.microsoft.com/office/drawing/2014/main" id="{E8D532C7-16FF-7BB5-FE35-15A3B97072B7}"/>
+              </a:ext>
+            </a:extLst>
+          </p:cNvPr>
+          <p:cNvPicPr>
+            <a:picLocks noChangeAspect="1"/>
+          </p:cNvPicPr>
+          <p:nvPr/>
+        </p:nvPicPr>
+        <p:blipFill>
+          <a:blip r:embed="rId3">
+            <a:extLst>
+              <a:ext uri="{28A0092B-C50C-407E-A947-70E740481C1C}">
+                <a14:useLocalDpi xmlns:a14="http://schemas.microsoft.com/office/drawing/2010/main" val="0"/>
+              </a:ext>
+            </a:extLst>
+          </a:blip>
+          <a:stretch>
+            <a:fillRect/>
+          </a:stretch>
+        </p:blipFill>
+        <p:spPr>
+          <a:xfrm>
+            <a:off x="8733023" y="4780429"/>
+            <a:ext cx="2847975" cy="1600200"/>
+          </a:xfrm>
+          <a:prstGeom prst="rect">
+            <a:avLst/>
+          </a:prstGeom>
+        </p:spPr>
+      </p:pic>
     </p:spTree>
     <p:extLst>
       <p:ext uri="{BB962C8B-B14F-4D97-AF65-F5344CB8AC3E}">
-        <p14:creationId xmlns:p14="http://schemas.microsoft.com/office/powerpoint/2010/main" val="3542042526"/>
+        <p14:creationId xmlns:p14="http://schemas.microsoft.com/office/powerpoint/2010/main" val="1445905984"/>
       </p:ext>
     </p:extLst>
   </p:cSld>
@@ -18620,8 +17041,12 @@
               </a:buClr>
             </a:pPr>
             <a:r>
-              <a:rPr lang="en-US" sz="3200" dirty="0"/>
-              <a:t>How many people in the population satisfy some property?</a:t>
+              <a:rPr lang="en-US" sz="3200" dirty="0">
+                <a:solidFill>
+                  <a:schemeClr val="accent1"/>
+                </a:solidFill>
+              </a:rPr>
+              <a:t>How many people in this class have a pet?</a:t>
             </a:r>
           </a:p>
           <a:p>
@@ -18648,12 +17073,8 @@
               </a:buClr>
             </a:pPr>
             <a:r>
-              <a:rPr lang="en-US" sz="3200" dirty="0">
-                <a:solidFill>
-                  <a:schemeClr val="accent1"/>
-                </a:solidFill>
-              </a:rPr>
-              <a:t>How many people in this class have a pet?</a:t>
+              <a:rPr lang="en-US" sz="3200" dirty="0"/>
+              <a:t>What happens if each person flips a coin and answers with the coin flip?</a:t>
             </a:r>
           </a:p>
           <a:p>
@@ -18662,23 +17083,48 @@
                 <a:schemeClr val="tx1"/>
               </a:buClr>
             </a:pPr>
-            <a:endParaRPr lang="en-US" sz="3200" dirty="0"/>
-          </a:p>
-          <a:p>
-            <a:pPr>
+            <a:r>
+              <a:rPr lang="en-US" sz="3200" dirty="0"/>
+              <a:t>Think of your favorite (integer) number:</a:t>
+            </a:r>
+          </a:p>
+          <a:p>
+            <a:pPr lvl="1">
               <a:buClr>
                 <a:schemeClr val="tx1"/>
               </a:buClr>
             </a:pPr>
-            <a:endParaRPr lang="en-US" sz="3200" dirty="0"/>
-          </a:p>
-          <a:p>
-            <a:pPr>
+            <a:r>
+              <a:rPr lang="en-US" sz="3200" dirty="0"/>
+              <a:t>If it is even, answer </a:t>
+            </a:r>
+            <a:r>
+              <a:rPr lang="en-US" sz="3200" dirty="0">
+                <a:solidFill>
+                  <a:srgbClr val="00B050"/>
+                </a:solidFill>
+              </a:rPr>
+              <a:t>YES</a:t>
+            </a:r>
+          </a:p>
+          <a:p>
+            <a:pPr lvl="1">
               <a:buClr>
                 <a:schemeClr val="tx1"/>
               </a:buClr>
             </a:pPr>
-            <a:endParaRPr lang="en-US" sz="3200" dirty="0"/>
+            <a:r>
+              <a:rPr lang="en-US" sz="3200" dirty="0"/>
+              <a:t>Otherwise if it is odd, answer </a:t>
+            </a:r>
+            <a:r>
+              <a:rPr lang="en-US" sz="3200" dirty="0">
+                <a:solidFill>
+                  <a:srgbClr val="FF0000"/>
+                </a:solidFill>
+              </a:rPr>
+              <a:t>NO</a:t>
+            </a:r>
           </a:p>
         </p:txBody>
       </p:sp>
@@ -18721,7 +17167,7 @@
     </p:spTree>
     <p:extLst>
       <p:ext uri="{BB962C8B-B14F-4D97-AF65-F5344CB8AC3E}">
-        <p14:creationId xmlns:p14="http://schemas.microsoft.com/office/powerpoint/2010/main" val="3952780185"/>
+        <p14:creationId xmlns:p14="http://schemas.microsoft.com/office/powerpoint/2010/main" val="3324447041"/>
       </p:ext>
     </p:extLst>
   </p:cSld>
@@ -18831,395 +17277,6 @@
             <a:endParaRPr lang="en-US" sz="3200" dirty="0"/>
           </a:p>
           <a:p>
-            <a:pPr marL="0" indent="0">
-              <a:buClr>
-                <a:schemeClr val="tx1"/>
-              </a:buClr>
-              <a:buNone/>
-            </a:pPr>
-            <a:endParaRPr lang="en-US" sz="3200" dirty="0"/>
-          </a:p>
-          <a:p>
-            <a:pPr>
-              <a:buClr>
-                <a:schemeClr val="tx1"/>
-              </a:buClr>
-            </a:pPr>
-            <a:r>
-              <a:rPr lang="en-US" sz="3200" dirty="0"/>
-              <a:t>What happens if each person answers with their truth?</a:t>
-            </a:r>
-          </a:p>
-        </p:txBody>
-      </p:sp>
-      <p:pic>
-        <p:nvPicPr>
-          <p:cNvPr id="4" name="Picture 3">
-            <a:extLst>
-              <a:ext uri="{FF2B5EF4-FFF2-40B4-BE49-F238E27FC236}">
-                <a16:creationId xmlns:a16="http://schemas.microsoft.com/office/drawing/2014/main" id="{E8D532C7-16FF-7BB5-FE35-15A3B97072B7}"/>
-              </a:ext>
-            </a:extLst>
-          </p:cNvPr>
-          <p:cNvPicPr>
-            <a:picLocks noChangeAspect="1"/>
-          </p:cNvPicPr>
-          <p:nvPr/>
-        </p:nvPicPr>
-        <p:blipFill>
-          <a:blip r:embed="rId3">
-            <a:extLst>
-              <a:ext uri="{28A0092B-C50C-407E-A947-70E740481C1C}">
-                <a14:useLocalDpi xmlns:a14="http://schemas.microsoft.com/office/drawing/2010/main" val="0"/>
-              </a:ext>
-            </a:extLst>
-          </a:blip>
-          <a:stretch>
-            <a:fillRect/>
-          </a:stretch>
-        </p:blipFill>
-        <p:spPr>
-          <a:xfrm>
-            <a:off x="8733023" y="4780429"/>
-            <a:ext cx="2847975" cy="1600200"/>
-          </a:xfrm>
-          <a:prstGeom prst="rect">
-            <a:avLst/>
-          </a:prstGeom>
-        </p:spPr>
-      </p:pic>
-    </p:spTree>
-    <p:extLst>
-      <p:ext uri="{BB962C8B-B14F-4D97-AF65-F5344CB8AC3E}">
-        <p14:creationId xmlns:p14="http://schemas.microsoft.com/office/powerpoint/2010/main" val="1445905984"/>
-      </p:ext>
-    </p:extLst>
-  </p:cSld>
-  <p:clrMapOvr>
-    <a:masterClrMapping/>
-  </p:clrMapOvr>
-</p:sld>
-</file>
-
-<file path=ppt/slides/slide33.xml><?xml version="1.0" encoding="utf-8"?>
-<p:sld xmlns:a="http://schemas.openxmlformats.org/drawingml/2006/main" xmlns:r="http://schemas.openxmlformats.org/officeDocument/2006/relationships" xmlns:p="http://schemas.openxmlformats.org/presentationml/2006/main">
-  <p:cSld>
-    <p:spTree>
-      <p:nvGrpSpPr>
-        <p:cNvPr id="1" name=""/>
-        <p:cNvGrpSpPr/>
-        <p:nvPr/>
-      </p:nvGrpSpPr>
-      <p:grpSpPr>
-        <a:xfrm>
-          <a:off x="0" y="0"/>
-          <a:ext cx="0" cy="0"/>
-          <a:chOff x="0" y="0"/>
-          <a:chExt cx="0" cy="0"/>
-        </a:xfrm>
-      </p:grpSpPr>
-      <p:sp>
-        <p:nvSpPr>
-          <p:cNvPr id="2" name="Title 1">
-            <a:extLst>
-              <a:ext uri="{FF2B5EF4-FFF2-40B4-BE49-F238E27FC236}">
-                <a16:creationId xmlns:a16="http://schemas.microsoft.com/office/drawing/2014/main" id="{B17419AC-DCE6-4371-8DE2-D617E99D653D}"/>
-              </a:ext>
-            </a:extLst>
-          </p:cNvPr>
-          <p:cNvSpPr>
-            <a:spLocks noGrp="1"/>
-          </p:cNvSpPr>
-          <p:nvPr>
-            <p:ph type="title"/>
-          </p:nvPr>
-        </p:nvSpPr>
-        <p:spPr/>
-        <p:txBody>
-          <a:bodyPr/>
-          <a:lstStyle/>
-          <a:p>
-            <a:r>
-              <a:rPr lang="en-US" dirty="0">
-                <a:solidFill>
-                  <a:srgbClr val="C00000"/>
-                </a:solidFill>
-              </a:rPr>
-              <a:t>Counting</a:t>
-            </a:r>
-          </a:p>
-        </p:txBody>
-      </p:sp>
-      <p:sp>
-        <p:nvSpPr>
-          <p:cNvPr id="5" name="Content Placeholder 3">
-            <a:extLst>
-              <a:ext uri="{FF2B5EF4-FFF2-40B4-BE49-F238E27FC236}">
-                <a16:creationId xmlns:a16="http://schemas.microsoft.com/office/drawing/2014/main" id="{46EDD9D9-1338-4BC5-9D28-964A84C143C2}"/>
-              </a:ext>
-            </a:extLst>
-          </p:cNvPr>
-          <p:cNvSpPr>
-            <a:spLocks noGrp="1"/>
-          </p:cNvSpPr>
-          <p:nvPr>
-            <p:ph idx="1"/>
-          </p:nvPr>
-        </p:nvSpPr>
-        <p:spPr>
-          <a:xfrm>
-            <a:off x="838200" y="1825624"/>
-            <a:ext cx="10242755" cy="4171764"/>
-          </a:xfrm>
-        </p:spPr>
-        <p:txBody>
-          <a:bodyPr>
-            <a:noAutofit/>
-          </a:bodyPr>
-          <a:lstStyle/>
-          <a:p>
-            <a:pPr>
-              <a:buClr>
-                <a:schemeClr val="tx1"/>
-              </a:buClr>
-            </a:pPr>
-            <a:r>
-              <a:rPr lang="en-US" sz="3200" dirty="0">
-                <a:solidFill>
-                  <a:schemeClr val="accent1"/>
-                </a:solidFill>
-              </a:rPr>
-              <a:t>How many people in this class have a pet?</a:t>
-            </a:r>
-          </a:p>
-          <a:p>
-            <a:pPr>
-              <a:buClr>
-                <a:schemeClr val="tx1"/>
-              </a:buClr>
-            </a:pPr>
-            <a:endParaRPr lang="en-US" sz="3200" dirty="0"/>
-          </a:p>
-          <a:p>
-            <a:pPr marL="0" indent="0">
-              <a:buClr>
-                <a:schemeClr val="tx1"/>
-              </a:buClr>
-              <a:buNone/>
-            </a:pPr>
-            <a:endParaRPr lang="en-US" sz="3200" dirty="0"/>
-          </a:p>
-          <a:p>
-            <a:pPr>
-              <a:buClr>
-                <a:schemeClr val="tx1"/>
-              </a:buClr>
-            </a:pPr>
-            <a:r>
-              <a:rPr lang="en-US" sz="3200" dirty="0"/>
-              <a:t>What happens if each person flips a coin and answers with the coin flip?</a:t>
-            </a:r>
-          </a:p>
-          <a:p>
-            <a:pPr>
-              <a:buClr>
-                <a:schemeClr val="tx1"/>
-              </a:buClr>
-            </a:pPr>
-            <a:r>
-              <a:rPr lang="en-US" sz="3200" dirty="0"/>
-              <a:t>Think of your favorite (integer) number:</a:t>
-            </a:r>
-          </a:p>
-          <a:p>
-            <a:pPr lvl="1">
-              <a:buClr>
-                <a:schemeClr val="tx1"/>
-              </a:buClr>
-            </a:pPr>
-            <a:r>
-              <a:rPr lang="en-US" sz="3200" dirty="0"/>
-              <a:t>If it is even, answer </a:t>
-            </a:r>
-            <a:r>
-              <a:rPr lang="en-US" sz="3200" dirty="0">
-                <a:solidFill>
-                  <a:srgbClr val="00B050"/>
-                </a:solidFill>
-              </a:rPr>
-              <a:t>YES</a:t>
-            </a:r>
-          </a:p>
-          <a:p>
-            <a:pPr lvl="1">
-              <a:buClr>
-                <a:schemeClr val="tx1"/>
-              </a:buClr>
-            </a:pPr>
-            <a:r>
-              <a:rPr lang="en-US" sz="3200" dirty="0"/>
-              <a:t>Otherwise if it is odd, answer </a:t>
-            </a:r>
-            <a:r>
-              <a:rPr lang="en-US" sz="3200" dirty="0">
-                <a:solidFill>
-                  <a:srgbClr val="FF0000"/>
-                </a:solidFill>
-              </a:rPr>
-              <a:t>NO</a:t>
-            </a:r>
-          </a:p>
-        </p:txBody>
-      </p:sp>
-      <p:pic>
-        <p:nvPicPr>
-          <p:cNvPr id="4" name="Picture 3">
-            <a:extLst>
-              <a:ext uri="{FF2B5EF4-FFF2-40B4-BE49-F238E27FC236}">
-                <a16:creationId xmlns:a16="http://schemas.microsoft.com/office/drawing/2014/main" id="{E8D532C7-16FF-7BB5-FE35-15A3B97072B7}"/>
-              </a:ext>
-            </a:extLst>
-          </p:cNvPr>
-          <p:cNvPicPr>
-            <a:picLocks noChangeAspect="1"/>
-          </p:cNvPicPr>
-          <p:nvPr/>
-        </p:nvPicPr>
-        <p:blipFill>
-          <a:blip r:embed="rId3">
-            <a:extLst>
-              <a:ext uri="{28A0092B-C50C-407E-A947-70E740481C1C}">
-                <a14:useLocalDpi xmlns:a14="http://schemas.microsoft.com/office/drawing/2010/main" val="0"/>
-              </a:ext>
-            </a:extLst>
-          </a:blip>
-          <a:stretch>
-            <a:fillRect/>
-          </a:stretch>
-        </p:blipFill>
-        <p:spPr>
-          <a:xfrm>
-            <a:off x="8733023" y="4780429"/>
-            <a:ext cx="2847975" cy="1600200"/>
-          </a:xfrm>
-          <a:prstGeom prst="rect">
-            <a:avLst/>
-          </a:prstGeom>
-        </p:spPr>
-      </p:pic>
-    </p:spTree>
-    <p:extLst>
-      <p:ext uri="{BB962C8B-B14F-4D97-AF65-F5344CB8AC3E}">
-        <p14:creationId xmlns:p14="http://schemas.microsoft.com/office/powerpoint/2010/main" val="3324447041"/>
-      </p:ext>
-    </p:extLst>
-  </p:cSld>
-  <p:clrMapOvr>
-    <a:masterClrMapping/>
-  </p:clrMapOvr>
-</p:sld>
-</file>
-
-<file path=ppt/slides/slide34.xml><?xml version="1.0" encoding="utf-8"?>
-<p:sld xmlns:a="http://schemas.openxmlformats.org/drawingml/2006/main" xmlns:r="http://schemas.openxmlformats.org/officeDocument/2006/relationships" xmlns:p="http://schemas.openxmlformats.org/presentationml/2006/main">
-  <p:cSld>
-    <p:spTree>
-      <p:nvGrpSpPr>
-        <p:cNvPr id="1" name=""/>
-        <p:cNvGrpSpPr/>
-        <p:nvPr/>
-      </p:nvGrpSpPr>
-      <p:grpSpPr>
-        <a:xfrm>
-          <a:off x="0" y="0"/>
-          <a:ext cx="0" cy="0"/>
-          <a:chOff x="0" y="0"/>
-          <a:chExt cx="0" cy="0"/>
-        </a:xfrm>
-      </p:grpSpPr>
-      <p:sp>
-        <p:nvSpPr>
-          <p:cNvPr id="2" name="Title 1">
-            <a:extLst>
-              <a:ext uri="{FF2B5EF4-FFF2-40B4-BE49-F238E27FC236}">
-                <a16:creationId xmlns:a16="http://schemas.microsoft.com/office/drawing/2014/main" id="{B17419AC-DCE6-4371-8DE2-D617E99D653D}"/>
-              </a:ext>
-            </a:extLst>
-          </p:cNvPr>
-          <p:cNvSpPr>
-            <a:spLocks noGrp="1"/>
-          </p:cNvSpPr>
-          <p:nvPr>
-            <p:ph type="title"/>
-          </p:nvPr>
-        </p:nvSpPr>
-        <p:spPr/>
-        <p:txBody>
-          <a:bodyPr/>
-          <a:lstStyle/>
-          <a:p>
-            <a:r>
-              <a:rPr lang="en-US" dirty="0">
-                <a:solidFill>
-                  <a:srgbClr val="C00000"/>
-                </a:solidFill>
-              </a:rPr>
-              <a:t>Counting</a:t>
-            </a:r>
-          </a:p>
-        </p:txBody>
-      </p:sp>
-      <p:sp>
-        <p:nvSpPr>
-          <p:cNvPr id="5" name="Content Placeholder 3">
-            <a:extLst>
-              <a:ext uri="{FF2B5EF4-FFF2-40B4-BE49-F238E27FC236}">
-                <a16:creationId xmlns:a16="http://schemas.microsoft.com/office/drawing/2014/main" id="{46EDD9D9-1338-4BC5-9D28-964A84C143C2}"/>
-              </a:ext>
-            </a:extLst>
-          </p:cNvPr>
-          <p:cNvSpPr>
-            <a:spLocks noGrp="1"/>
-          </p:cNvSpPr>
-          <p:nvPr>
-            <p:ph idx="1"/>
-          </p:nvPr>
-        </p:nvSpPr>
-        <p:spPr>
-          <a:xfrm>
-            <a:off x="838200" y="1825624"/>
-            <a:ext cx="10242755" cy="4171764"/>
-          </a:xfrm>
-        </p:spPr>
-        <p:txBody>
-          <a:bodyPr>
-            <a:noAutofit/>
-          </a:bodyPr>
-          <a:lstStyle/>
-          <a:p>
-            <a:pPr>
-              <a:buClr>
-                <a:schemeClr val="tx1"/>
-              </a:buClr>
-            </a:pPr>
-            <a:r>
-              <a:rPr lang="en-US" sz="3200" dirty="0">
-                <a:solidFill>
-                  <a:schemeClr val="accent1"/>
-                </a:solidFill>
-              </a:rPr>
-              <a:t>How many people in this class have a pet?</a:t>
-            </a:r>
-          </a:p>
-          <a:p>
-            <a:pPr>
-              <a:buClr>
-                <a:schemeClr val="tx1"/>
-              </a:buClr>
-            </a:pPr>
-            <a:endParaRPr lang="en-US" sz="3200" dirty="0"/>
-          </a:p>
-          <a:p>
             <a:pPr>
               <a:buClr>
                 <a:schemeClr val="tx1"/>
@@ -19365,7 +17422,7 @@
 </p:sld>
 </file>
 
-<file path=ppt/slides/slide35.xml><?xml version="1.0" encoding="utf-8"?>
+<file path=ppt/slides/slide33.xml><?xml version="1.0" encoding="utf-8"?>
 <p:sld xmlns:a="http://schemas.openxmlformats.org/drawingml/2006/main" xmlns:r="http://schemas.openxmlformats.org/officeDocument/2006/relationships" xmlns:p="http://schemas.openxmlformats.org/presentationml/2006/main">
   <p:cSld>
     <p:spTree>
@@ -20489,7 +18546,7 @@
 </p:sld>
 </file>
 
-<file path=ppt/slides/slide36.xml><?xml version="1.0" encoding="utf-8"?>
+<file path=ppt/slides/slide34.xml><?xml version="1.0" encoding="utf-8"?>
 <p:sld xmlns:a="http://schemas.openxmlformats.org/drawingml/2006/main" xmlns:r="http://schemas.openxmlformats.org/officeDocument/2006/relationships" xmlns:p="http://schemas.openxmlformats.org/presentationml/2006/main">
   <p:cSld>
     <p:spTree>
@@ -21924,7 +19981,7 @@
 </p:sld>
 </file>
 
-<file path=ppt/slides/slide37.xml><?xml version="1.0" encoding="utf-8"?>
+<file path=ppt/slides/slide35.xml><?xml version="1.0" encoding="utf-8"?>
 <p:sld xmlns:a="http://schemas.openxmlformats.org/drawingml/2006/main" xmlns:r="http://schemas.openxmlformats.org/officeDocument/2006/relationships" xmlns:p="http://schemas.openxmlformats.org/presentationml/2006/main">
   <p:cSld>
     <p:spTree>
@@ -23052,7 +21109,7 @@
 </p:sld>
 </file>
 
-<file path=ppt/slides/slide38.xml><?xml version="1.0" encoding="utf-8"?>
+<file path=ppt/slides/slide36.xml><?xml version="1.0" encoding="utf-8"?>
 <p:sld xmlns:a="http://schemas.openxmlformats.org/drawingml/2006/main" xmlns:r="http://schemas.openxmlformats.org/officeDocument/2006/relationships" xmlns:p="http://schemas.openxmlformats.org/presentationml/2006/main">
   <p:cSld>
     <p:spTree>
@@ -23842,7 +21899,7 @@
 </p:sld>
 </file>
 
-<file path=ppt/slides/slide39.xml><?xml version="1.0" encoding="utf-8"?>
+<file path=ppt/slides/slide37.xml><?xml version="1.0" encoding="utf-8"?>
 <p:sld xmlns:a="http://schemas.openxmlformats.org/drawingml/2006/main" xmlns:r="http://schemas.openxmlformats.org/officeDocument/2006/relationships" xmlns:p="http://schemas.openxmlformats.org/presentationml/2006/main">
   <p:cSld>
     <p:spTree>
@@ -24662,338 +22719,7 @@
 </p:sld>
 </file>
 
-<file path=ppt/slides/slide4.xml><?xml version="1.0" encoding="utf-8"?>
-<p:sld xmlns:a="http://schemas.openxmlformats.org/drawingml/2006/main" xmlns:r="http://schemas.openxmlformats.org/officeDocument/2006/relationships" xmlns:p="http://schemas.openxmlformats.org/presentationml/2006/main">
-  <p:cSld>
-    <p:spTree>
-      <p:nvGrpSpPr>
-        <p:cNvPr id="1" name=""/>
-        <p:cNvGrpSpPr/>
-        <p:nvPr/>
-      </p:nvGrpSpPr>
-      <p:grpSpPr>
-        <a:xfrm>
-          <a:off x="0" y="0"/>
-          <a:ext cx="0" cy="0"/>
-          <a:chOff x="0" y="0"/>
-          <a:chExt cx="0" cy="0"/>
-        </a:xfrm>
-      </p:grpSpPr>
-      <p:sp>
-        <p:nvSpPr>
-          <p:cNvPr id="2" name="Title 1">
-            <a:extLst>
-              <a:ext uri="{FF2B5EF4-FFF2-40B4-BE49-F238E27FC236}">
-                <a16:creationId xmlns:a16="http://schemas.microsoft.com/office/drawing/2014/main" id="{6D984B7A-8516-47FC-9176-8158CF0B5C45}"/>
-              </a:ext>
-            </a:extLst>
-          </p:cNvPr>
-          <p:cNvSpPr>
-            <a:spLocks noGrp="1"/>
-          </p:cNvSpPr>
-          <p:nvPr>
-            <p:ph type="title"/>
-          </p:nvPr>
-        </p:nvSpPr>
-        <p:spPr/>
-        <p:txBody>
-          <a:bodyPr/>
-          <a:lstStyle/>
-          <a:p>
-            <a:r>
-              <a:rPr lang="en-US" dirty="0">
-                <a:solidFill>
-                  <a:srgbClr val="C00000"/>
-                </a:solidFill>
-              </a:rPr>
-              <a:t>Private Data Analysis</a:t>
-            </a:r>
-          </a:p>
-        </p:txBody>
-      </p:sp>
-      <p:sp>
-        <p:nvSpPr>
-          <p:cNvPr id="3" name="Content Placeholder 2">
-            <a:extLst>
-              <a:ext uri="{FF2B5EF4-FFF2-40B4-BE49-F238E27FC236}">
-                <a16:creationId xmlns:a16="http://schemas.microsoft.com/office/drawing/2014/main" id="{15255D49-9D60-44DD-910D-2EBD0529DEC9}"/>
-              </a:ext>
-            </a:extLst>
-          </p:cNvPr>
-          <p:cNvSpPr>
-            <a:spLocks noGrp="1"/>
-          </p:cNvSpPr>
-          <p:nvPr>
-            <p:ph idx="1"/>
-          </p:nvPr>
-        </p:nvSpPr>
-        <p:spPr>
-          <a:xfrm>
-            <a:off x="838200" y="4404117"/>
-            <a:ext cx="11066929" cy="2088755"/>
-          </a:xfrm>
-        </p:spPr>
-        <p:txBody>
-          <a:bodyPr>
-            <a:normAutofit/>
-          </a:bodyPr>
-          <a:lstStyle/>
-          <a:p>
-            <a:pPr>
-              <a:buClr>
-                <a:schemeClr val="tx1"/>
-              </a:buClr>
-            </a:pPr>
-            <a:r>
-              <a:rPr lang="en-US" sz="3200" dirty="0"/>
-              <a:t>Analysis of medical datasets to predict possible issues</a:t>
-            </a:r>
-          </a:p>
-          <a:p>
-            <a:pPr>
-              <a:buClr>
-                <a:schemeClr val="tx1"/>
-              </a:buClr>
-            </a:pPr>
-            <a:r>
-              <a:rPr lang="en-US" sz="3200" dirty="0"/>
-              <a:t>Pattern detection for social networks or epidemic spread</a:t>
-            </a:r>
-          </a:p>
-          <a:p>
-            <a:pPr>
-              <a:buClr>
-                <a:schemeClr val="tx1"/>
-              </a:buClr>
-            </a:pPr>
-            <a:r>
-              <a:rPr lang="en-US" sz="3200" dirty="0"/>
-              <a:t>US Census information for apportionment</a:t>
-            </a:r>
-          </a:p>
-        </p:txBody>
-      </p:sp>
-      <p:pic>
-        <p:nvPicPr>
-          <p:cNvPr id="1028" name="Picture 4" descr="51,700+ Database Illustrations, Royalty-Free Vector Graphics &amp; Clip Art -  iStock | Data icon, Big data, Infographic">
-            <a:extLst>
-              <a:ext uri="{FF2B5EF4-FFF2-40B4-BE49-F238E27FC236}">
-                <a16:creationId xmlns:a16="http://schemas.microsoft.com/office/drawing/2014/main" id="{CED05864-259D-7712-1D15-03813D33DA14}"/>
-              </a:ext>
-            </a:extLst>
-          </p:cNvPr>
-          <p:cNvPicPr>
-            <a:picLocks noChangeAspect="1" noChangeArrowheads="1"/>
-          </p:cNvPicPr>
-          <p:nvPr/>
-        </p:nvPicPr>
-        <p:blipFill>
-          <a:blip r:embed="rId3">
-            <a:extLst>
-              <a:ext uri="{28A0092B-C50C-407E-A947-70E740481C1C}">
-                <a14:useLocalDpi xmlns:a14="http://schemas.microsoft.com/office/drawing/2010/main" val="0"/>
-              </a:ext>
-            </a:extLst>
-          </a:blip>
-          <a:srcRect/>
-          <a:stretch>
-            <a:fillRect/>
-          </a:stretch>
-        </p:blipFill>
-        <p:spPr bwMode="auto">
-          <a:xfrm>
-            <a:off x="2733820" y="1757074"/>
-            <a:ext cx="2143125" cy="2143125"/>
-          </a:xfrm>
-          <a:prstGeom prst="rect">
-            <a:avLst/>
-          </a:prstGeom>
-          <a:noFill/>
-          <a:extLst>
-            <a:ext uri="{909E8E84-426E-40DD-AFC4-6F175D3DCCD1}">
-              <a14:hiddenFill xmlns:a14="http://schemas.microsoft.com/office/drawing/2010/main">
-                <a:solidFill>
-                  <a:srgbClr val="FFFFFF"/>
-                </a:solidFill>
-              </a14:hiddenFill>
-            </a:ext>
-          </a:extLst>
-        </p:spPr>
-      </p:pic>
-      <p:cxnSp>
-        <p:nvCxnSpPr>
-          <p:cNvPr id="5" name="Straight Arrow Connector 4">
-            <a:extLst>
-              <a:ext uri="{FF2B5EF4-FFF2-40B4-BE49-F238E27FC236}">
-                <a16:creationId xmlns:a16="http://schemas.microsoft.com/office/drawing/2014/main" id="{1B4B03DF-E90A-F1F2-3701-2C4AAB6286AD}"/>
-              </a:ext>
-            </a:extLst>
-          </p:cNvPr>
-          <p:cNvCxnSpPr/>
-          <p:nvPr/>
-        </p:nvCxnSpPr>
-        <p:spPr>
-          <a:xfrm>
-            <a:off x="5436066" y="2793534"/>
-            <a:ext cx="1518407" cy="0"/>
-          </a:xfrm>
-          <a:prstGeom prst="straightConnector1">
-            <a:avLst/>
-          </a:prstGeom>
-          <a:ln w="76200">
-            <a:solidFill>
-              <a:schemeClr val="tx1"/>
-            </a:solidFill>
-            <a:headEnd type="triangle"/>
-            <a:tailEnd type="triangle"/>
-          </a:ln>
-        </p:spPr>
-        <p:style>
-          <a:lnRef idx="1">
-            <a:schemeClr val="accent1"/>
-          </a:lnRef>
-          <a:fillRef idx="0">
-            <a:schemeClr val="accent1"/>
-          </a:fillRef>
-          <a:effectRef idx="0">
-            <a:schemeClr val="accent1"/>
-          </a:effectRef>
-          <a:fontRef idx="minor">
-            <a:schemeClr val="tx1"/>
-          </a:fontRef>
-        </p:style>
-      </p:cxnSp>
-      <p:pic>
-        <p:nvPicPr>
-          <p:cNvPr id="1030" name="Picture 6" descr="detective-clipart-detective_clipart | Walnut Creek Library Foundation">
-            <a:extLst>
-              <a:ext uri="{FF2B5EF4-FFF2-40B4-BE49-F238E27FC236}">
-                <a16:creationId xmlns:a16="http://schemas.microsoft.com/office/drawing/2014/main" id="{D812CC9F-9DBD-1C79-9C08-FCF0F92EC35A}"/>
-              </a:ext>
-            </a:extLst>
-          </p:cNvPr>
-          <p:cNvPicPr>
-            <a:picLocks noChangeAspect="1" noChangeArrowheads="1"/>
-          </p:cNvPicPr>
-          <p:nvPr/>
-        </p:nvPicPr>
-        <p:blipFill>
-          <a:blip r:embed="rId4">
-            <a:extLst>
-              <a:ext uri="{28A0092B-C50C-407E-A947-70E740481C1C}">
-                <a14:useLocalDpi xmlns:a14="http://schemas.microsoft.com/office/drawing/2010/main" val="0"/>
-              </a:ext>
-            </a:extLst>
-          </a:blip>
-          <a:srcRect/>
-          <a:stretch>
-            <a:fillRect/>
-          </a:stretch>
-        </p:blipFill>
-        <p:spPr bwMode="auto">
-          <a:xfrm>
-            <a:off x="8026257" y="1633248"/>
-            <a:ext cx="1905000" cy="2390775"/>
-          </a:xfrm>
-          <a:prstGeom prst="rect">
-            <a:avLst/>
-          </a:prstGeom>
-          <a:noFill/>
-          <a:extLst>
-            <a:ext uri="{909E8E84-426E-40DD-AFC4-6F175D3DCCD1}">
-              <a14:hiddenFill xmlns:a14="http://schemas.microsoft.com/office/drawing/2010/main">
-                <a:solidFill>
-                  <a:srgbClr val="FFFFFF"/>
-                </a:solidFill>
-              </a14:hiddenFill>
-            </a:ext>
-          </a:extLst>
-        </p:spPr>
-      </p:pic>
-      <p:sp>
-        <p:nvSpPr>
-          <p:cNvPr id="7" name="TextBox 6">
-            <a:extLst>
-              <a:ext uri="{FF2B5EF4-FFF2-40B4-BE49-F238E27FC236}">
-                <a16:creationId xmlns:a16="http://schemas.microsoft.com/office/drawing/2014/main" id="{EF37C412-E016-188D-C53E-3744A9CE2ECD}"/>
-              </a:ext>
-            </a:extLst>
-          </p:cNvPr>
-          <p:cNvSpPr txBox="1"/>
-          <p:nvPr/>
-        </p:nvSpPr>
-        <p:spPr>
-          <a:xfrm>
-            <a:off x="455070" y="2626523"/>
-            <a:ext cx="2413932" cy="461665"/>
-          </a:xfrm>
-          <a:prstGeom prst="rect">
-            <a:avLst/>
-          </a:prstGeom>
-          <a:noFill/>
-        </p:spPr>
-        <p:txBody>
-          <a:bodyPr wrap="square">
-            <a:spAutoFit/>
-          </a:bodyPr>
-          <a:lstStyle/>
-          <a:p>
-            <a:r>
-              <a:rPr lang="en-US" sz="2400" dirty="0"/>
-              <a:t>Sensitive dataset</a:t>
-            </a:r>
-          </a:p>
-        </p:txBody>
-      </p:sp>
-      <p:sp>
-        <p:nvSpPr>
-          <p:cNvPr id="8" name="TextBox 7">
-            <a:extLst>
-              <a:ext uri="{FF2B5EF4-FFF2-40B4-BE49-F238E27FC236}">
-                <a16:creationId xmlns:a16="http://schemas.microsoft.com/office/drawing/2014/main" id="{2145379F-2887-798A-9376-ED41968A029E}"/>
-              </a:ext>
-            </a:extLst>
-          </p:cNvPr>
-          <p:cNvSpPr txBox="1"/>
-          <p:nvPr/>
-        </p:nvSpPr>
-        <p:spPr>
-          <a:xfrm>
-            <a:off x="10321921" y="2626523"/>
-            <a:ext cx="1170996" cy="461665"/>
-          </a:xfrm>
-          <a:prstGeom prst="rect">
-            <a:avLst/>
-          </a:prstGeom>
-          <a:noFill/>
-        </p:spPr>
-        <p:txBody>
-          <a:bodyPr wrap="square">
-            <a:spAutoFit/>
-          </a:bodyPr>
-          <a:lstStyle/>
-          <a:p>
-            <a:r>
-              <a:rPr lang="en-US" sz="2400" dirty="0"/>
-              <a:t>Analyst</a:t>
-            </a:r>
-          </a:p>
-        </p:txBody>
-      </p:sp>
-    </p:spTree>
-    <p:extLst>
-      <p:ext uri="{BB962C8B-B14F-4D97-AF65-F5344CB8AC3E}">
-        <p14:creationId xmlns:p14="http://schemas.microsoft.com/office/powerpoint/2010/main" val="2541964500"/>
-      </p:ext>
-    </p:extLst>
-  </p:cSld>
-  <p:clrMapOvr>
-    <a:masterClrMapping/>
-  </p:clrMapOvr>
-</p:sld>
-</file>
-
-<file path=ppt/slides/slide40.xml><?xml version="1.0" encoding="utf-8"?>
+<file path=ppt/slides/slide38.xml><?xml version="1.0" encoding="utf-8"?>
 <p:sld xmlns:a="http://schemas.openxmlformats.org/drawingml/2006/main" xmlns:r="http://schemas.openxmlformats.org/officeDocument/2006/relationships" xmlns:p="http://schemas.openxmlformats.org/presentationml/2006/main">
   <p:cSld>
     <p:spTree>
@@ -25332,7 +23058,7 @@
 </p:sld>
 </file>
 
-<file path=ppt/slides/slide41.xml><?xml version="1.0" encoding="utf-8"?>
+<file path=ppt/slides/slide39.xml><?xml version="1.0" encoding="utf-8"?>
 <p:sld xmlns:a="http://schemas.openxmlformats.org/drawingml/2006/main" xmlns:r="http://schemas.openxmlformats.org/officeDocument/2006/relationships" xmlns:p="http://schemas.openxmlformats.org/presentationml/2006/main">
   <p:cSld>
     <p:spTree>
@@ -26557,7 +24283,7 @@
 </p:sld>
 </file>
 
-<file path=ppt/slides/slide42.xml><?xml version="1.0" encoding="utf-8"?>
+<file path=ppt/slides/slide4.xml><?xml version="1.0" encoding="utf-8"?>
 <p:sld xmlns:a="http://schemas.openxmlformats.org/drawingml/2006/main" xmlns:r="http://schemas.openxmlformats.org/officeDocument/2006/relationships" xmlns:p="http://schemas.openxmlformats.org/presentationml/2006/main">
   <p:cSld>
     <p:spTree>
@@ -26579,7 +24305,7 @@
           <p:cNvPr id="2" name="Title 1">
             <a:extLst>
               <a:ext uri="{FF2B5EF4-FFF2-40B4-BE49-F238E27FC236}">
-                <a16:creationId xmlns:a16="http://schemas.microsoft.com/office/drawing/2014/main" id="{B17419AC-DCE6-4371-8DE2-D617E99D653D}"/>
+                <a16:creationId xmlns:a16="http://schemas.microsoft.com/office/drawing/2014/main" id="{6D984B7A-8516-47FC-9176-8158CF0B5C45}"/>
               </a:ext>
             </a:extLst>
           </p:cNvPr>
@@ -26601,1951 +24327,17 @@
                   <a:srgbClr val="C00000"/>
                 </a:solidFill>
               </a:rPr>
-              <a:t>Privacy and Noise</a:t>
-            </a:r>
-          </a:p>
-        </p:txBody>
-      </p:sp>
-      <mc:AlternateContent xmlns:mc="http://schemas.openxmlformats.org/markup-compatibility/2006" xmlns:a14="http://schemas.microsoft.com/office/drawing/2010/main">
-        <mc:Choice Requires="a14">
-          <p:sp>
-            <p:nvSpPr>
-              <p:cNvPr id="5" name="Content Placeholder 3">
-                <a:extLst>
-                  <a:ext uri="{FF2B5EF4-FFF2-40B4-BE49-F238E27FC236}">
-                    <a16:creationId xmlns:a16="http://schemas.microsoft.com/office/drawing/2014/main" id="{46EDD9D9-1338-4BC5-9D28-964A84C143C2}"/>
-                  </a:ext>
-                </a:extLst>
-              </p:cNvPr>
-              <p:cNvSpPr>
-                <a:spLocks noGrp="1"/>
-              </p:cNvSpPr>
-              <p:nvPr>
-                <p:ph idx="1"/>
-              </p:nvPr>
-            </p:nvSpPr>
-            <p:spPr>
-              <a:xfrm>
-                <a:off x="838200" y="1825624"/>
-                <a:ext cx="10242755" cy="4342094"/>
-              </a:xfrm>
-            </p:spPr>
-            <p:txBody>
-              <a:bodyPr>
-                <a:noAutofit/>
-              </a:bodyPr>
-              <a:lstStyle/>
-              <a:p>
-                <a:pPr>
-                  <a:buClr>
-                    <a:schemeClr val="tx1"/>
-                  </a:buClr>
-                </a:pPr>
-                <a:r>
-                  <a:rPr lang="en-US" sz="3200" dirty="0">
-                    <a:solidFill>
-                      <a:srgbClr val="00B050"/>
-                    </a:solidFill>
-                  </a:rPr>
-                  <a:t>Goal</a:t>
-                </a:r>
-                <a:r>
-                  <a:rPr lang="en-US" sz="3200" dirty="0"/>
-                  <a:t>: release private approximation to </a:t>
-                </a:r>
-                <a14:m>
-                  <m:oMath xmlns:m="http://schemas.openxmlformats.org/officeDocument/2006/math">
-                    <m:r>
-                      <a:rPr lang="en-US" sz="3200" b="0" i="1" smtClean="0">
-                        <a:solidFill>
-                          <a:srgbClr val="C00000"/>
-                        </a:solidFill>
-                        <a:latin typeface="Cambria Math" panose="02040503050406030204" pitchFamily="18" charset="0"/>
-                      </a:rPr>
-                      <m:t>𝑓</m:t>
-                    </m:r>
-                    <m:d>
-                      <m:dPr>
-                        <m:ctrlPr>
-                          <a:rPr lang="en-US" sz="3200" b="0" i="1" smtClean="0">
-                            <a:solidFill>
-                              <a:srgbClr val="C00000"/>
-                            </a:solidFill>
-                            <a:latin typeface="Cambria Math" panose="02040503050406030204" pitchFamily="18" charset="0"/>
-                          </a:rPr>
-                        </m:ctrlPr>
-                      </m:dPr>
-                      <m:e>
-                        <m:r>
-                          <a:rPr lang="en-US" sz="3200" b="0" i="1" smtClean="0">
-                            <a:solidFill>
-                              <a:srgbClr val="C00000"/>
-                            </a:solidFill>
-                            <a:latin typeface="Cambria Math" panose="02040503050406030204" pitchFamily="18" charset="0"/>
-                          </a:rPr>
-                          <m:t>𝑥</m:t>
-                        </m:r>
-                      </m:e>
-                    </m:d>
-                  </m:oMath>
-                </a14:m>
-                <a:endParaRPr lang="en-US" sz="3200" dirty="0"/>
-              </a:p>
-              <a:p>
-                <a:pPr>
-                  <a:buClr>
-                    <a:schemeClr val="tx1"/>
-                  </a:buClr>
-                </a:pPr>
-                <a:endParaRPr lang="en-US" sz="3200" dirty="0"/>
-              </a:p>
-              <a:p>
-                <a:pPr>
-                  <a:buClr>
-                    <a:schemeClr val="tx1"/>
-                  </a:buClr>
-                </a:pPr>
-                <a:r>
-                  <a:rPr lang="en-US" sz="3200" dirty="0">
-                    <a:solidFill>
-                      <a:srgbClr val="00B050"/>
-                    </a:solidFill>
-                  </a:rPr>
-                  <a:t>Intuition</a:t>
-                </a:r>
-                <a:r>
-                  <a:rPr lang="en-US" sz="3200" dirty="0"/>
-                  <a:t>: </a:t>
-                </a:r>
-                <a14:m>
-                  <m:oMath xmlns:m="http://schemas.openxmlformats.org/officeDocument/2006/math">
-                    <m:r>
-                      <a:rPr lang="en-US" sz="3200" b="0" i="1" smtClean="0">
-                        <a:solidFill>
-                          <a:srgbClr val="C00000"/>
-                        </a:solidFill>
-                        <a:latin typeface="Cambria Math" panose="02040503050406030204" pitchFamily="18" charset="0"/>
-                      </a:rPr>
-                      <m:t>𝑓</m:t>
-                    </m:r>
-                    <m:d>
-                      <m:dPr>
-                        <m:ctrlPr>
-                          <a:rPr lang="en-US" sz="3200" b="0" i="1" smtClean="0">
-                            <a:solidFill>
-                              <a:srgbClr val="C00000"/>
-                            </a:solidFill>
-                            <a:latin typeface="Cambria Math" panose="02040503050406030204" pitchFamily="18" charset="0"/>
-                          </a:rPr>
-                        </m:ctrlPr>
-                      </m:dPr>
-                      <m:e>
-                        <m:r>
-                          <a:rPr lang="en-US" sz="3200" b="0" i="1" smtClean="0">
-                            <a:solidFill>
-                              <a:srgbClr val="C00000"/>
-                            </a:solidFill>
-                            <a:latin typeface="Cambria Math" panose="02040503050406030204" pitchFamily="18" charset="0"/>
-                          </a:rPr>
-                          <m:t>𝑥</m:t>
-                        </m:r>
-                      </m:e>
-                    </m:d>
-                  </m:oMath>
-                </a14:m>
-                <a:r>
-                  <a:rPr lang="en-US" sz="3200" dirty="0"/>
-                  <a:t> can be released accurately if the function </a:t>
-                </a:r>
-                <a14:m>
-                  <m:oMath xmlns:m="http://schemas.openxmlformats.org/officeDocument/2006/math">
-                    <m:r>
-                      <a:rPr lang="en-US" sz="3200" b="0" i="1" smtClean="0">
-                        <a:solidFill>
-                          <a:srgbClr val="C00000"/>
-                        </a:solidFill>
-                        <a:latin typeface="Cambria Math" panose="02040503050406030204" pitchFamily="18" charset="0"/>
-                      </a:rPr>
-                      <m:t>𝑓</m:t>
-                    </m:r>
-                  </m:oMath>
-                </a14:m>
-                <a:r>
-                  <a:rPr lang="en-US" sz="3200" dirty="0"/>
-                  <a:t> is not sensitive to changes by any of the individuals </a:t>
-                </a:r>
-                <a14:m>
-                  <m:oMath xmlns:m="http://schemas.openxmlformats.org/officeDocument/2006/math">
-                    <m:r>
-                      <a:rPr lang="en-US" sz="3200" b="0" i="1" smtClean="0">
-                        <a:solidFill>
-                          <a:srgbClr val="C00000"/>
-                        </a:solidFill>
-                        <a:latin typeface="Cambria Math" panose="02040503050406030204" pitchFamily="18" charset="0"/>
-                      </a:rPr>
-                      <m:t>𝑥</m:t>
-                    </m:r>
-                    <m:r>
-                      <a:rPr lang="en-US" sz="3200" b="0" i="1" smtClean="0">
-                        <a:solidFill>
-                          <a:srgbClr val="C00000"/>
-                        </a:solidFill>
-                        <a:latin typeface="Cambria Math" panose="02040503050406030204" pitchFamily="18" charset="0"/>
-                      </a:rPr>
-                      <m:t>=</m:t>
-                    </m:r>
-                    <m:sSub>
-                      <m:sSubPr>
-                        <m:ctrlPr>
-                          <a:rPr lang="en-US" sz="3200" b="0" i="1" smtClean="0">
-                            <a:solidFill>
-                              <a:srgbClr val="C00000"/>
-                            </a:solidFill>
-                            <a:latin typeface="Cambria Math" panose="02040503050406030204" pitchFamily="18" charset="0"/>
-                          </a:rPr>
-                        </m:ctrlPr>
-                      </m:sSubPr>
-                      <m:e>
-                        <m:r>
-                          <a:rPr lang="en-US" sz="3200" i="1" smtClean="0">
-                            <a:solidFill>
-                              <a:srgbClr val="C00000"/>
-                            </a:solidFill>
-                            <a:latin typeface="Cambria Math" panose="02040503050406030204" pitchFamily="18" charset="0"/>
-                          </a:rPr>
-                          <m:t>𝑥</m:t>
-                        </m:r>
-                      </m:e>
-                      <m:sub>
-                        <m:r>
-                          <a:rPr lang="en-US" sz="3200" b="0" i="1" smtClean="0">
-                            <a:solidFill>
-                              <a:srgbClr val="C00000"/>
-                            </a:solidFill>
-                            <a:latin typeface="Cambria Math" panose="02040503050406030204" pitchFamily="18" charset="0"/>
-                          </a:rPr>
-                          <m:t>1</m:t>
-                        </m:r>
-                      </m:sub>
-                    </m:sSub>
-                    <m:r>
-                      <a:rPr lang="en-US" sz="3200" b="0" i="1" smtClean="0">
-                        <a:solidFill>
-                          <a:srgbClr val="C00000"/>
-                        </a:solidFill>
-                        <a:latin typeface="Cambria Math" panose="02040503050406030204" pitchFamily="18" charset="0"/>
-                      </a:rPr>
-                      <m:t>,…,</m:t>
-                    </m:r>
-                    <m:sSub>
-                      <m:sSubPr>
-                        <m:ctrlPr>
-                          <a:rPr lang="en-US" sz="3200" b="0" i="1" smtClean="0">
-                            <a:solidFill>
-                              <a:srgbClr val="C00000"/>
-                            </a:solidFill>
-                            <a:latin typeface="Cambria Math" panose="02040503050406030204" pitchFamily="18" charset="0"/>
-                          </a:rPr>
-                        </m:ctrlPr>
-                      </m:sSubPr>
-                      <m:e>
-                        <m:r>
-                          <a:rPr lang="en-US" sz="3200" b="0" i="1" smtClean="0">
-                            <a:solidFill>
-                              <a:srgbClr val="C00000"/>
-                            </a:solidFill>
-                            <a:latin typeface="Cambria Math" panose="02040503050406030204" pitchFamily="18" charset="0"/>
-                          </a:rPr>
-                          <m:t>𝑥</m:t>
-                        </m:r>
-                      </m:e>
-                      <m:sub>
-                        <m:r>
-                          <a:rPr lang="en-US" sz="3200" b="0" i="1" smtClean="0">
-                            <a:solidFill>
-                              <a:srgbClr val="C00000"/>
-                            </a:solidFill>
-                            <a:latin typeface="Cambria Math" panose="02040503050406030204" pitchFamily="18" charset="0"/>
-                          </a:rPr>
-                          <m:t>𝑛</m:t>
-                        </m:r>
-                      </m:sub>
-                    </m:sSub>
-                  </m:oMath>
-                </a14:m>
-                <a:endParaRPr lang="en-US" sz="3200" dirty="0"/>
-              </a:p>
-              <a:p>
-                <a:pPr>
-                  <a:buClr>
-                    <a:schemeClr val="tx1"/>
-                  </a:buClr>
-                </a:pPr>
-                <a:endParaRPr lang="en-US" sz="3200" dirty="0"/>
-              </a:p>
-              <a:p>
-                <a:pPr>
-                  <a:buClr>
-                    <a:schemeClr val="tx1"/>
-                  </a:buClr>
-                </a:pPr>
-                <a:r>
-                  <a:rPr lang="en-US" sz="3200" dirty="0">
-                    <a:solidFill>
-                      <a:srgbClr val="00B050"/>
-                    </a:solidFill>
-                  </a:rPr>
-                  <a:t>Sensitivity</a:t>
-                </a:r>
-                <a:r>
-                  <a:rPr lang="en-US" sz="3200" dirty="0"/>
-                  <a:t>: </a:t>
-                </a:r>
-                <a14:m>
-                  <m:oMath xmlns:m="http://schemas.openxmlformats.org/officeDocument/2006/math">
-                    <m:sSub>
-                      <m:sSubPr>
-                        <m:ctrlPr>
-                          <a:rPr lang="en-US" sz="3200" b="0" i="1" smtClean="0">
-                            <a:solidFill>
-                              <a:srgbClr val="C00000"/>
-                            </a:solidFill>
-                            <a:latin typeface="Cambria Math" panose="02040503050406030204" pitchFamily="18" charset="0"/>
-                          </a:rPr>
-                        </m:ctrlPr>
-                      </m:sSubPr>
-                      <m:e>
-                        <m:r>
-                          <a:rPr lang="en-US" sz="3200" b="0" i="1" smtClean="0">
-                            <a:solidFill>
-                              <a:srgbClr val="C00000"/>
-                            </a:solidFill>
-                            <a:latin typeface="Cambria Math" panose="02040503050406030204" pitchFamily="18" charset="0"/>
-                          </a:rPr>
-                          <m:t>𝜎</m:t>
-                        </m:r>
-                      </m:e>
-                      <m:sub>
-                        <m:r>
-                          <a:rPr lang="en-US" sz="3200" b="0" i="1" smtClean="0">
-                            <a:solidFill>
-                              <a:srgbClr val="C00000"/>
-                            </a:solidFill>
-                            <a:latin typeface="Cambria Math" panose="02040503050406030204" pitchFamily="18" charset="0"/>
-                          </a:rPr>
-                          <m:t>𝑓</m:t>
-                        </m:r>
-                      </m:sub>
-                    </m:sSub>
-                    <m:r>
-                      <a:rPr lang="en-US" sz="3200" b="0" i="1" smtClean="0">
-                        <a:solidFill>
-                          <a:srgbClr val="C00000"/>
-                        </a:solidFill>
-                        <a:latin typeface="Cambria Math" panose="02040503050406030204" pitchFamily="18" charset="0"/>
-                      </a:rPr>
-                      <m:t>=</m:t>
-                    </m:r>
-                    <m:limLow>
-                      <m:limLowPr>
-                        <m:ctrlPr>
-                          <a:rPr lang="en-US" sz="3200" b="0" i="1" smtClean="0">
-                            <a:solidFill>
-                              <a:srgbClr val="C00000"/>
-                            </a:solidFill>
-                            <a:latin typeface="Cambria Math" panose="02040503050406030204" pitchFamily="18" charset="0"/>
-                          </a:rPr>
-                        </m:ctrlPr>
-                      </m:limLowPr>
-                      <m:e>
-                        <m:r>
-                          <m:rPr>
-                            <m:sty m:val="p"/>
-                          </m:rPr>
-                          <a:rPr lang="en-US" sz="3200" b="0" i="0" smtClean="0">
-                            <a:solidFill>
-                              <a:srgbClr val="C00000"/>
-                            </a:solidFill>
-                            <a:latin typeface="Cambria Math" panose="02040503050406030204" pitchFamily="18" charset="0"/>
-                          </a:rPr>
-                          <m:t>max</m:t>
-                        </m:r>
-                      </m:e>
-                      <m:lim>
-                        <m:r>
-                          <m:rPr>
-                            <m:sty m:val="p"/>
-                          </m:rPr>
-                          <a:rPr lang="en-US" sz="3200" b="0" i="0" smtClean="0">
-                            <a:solidFill>
-                              <a:srgbClr val="C00000"/>
-                            </a:solidFill>
-                            <a:latin typeface="Cambria Math" panose="02040503050406030204" pitchFamily="18" charset="0"/>
-                          </a:rPr>
-                          <m:t>neighbor</m:t>
-                        </m:r>
-                        <m:r>
-                          <a:rPr lang="en-US" sz="3200" b="0" i="1" smtClean="0">
-                            <a:solidFill>
-                              <a:srgbClr val="C00000"/>
-                            </a:solidFill>
-                            <a:latin typeface="Cambria Math" panose="02040503050406030204" pitchFamily="18" charset="0"/>
-                          </a:rPr>
-                          <m:t>𝑠</m:t>
-                        </m:r>
-                        <m:r>
-                          <a:rPr lang="en-US" sz="3200" b="0" i="1" smtClean="0">
-                            <a:solidFill>
-                              <a:srgbClr val="C00000"/>
-                            </a:solidFill>
-                            <a:latin typeface="Cambria Math" panose="02040503050406030204" pitchFamily="18" charset="0"/>
-                          </a:rPr>
-                          <m:t> </m:t>
-                        </m:r>
-                        <m:r>
-                          <a:rPr lang="en-US" sz="3200" b="0" i="1" smtClean="0">
-                            <a:solidFill>
-                              <a:srgbClr val="C00000"/>
-                            </a:solidFill>
-                            <a:latin typeface="Cambria Math" panose="02040503050406030204" pitchFamily="18" charset="0"/>
-                          </a:rPr>
-                          <m:t>𝑥</m:t>
-                        </m:r>
-                        <m:r>
-                          <a:rPr lang="en-US" sz="3200" b="0" i="0" smtClean="0">
-                            <a:solidFill>
-                              <a:srgbClr val="C00000"/>
-                            </a:solidFill>
-                            <a:latin typeface="Cambria Math" panose="02040503050406030204" pitchFamily="18" charset="0"/>
-                          </a:rPr>
-                          <m:t>,</m:t>
-                        </m:r>
-                        <m:r>
-                          <a:rPr lang="en-US" sz="3200" b="0" i="1" smtClean="0">
-                            <a:solidFill>
-                              <a:srgbClr val="C00000"/>
-                            </a:solidFill>
-                            <a:latin typeface="Cambria Math" panose="02040503050406030204" pitchFamily="18" charset="0"/>
-                          </a:rPr>
-                          <m:t>𝑥</m:t>
-                        </m:r>
-                        <m:r>
-                          <a:rPr lang="en-US" sz="3200" b="0" i="0" smtClean="0">
-                            <a:solidFill>
-                              <a:srgbClr val="C00000"/>
-                            </a:solidFill>
-                            <a:latin typeface="Cambria Math" panose="02040503050406030204" pitchFamily="18" charset="0"/>
-                          </a:rPr>
-                          <m:t>′</m:t>
-                        </m:r>
-                      </m:lim>
-                    </m:limLow>
-                    <m:sSub>
-                      <m:sSubPr>
-                        <m:ctrlPr>
-                          <a:rPr lang="en-US" sz="3200" b="0" i="1" smtClean="0">
-                            <a:solidFill>
-                              <a:srgbClr val="C00000"/>
-                            </a:solidFill>
-                            <a:latin typeface="Cambria Math" panose="02040503050406030204" pitchFamily="18" charset="0"/>
-                          </a:rPr>
-                        </m:ctrlPr>
-                      </m:sSubPr>
-                      <m:e>
-                        <m:d>
-                          <m:dPr>
-                            <m:begChr m:val="‖"/>
-                            <m:endChr m:val="‖"/>
-                            <m:ctrlPr>
-                              <a:rPr lang="en-US" sz="3200" b="0" i="1" smtClean="0">
-                                <a:solidFill>
-                                  <a:srgbClr val="C00000"/>
-                                </a:solidFill>
-                                <a:latin typeface="Cambria Math" panose="02040503050406030204" pitchFamily="18" charset="0"/>
-                              </a:rPr>
-                            </m:ctrlPr>
-                          </m:dPr>
-                          <m:e>
-                            <m:r>
-                              <a:rPr lang="en-US" sz="3200" b="0" i="1" smtClean="0">
-                                <a:solidFill>
-                                  <a:srgbClr val="C00000"/>
-                                </a:solidFill>
-                                <a:latin typeface="Cambria Math" panose="02040503050406030204" pitchFamily="18" charset="0"/>
-                              </a:rPr>
-                              <m:t>𝑓</m:t>
-                            </m:r>
-                            <m:d>
-                              <m:dPr>
-                                <m:ctrlPr>
-                                  <a:rPr lang="en-US" sz="3200" b="0" i="1" smtClean="0">
-                                    <a:solidFill>
-                                      <a:srgbClr val="C00000"/>
-                                    </a:solidFill>
-                                    <a:latin typeface="Cambria Math" panose="02040503050406030204" pitchFamily="18" charset="0"/>
-                                  </a:rPr>
-                                </m:ctrlPr>
-                              </m:dPr>
-                              <m:e>
-                                <m:r>
-                                  <a:rPr lang="en-US" sz="3200" b="0" i="1" smtClean="0">
-                                    <a:solidFill>
-                                      <a:srgbClr val="C00000"/>
-                                    </a:solidFill>
-                                    <a:latin typeface="Cambria Math" panose="02040503050406030204" pitchFamily="18" charset="0"/>
-                                  </a:rPr>
-                                  <m:t>𝑥</m:t>
-                                </m:r>
-                              </m:e>
-                            </m:d>
-                            <m:r>
-                              <a:rPr lang="en-US" sz="3200" b="0" i="1" smtClean="0">
-                                <a:solidFill>
-                                  <a:srgbClr val="C00000"/>
-                                </a:solidFill>
-                                <a:latin typeface="Cambria Math" panose="02040503050406030204" pitchFamily="18" charset="0"/>
-                              </a:rPr>
-                              <m:t>−</m:t>
-                            </m:r>
-                            <m:r>
-                              <a:rPr lang="en-US" sz="3200" b="0" i="1" smtClean="0">
-                                <a:solidFill>
-                                  <a:srgbClr val="C00000"/>
-                                </a:solidFill>
-                                <a:latin typeface="Cambria Math" panose="02040503050406030204" pitchFamily="18" charset="0"/>
-                              </a:rPr>
-                              <m:t>𝑓</m:t>
-                            </m:r>
-                            <m:d>
-                              <m:dPr>
-                                <m:ctrlPr>
-                                  <a:rPr lang="en-US" sz="3200" b="0" i="1" smtClean="0">
-                                    <a:solidFill>
-                                      <a:srgbClr val="C00000"/>
-                                    </a:solidFill>
-                                    <a:latin typeface="Cambria Math" panose="02040503050406030204" pitchFamily="18" charset="0"/>
-                                  </a:rPr>
-                                </m:ctrlPr>
-                              </m:dPr>
-                              <m:e>
-                                <m:r>
-                                  <a:rPr lang="en-US" sz="3200" b="0" i="1" smtClean="0">
-                                    <a:solidFill>
-                                      <a:srgbClr val="C00000"/>
-                                    </a:solidFill>
-                                    <a:latin typeface="Cambria Math" panose="02040503050406030204" pitchFamily="18" charset="0"/>
-                                  </a:rPr>
-                                  <m:t>𝑥</m:t>
-                                </m:r>
-                                <m:r>
-                                  <a:rPr lang="en-US" sz="3200" b="0" i="1" smtClean="0">
-                                    <a:solidFill>
-                                      <a:srgbClr val="C00000"/>
-                                    </a:solidFill>
-                                    <a:latin typeface="Cambria Math" panose="02040503050406030204" pitchFamily="18" charset="0"/>
-                                  </a:rPr>
-                                  <m:t>′</m:t>
-                                </m:r>
-                              </m:e>
-                            </m:d>
-                          </m:e>
-                        </m:d>
-                      </m:e>
-                      <m:sub>
-                        <m:r>
-                          <a:rPr lang="en-US" sz="3200" b="0" i="1" smtClean="0">
-                            <a:solidFill>
-                              <a:srgbClr val="C00000"/>
-                            </a:solidFill>
-                            <a:latin typeface="Cambria Math" panose="02040503050406030204" pitchFamily="18" charset="0"/>
-                          </a:rPr>
-                          <m:t>1</m:t>
-                        </m:r>
-                      </m:sub>
-                    </m:sSub>
-                  </m:oMath>
-                </a14:m>
-                <a:endParaRPr lang="en-US" sz="3200" dirty="0"/>
-              </a:p>
-            </p:txBody>
-          </p:sp>
-        </mc:Choice>
-        <mc:Fallback xmlns="">
-          <p:sp>
-            <p:nvSpPr>
-              <p:cNvPr id="5" name="Content Placeholder 3">
-                <a:extLst>
-                  <a:ext uri="{FF2B5EF4-FFF2-40B4-BE49-F238E27FC236}">
-                    <a16:creationId xmlns:a16="http://schemas.microsoft.com/office/drawing/2014/main" id="{46EDD9D9-1338-4BC5-9D28-964A84C143C2}"/>
-                  </a:ext>
-                </a:extLst>
-              </p:cNvPr>
-              <p:cNvSpPr>
-                <a:spLocks noGrp="1" noRot="1" noChangeAspect="1" noMove="1" noResize="1" noEditPoints="1" noAdjustHandles="1" noChangeArrowheads="1" noChangeShapeType="1" noTextEdit="1"/>
-              </p:cNvSpPr>
-              <p:nvPr>
-                <p:ph idx="1"/>
-              </p:nvPr>
-            </p:nvSpPr>
-            <p:spPr>
-              <a:xfrm>
-                <a:off x="838200" y="1825624"/>
-                <a:ext cx="10242755" cy="4342094"/>
-              </a:xfrm>
-              <a:blipFill>
-                <a:blip r:embed="rId3"/>
-                <a:stretch>
-                  <a:fillRect l="-1369" t="-2805"/>
-                </a:stretch>
-              </a:blipFill>
-            </p:spPr>
-            <p:txBody>
-              <a:bodyPr/>
-              <a:lstStyle/>
-              <a:p>
-                <a:r>
-                  <a:rPr lang="en-US">
-                    <a:noFill/>
-                  </a:rPr>
-                  <a:t> </a:t>
-                </a:r>
-              </a:p>
-            </p:txBody>
-          </p:sp>
-        </mc:Fallback>
-      </mc:AlternateContent>
-    </p:spTree>
-    <p:extLst>
-      <p:ext uri="{BB962C8B-B14F-4D97-AF65-F5344CB8AC3E}">
-        <p14:creationId xmlns:p14="http://schemas.microsoft.com/office/powerpoint/2010/main" val="3804167101"/>
-      </p:ext>
-    </p:extLst>
-  </p:cSld>
-  <p:clrMapOvr>
-    <a:masterClrMapping/>
-  </p:clrMapOvr>
-</p:sld>
-</file>
-
-<file path=ppt/slides/slide43.xml><?xml version="1.0" encoding="utf-8"?>
-<p:sld xmlns:a="http://schemas.openxmlformats.org/drawingml/2006/main" xmlns:r="http://schemas.openxmlformats.org/officeDocument/2006/relationships" xmlns:p="http://schemas.openxmlformats.org/presentationml/2006/main">
-  <p:cSld>
-    <p:spTree>
-      <p:nvGrpSpPr>
-        <p:cNvPr id="1" name=""/>
-        <p:cNvGrpSpPr/>
-        <p:nvPr/>
-      </p:nvGrpSpPr>
-      <p:grpSpPr>
-        <a:xfrm>
-          <a:off x="0" y="0"/>
-          <a:ext cx="0" cy="0"/>
-          <a:chOff x="0" y="0"/>
-          <a:chExt cx="0" cy="0"/>
-        </a:xfrm>
-      </p:grpSpPr>
-      <p:sp>
-        <p:nvSpPr>
-          <p:cNvPr id="2" name="Title 1">
-            <a:extLst>
-              <a:ext uri="{FF2B5EF4-FFF2-40B4-BE49-F238E27FC236}">
-                <a16:creationId xmlns:a16="http://schemas.microsoft.com/office/drawing/2014/main" id="{B17419AC-DCE6-4371-8DE2-D617E99D653D}"/>
-              </a:ext>
-            </a:extLst>
-          </p:cNvPr>
-          <p:cNvSpPr>
-            <a:spLocks noGrp="1"/>
-          </p:cNvSpPr>
-          <p:nvPr>
-            <p:ph type="title"/>
-          </p:nvPr>
-        </p:nvSpPr>
-        <p:spPr/>
-        <p:txBody>
-          <a:bodyPr/>
-          <a:lstStyle/>
-          <a:p>
-            <a:r>
-              <a:rPr lang="en-US" dirty="0">
-                <a:solidFill>
-                  <a:srgbClr val="C00000"/>
-                </a:solidFill>
-              </a:rPr>
-              <a:t>Sensitivity</a:t>
-            </a:r>
-          </a:p>
-        </p:txBody>
-      </p:sp>
-      <mc:AlternateContent xmlns:mc="http://schemas.openxmlformats.org/markup-compatibility/2006" xmlns:a14="http://schemas.microsoft.com/office/drawing/2010/main">
-        <mc:Choice Requires="a14">
-          <p:sp>
-            <p:nvSpPr>
-              <p:cNvPr id="5" name="Content Placeholder 3">
-                <a:extLst>
-                  <a:ext uri="{FF2B5EF4-FFF2-40B4-BE49-F238E27FC236}">
-                    <a16:creationId xmlns:a16="http://schemas.microsoft.com/office/drawing/2014/main" id="{46EDD9D9-1338-4BC5-9D28-964A84C143C2}"/>
-                  </a:ext>
-                </a:extLst>
-              </p:cNvPr>
-              <p:cNvSpPr>
-                <a:spLocks noGrp="1"/>
-              </p:cNvSpPr>
-              <p:nvPr>
-                <p:ph idx="1"/>
-              </p:nvPr>
-            </p:nvSpPr>
-            <p:spPr>
-              <a:xfrm>
-                <a:off x="838200" y="1825624"/>
-                <a:ext cx="10242755" cy="4342094"/>
-              </a:xfrm>
-            </p:spPr>
-            <p:txBody>
-              <a:bodyPr>
-                <a:noAutofit/>
-              </a:bodyPr>
-              <a:lstStyle/>
-              <a:p>
-                <a:pPr>
-                  <a:buClr>
-                    <a:schemeClr val="tx1"/>
-                  </a:buClr>
-                </a:pPr>
-                <a:r>
-                  <a:rPr lang="en-US" sz="3200" dirty="0">
-                    <a:solidFill>
-                      <a:srgbClr val="00B050"/>
-                    </a:solidFill>
-                  </a:rPr>
-                  <a:t>Sensitivity</a:t>
-                </a:r>
-                <a:r>
-                  <a:rPr lang="en-US" sz="3200" dirty="0"/>
-                  <a:t>: </a:t>
-                </a:r>
-                <a14:m>
-                  <m:oMath xmlns:m="http://schemas.openxmlformats.org/officeDocument/2006/math">
-                    <m:sSub>
-                      <m:sSubPr>
-                        <m:ctrlPr>
-                          <a:rPr lang="en-US" sz="3200" b="0" i="1" smtClean="0">
-                            <a:solidFill>
-                              <a:srgbClr val="C00000"/>
-                            </a:solidFill>
-                            <a:latin typeface="Cambria Math" panose="02040503050406030204" pitchFamily="18" charset="0"/>
-                          </a:rPr>
-                        </m:ctrlPr>
-                      </m:sSubPr>
-                      <m:e>
-                        <m:r>
-                          <a:rPr lang="en-US" sz="3200" b="0" i="1" smtClean="0">
-                            <a:solidFill>
-                              <a:srgbClr val="C00000"/>
-                            </a:solidFill>
-                            <a:latin typeface="Cambria Math" panose="02040503050406030204" pitchFamily="18" charset="0"/>
-                          </a:rPr>
-                          <m:t>𝜎</m:t>
-                        </m:r>
-                      </m:e>
-                      <m:sub>
-                        <m:r>
-                          <a:rPr lang="en-US" sz="3200" b="0" i="1" smtClean="0">
-                            <a:solidFill>
-                              <a:srgbClr val="C00000"/>
-                            </a:solidFill>
-                            <a:latin typeface="Cambria Math" panose="02040503050406030204" pitchFamily="18" charset="0"/>
-                          </a:rPr>
-                          <m:t>𝑓</m:t>
-                        </m:r>
-                      </m:sub>
-                    </m:sSub>
-                    <m:r>
-                      <a:rPr lang="en-US" sz="3200" b="0" i="1" smtClean="0">
-                        <a:solidFill>
-                          <a:srgbClr val="C00000"/>
-                        </a:solidFill>
-                        <a:latin typeface="Cambria Math" panose="02040503050406030204" pitchFamily="18" charset="0"/>
-                      </a:rPr>
-                      <m:t>=</m:t>
-                    </m:r>
-                    <m:limLow>
-                      <m:limLowPr>
-                        <m:ctrlPr>
-                          <a:rPr lang="en-US" sz="3200" b="0" i="1" smtClean="0">
-                            <a:solidFill>
-                              <a:srgbClr val="C00000"/>
-                            </a:solidFill>
-                            <a:latin typeface="Cambria Math" panose="02040503050406030204" pitchFamily="18" charset="0"/>
-                          </a:rPr>
-                        </m:ctrlPr>
-                      </m:limLowPr>
-                      <m:e>
-                        <m:r>
-                          <m:rPr>
-                            <m:sty m:val="p"/>
-                          </m:rPr>
-                          <a:rPr lang="en-US" sz="3200" b="0" i="0" smtClean="0">
-                            <a:solidFill>
-                              <a:srgbClr val="C00000"/>
-                            </a:solidFill>
-                            <a:latin typeface="Cambria Math" panose="02040503050406030204" pitchFamily="18" charset="0"/>
-                          </a:rPr>
-                          <m:t>max</m:t>
-                        </m:r>
-                      </m:e>
-                      <m:lim>
-                        <m:r>
-                          <m:rPr>
-                            <m:sty m:val="p"/>
-                          </m:rPr>
-                          <a:rPr lang="en-US" sz="3200" b="0" i="0" smtClean="0">
-                            <a:solidFill>
-                              <a:srgbClr val="C00000"/>
-                            </a:solidFill>
-                            <a:latin typeface="Cambria Math" panose="02040503050406030204" pitchFamily="18" charset="0"/>
-                          </a:rPr>
-                          <m:t>neighbor</m:t>
-                        </m:r>
-                        <m:r>
-                          <a:rPr lang="en-US" sz="3200" b="0" i="1" smtClean="0">
-                            <a:solidFill>
-                              <a:srgbClr val="C00000"/>
-                            </a:solidFill>
-                            <a:latin typeface="Cambria Math" panose="02040503050406030204" pitchFamily="18" charset="0"/>
-                          </a:rPr>
-                          <m:t>𝑠</m:t>
-                        </m:r>
-                        <m:r>
-                          <a:rPr lang="en-US" sz="3200" b="0" i="1" smtClean="0">
-                            <a:solidFill>
-                              <a:srgbClr val="C00000"/>
-                            </a:solidFill>
-                            <a:latin typeface="Cambria Math" panose="02040503050406030204" pitchFamily="18" charset="0"/>
-                          </a:rPr>
-                          <m:t> </m:t>
-                        </m:r>
-                        <m:r>
-                          <a:rPr lang="en-US" sz="3200" b="0" i="1" smtClean="0">
-                            <a:solidFill>
-                              <a:srgbClr val="C00000"/>
-                            </a:solidFill>
-                            <a:latin typeface="Cambria Math" panose="02040503050406030204" pitchFamily="18" charset="0"/>
-                          </a:rPr>
-                          <m:t>𝑥</m:t>
-                        </m:r>
-                        <m:r>
-                          <a:rPr lang="en-US" sz="3200" b="0" i="0" smtClean="0">
-                            <a:solidFill>
-                              <a:srgbClr val="C00000"/>
-                            </a:solidFill>
-                            <a:latin typeface="Cambria Math" panose="02040503050406030204" pitchFamily="18" charset="0"/>
-                          </a:rPr>
-                          <m:t>,</m:t>
-                        </m:r>
-                        <m:r>
-                          <a:rPr lang="en-US" sz="3200" b="0" i="1" smtClean="0">
-                            <a:solidFill>
-                              <a:srgbClr val="C00000"/>
-                            </a:solidFill>
-                            <a:latin typeface="Cambria Math" panose="02040503050406030204" pitchFamily="18" charset="0"/>
-                          </a:rPr>
-                          <m:t>𝑥</m:t>
-                        </m:r>
-                        <m:r>
-                          <a:rPr lang="en-US" sz="3200" b="0" i="0" smtClean="0">
-                            <a:solidFill>
-                              <a:srgbClr val="C00000"/>
-                            </a:solidFill>
-                            <a:latin typeface="Cambria Math" panose="02040503050406030204" pitchFamily="18" charset="0"/>
-                          </a:rPr>
-                          <m:t>′</m:t>
-                        </m:r>
-                      </m:lim>
-                    </m:limLow>
-                    <m:sSub>
-                      <m:sSubPr>
-                        <m:ctrlPr>
-                          <a:rPr lang="en-US" sz="3200" b="0" i="1" smtClean="0">
-                            <a:solidFill>
-                              <a:srgbClr val="C00000"/>
-                            </a:solidFill>
-                            <a:latin typeface="Cambria Math" panose="02040503050406030204" pitchFamily="18" charset="0"/>
-                          </a:rPr>
-                        </m:ctrlPr>
-                      </m:sSubPr>
-                      <m:e>
-                        <m:d>
-                          <m:dPr>
-                            <m:begChr m:val="‖"/>
-                            <m:endChr m:val="‖"/>
-                            <m:ctrlPr>
-                              <a:rPr lang="en-US" sz="3200" b="0" i="1" smtClean="0">
-                                <a:solidFill>
-                                  <a:srgbClr val="C00000"/>
-                                </a:solidFill>
-                                <a:latin typeface="Cambria Math" panose="02040503050406030204" pitchFamily="18" charset="0"/>
-                              </a:rPr>
-                            </m:ctrlPr>
-                          </m:dPr>
-                          <m:e>
-                            <m:r>
-                              <a:rPr lang="en-US" sz="3200" b="0" i="1" smtClean="0">
-                                <a:solidFill>
-                                  <a:srgbClr val="C00000"/>
-                                </a:solidFill>
-                                <a:latin typeface="Cambria Math" panose="02040503050406030204" pitchFamily="18" charset="0"/>
-                              </a:rPr>
-                              <m:t>𝑓</m:t>
-                            </m:r>
-                            <m:d>
-                              <m:dPr>
-                                <m:ctrlPr>
-                                  <a:rPr lang="en-US" sz="3200" b="0" i="1" smtClean="0">
-                                    <a:solidFill>
-                                      <a:srgbClr val="C00000"/>
-                                    </a:solidFill>
-                                    <a:latin typeface="Cambria Math" panose="02040503050406030204" pitchFamily="18" charset="0"/>
-                                  </a:rPr>
-                                </m:ctrlPr>
-                              </m:dPr>
-                              <m:e>
-                                <m:r>
-                                  <a:rPr lang="en-US" sz="3200" b="0" i="1" smtClean="0">
-                                    <a:solidFill>
-                                      <a:srgbClr val="C00000"/>
-                                    </a:solidFill>
-                                    <a:latin typeface="Cambria Math" panose="02040503050406030204" pitchFamily="18" charset="0"/>
-                                  </a:rPr>
-                                  <m:t>𝑥</m:t>
-                                </m:r>
-                              </m:e>
-                            </m:d>
-                            <m:r>
-                              <a:rPr lang="en-US" sz="3200" b="0" i="1" smtClean="0">
-                                <a:solidFill>
-                                  <a:srgbClr val="C00000"/>
-                                </a:solidFill>
-                                <a:latin typeface="Cambria Math" panose="02040503050406030204" pitchFamily="18" charset="0"/>
-                              </a:rPr>
-                              <m:t>−</m:t>
-                            </m:r>
-                            <m:r>
-                              <a:rPr lang="en-US" sz="3200" b="0" i="1" smtClean="0">
-                                <a:solidFill>
-                                  <a:srgbClr val="C00000"/>
-                                </a:solidFill>
-                                <a:latin typeface="Cambria Math" panose="02040503050406030204" pitchFamily="18" charset="0"/>
-                              </a:rPr>
-                              <m:t>𝑓</m:t>
-                            </m:r>
-                            <m:d>
-                              <m:dPr>
-                                <m:ctrlPr>
-                                  <a:rPr lang="en-US" sz="3200" b="0" i="1" smtClean="0">
-                                    <a:solidFill>
-                                      <a:srgbClr val="C00000"/>
-                                    </a:solidFill>
-                                    <a:latin typeface="Cambria Math" panose="02040503050406030204" pitchFamily="18" charset="0"/>
-                                  </a:rPr>
-                                </m:ctrlPr>
-                              </m:dPr>
-                              <m:e>
-                                <m:r>
-                                  <a:rPr lang="en-US" sz="3200" b="0" i="1" smtClean="0">
-                                    <a:solidFill>
-                                      <a:srgbClr val="C00000"/>
-                                    </a:solidFill>
-                                    <a:latin typeface="Cambria Math" panose="02040503050406030204" pitchFamily="18" charset="0"/>
-                                  </a:rPr>
-                                  <m:t>𝑥</m:t>
-                                </m:r>
-                                <m:r>
-                                  <a:rPr lang="en-US" sz="3200" b="0" i="1" smtClean="0">
-                                    <a:solidFill>
-                                      <a:srgbClr val="C00000"/>
-                                    </a:solidFill>
-                                    <a:latin typeface="Cambria Math" panose="02040503050406030204" pitchFamily="18" charset="0"/>
-                                  </a:rPr>
-                                  <m:t>′</m:t>
-                                </m:r>
-                              </m:e>
-                            </m:d>
-                          </m:e>
-                        </m:d>
-                      </m:e>
-                      <m:sub>
-                        <m:r>
-                          <a:rPr lang="en-US" sz="3200" b="0" i="1" smtClean="0">
-                            <a:solidFill>
-                              <a:srgbClr val="C00000"/>
-                            </a:solidFill>
-                            <a:latin typeface="Cambria Math" panose="02040503050406030204" pitchFamily="18" charset="0"/>
-                          </a:rPr>
-                          <m:t>1</m:t>
-                        </m:r>
-                      </m:sub>
-                    </m:sSub>
-                  </m:oMath>
-                </a14:m>
-                <a:endParaRPr lang="en-US" sz="3200" dirty="0"/>
-              </a:p>
-              <a:p>
-                <a:pPr>
-                  <a:buClr>
-                    <a:schemeClr val="tx1"/>
-                  </a:buClr>
-                </a:pPr>
-                <a:endParaRPr lang="en-US" sz="3200" dirty="0"/>
-              </a:p>
-              <a:p>
-                <a:pPr>
-                  <a:buClr>
-                    <a:schemeClr val="tx1"/>
-                  </a:buClr>
-                </a:pPr>
-                <a:r>
-                  <a:rPr lang="en-US" sz="3200" dirty="0"/>
-                  <a:t>Suppose a study is conducted that measures the height of individuals, ranging from 1 to 300 centimeters</a:t>
-                </a:r>
-              </a:p>
-              <a:p>
-                <a:pPr>
-                  <a:buClr>
-                    <a:schemeClr val="tx1"/>
-                  </a:buClr>
-                </a:pPr>
-                <a:endParaRPr lang="en-US" sz="3200" dirty="0"/>
-              </a:p>
-              <a:p>
-                <a:pPr>
-                  <a:buClr>
-                    <a:schemeClr val="tx1"/>
-                  </a:buClr>
-                </a:pPr>
-                <a:r>
-                  <a:rPr lang="en-US" sz="3200" dirty="0"/>
-                  <a:t>What is the sensitivity of the maximum height query?</a:t>
-                </a:r>
-              </a:p>
-              <a:p>
-                <a:pPr>
-                  <a:buClr>
-                    <a:schemeClr val="tx1"/>
-                  </a:buClr>
-                </a:pPr>
-                <a:r>
-                  <a:rPr lang="en-US" sz="3200" dirty="0"/>
-                  <a:t>What is the sensitivity of the average height query?</a:t>
-                </a:r>
-              </a:p>
-            </p:txBody>
-          </p:sp>
-        </mc:Choice>
-        <mc:Fallback xmlns="">
-          <p:sp>
-            <p:nvSpPr>
-              <p:cNvPr id="5" name="Content Placeholder 3">
-                <a:extLst>
-                  <a:ext uri="{FF2B5EF4-FFF2-40B4-BE49-F238E27FC236}">
-                    <a16:creationId xmlns:a16="http://schemas.microsoft.com/office/drawing/2014/main" id="{46EDD9D9-1338-4BC5-9D28-964A84C143C2}"/>
-                  </a:ext>
-                </a:extLst>
-              </p:cNvPr>
-              <p:cNvSpPr>
-                <a:spLocks noGrp="1" noRot="1" noChangeAspect="1" noMove="1" noResize="1" noEditPoints="1" noAdjustHandles="1" noChangeArrowheads="1" noChangeShapeType="1" noTextEdit="1"/>
-              </p:cNvSpPr>
-              <p:nvPr>
-                <p:ph idx="1"/>
-              </p:nvPr>
-            </p:nvSpPr>
-            <p:spPr>
-              <a:xfrm>
-                <a:off x="838200" y="1825624"/>
-                <a:ext cx="10242755" cy="4342094"/>
-              </a:xfrm>
-              <a:blipFill>
-                <a:blip r:embed="rId3"/>
-                <a:stretch>
-                  <a:fillRect l="-1369" t="-2805"/>
-                </a:stretch>
-              </a:blipFill>
-            </p:spPr>
-            <p:txBody>
-              <a:bodyPr/>
-              <a:lstStyle/>
-              <a:p>
-                <a:r>
-                  <a:rPr lang="en-US">
-                    <a:noFill/>
-                  </a:rPr>
-                  <a:t> </a:t>
-                </a:r>
-              </a:p>
-            </p:txBody>
-          </p:sp>
-        </mc:Fallback>
-      </mc:AlternateContent>
-    </p:spTree>
-    <p:extLst>
-      <p:ext uri="{BB962C8B-B14F-4D97-AF65-F5344CB8AC3E}">
-        <p14:creationId xmlns:p14="http://schemas.microsoft.com/office/powerpoint/2010/main" val="3101636795"/>
-      </p:ext>
-    </p:extLst>
-  </p:cSld>
-  <p:clrMapOvr>
-    <a:masterClrMapping/>
-  </p:clrMapOvr>
-</p:sld>
-</file>
-
-<file path=ppt/slides/slide44.xml><?xml version="1.0" encoding="utf-8"?>
-<p:sld xmlns:a="http://schemas.openxmlformats.org/drawingml/2006/main" xmlns:r="http://schemas.openxmlformats.org/officeDocument/2006/relationships" xmlns:p="http://schemas.openxmlformats.org/presentationml/2006/main">
-  <p:cSld>
-    <p:spTree>
-      <p:nvGrpSpPr>
-        <p:cNvPr id="1" name=""/>
-        <p:cNvGrpSpPr/>
-        <p:nvPr/>
-      </p:nvGrpSpPr>
-      <p:grpSpPr>
-        <a:xfrm>
-          <a:off x="0" y="0"/>
-          <a:ext cx="0" cy="0"/>
-          <a:chOff x="0" y="0"/>
-          <a:chExt cx="0" cy="0"/>
-        </a:xfrm>
-      </p:grpSpPr>
-      <p:sp>
-        <p:nvSpPr>
-          <p:cNvPr id="2" name="Title 1">
-            <a:extLst>
-              <a:ext uri="{FF2B5EF4-FFF2-40B4-BE49-F238E27FC236}">
-                <a16:creationId xmlns:a16="http://schemas.microsoft.com/office/drawing/2014/main" id="{B17419AC-DCE6-4371-8DE2-D617E99D653D}"/>
-              </a:ext>
-            </a:extLst>
-          </p:cNvPr>
-          <p:cNvSpPr>
-            <a:spLocks noGrp="1"/>
-          </p:cNvSpPr>
-          <p:nvPr>
-            <p:ph type="title"/>
-          </p:nvPr>
-        </p:nvSpPr>
-        <p:spPr/>
-        <p:txBody>
-          <a:bodyPr/>
-          <a:lstStyle/>
-          <a:p>
-            <a:r>
-              <a:rPr lang="en-US" dirty="0">
-                <a:solidFill>
-                  <a:srgbClr val="C00000"/>
-                </a:solidFill>
-              </a:rPr>
-              <a:t>Laplace Mechanism</a:t>
-            </a:r>
-          </a:p>
-        </p:txBody>
-      </p:sp>
-      <mc:AlternateContent xmlns:mc="http://schemas.openxmlformats.org/markup-compatibility/2006" xmlns:a14="http://schemas.microsoft.com/office/drawing/2010/main">
-        <mc:Choice Requires="a14">
-          <p:sp>
-            <p:nvSpPr>
-              <p:cNvPr id="5" name="Content Placeholder 3">
-                <a:extLst>
-                  <a:ext uri="{FF2B5EF4-FFF2-40B4-BE49-F238E27FC236}">
-                    <a16:creationId xmlns:a16="http://schemas.microsoft.com/office/drawing/2014/main" id="{46EDD9D9-1338-4BC5-9D28-964A84C143C2}"/>
-                  </a:ext>
-                </a:extLst>
-              </p:cNvPr>
-              <p:cNvSpPr>
-                <a:spLocks noGrp="1"/>
-              </p:cNvSpPr>
-              <p:nvPr>
-                <p:ph idx="1"/>
-              </p:nvPr>
-            </p:nvSpPr>
-            <p:spPr>
-              <a:xfrm>
-                <a:off x="838200" y="1825624"/>
-                <a:ext cx="6790765" cy="4342094"/>
-              </a:xfrm>
-            </p:spPr>
-            <p:txBody>
-              <a:bodyPr>
-                <a:noAutofit/>
-              </a:bodyPr>
-              <a:lstStyle/>
-              <a:p>
-                <a:pPr>
-                  <a:buClr>
-                    <a:schemeClr val="tx1"/>
-                  </a:buClr>
-                </a:pPr>
-                <a:r>
-                  <a:rPr lang="en-US" sz="3200" dirty="0">
-                    <a:solidFill>
-                      <a:srgbClr val="00B050"/>
-                    </a:solidFill>
-                  </a:rPr>
-                  <a:t>Goal</a:t>
-                </a:r>
-                <a:r>
-                  <a:rPr lang="en-US" sz="3200" dirty="0"/>
-                  <a:t>: Algorithm computes </a:t>
-                </a:r>
-                <a14:m>
-                  <m:oMath xmlns:m="http://schemas.openxmlformats.org/officeDocument/2006/math">
-                    <m:r>
-                      <a:rPr lang="en-US" sz="3200" b="0" i="1" smtClean="0">
-                        <a:solidFill>
-                          <a:srgbClr val="C00000"/>
-                        </a:solidFill>
-                        <a:latin typeface="Cambria Math" panose="02040503050406030204" pitchFamily="18" charset="0"/>
-                      </a:rPr>
-                      <m:t>𝑓</m:t>
-                    </m:r>
-                    <m:d>
-                      <m:dPr>
-                        <m:ctrlPr>
-                          <a:rPr lang="en-US" sz="3200" b="0" i="1" smtClean="0">
-                            <a:solidFill>
-                              <a:srgbClr val="C00000"/>
-                            </a:solidFill>
-                            <a:latin typeface="Cambria Math" panose="02040503050406030204" pitchFamily="18" charset="0"/>
-                          </a:rPr>
-                        </m:ctrlPr>
-                      </m:dPr>
-                      <m:e>
-                        <m:r>
-                          <a:rPr lang="en-US" sz="3200" b="0" i="1" smtClean="0">
-                            <a:solidFill>
-                              <a:srgbClr val="C00000"/>
-                            </a:solidFill>
-                            <a:latin typeface="Cambria Math" panose="02040503050406030204" pitchFamily="18" charset="0"/>
-                          </a:rPr>
-                          <m:t>𝑥</m:t>
-                        </m:r>
-                      </m:e>
-                    </m:d>
-                  </m:oMath>
-                </a14:m>
-                <a:r>
-                  <a:rPr lang="en-US" sz="3200" dirty="0"/>
-                  <a:t> and releases </a:t>
-                </a:r>
-                <a14:m>
-                  <m:oMath xmlns:m="http://schemas.openxmlformats.org/officeDocument/2006/math">
-                    <m:r>
-                      <a:rPr lang="en-US" sz="3200" b="0" i="1" smtClean="0">
-                        <a:solidFill>
-                          <a:srgbClr val="C00000"/>
-                        </a:solidFill>
-                        <a:latin typeface="Cambria Math" panose="02040503050406030204" pitchFamily="18" charset="0"/>
-                      </a:rPr>
-                      <m:t>𝑓</m:t>
-                    </m:r>
-                    <m:d>
-                      <m:dPr>
-                        <m:ctrlPr>
-                          <a:rPr lang="en-US" sz="3200" b="0" i="1" smtClean="0">
-                            <a:solidFill>
-                              <a:srgbClr val="C00000"/>
-                            </a:solidFill>
-                            <a:latin typeface="Cambria Math" panose="02040503050406030204" pitchFamily="18" charset="0"/>
-                          </a:rPr>
-                        </m:ctrlPr>
-                      </m:dPr>
-                      <m:e>
-                        <m:r>
-                          <a:rPr lang="en-US" sz="3200" b="0" i="1" smtClean="0">
-                            <a:solidFill>
-                              <a:srgbClr val="C00000"/>
-                            </a:solidFill>
-                            <a:latin typeface="Cambria Math" panose="02040503050406030204" pitchFamily="18" charset="0"/>
-                          </a:rPr>
-                          <m:t>𝑥</m:t>
-                        </m:r>
-                      </m:e>
-                    </m:d>
-                    <m:r>
-                      <a:rPr lang="en-US" sz="3200" b="0" i="1" smtClean="0">
-                        <a:solidFill>
-                          <a:srgbClr val="C00000"/>
-                        </a:solidFill>
-                        <a:latin typeface="Cambria Math" panose="02040503050406030204" pitchFamily="18" charset="0"/>
-                      </a:rPr>
-                      <m:t>+</m:t>
-                    </m:r>
-                    <m:r>
-                      <a:rPr lang="en-US" sz="3200" b="0" i="1" smtClean="0">
-                        <a:solidFill>
-                          <a:srgbClr val="C00000"/>
-                        </a:solidFill>
-                        <a:latin typeface="Cambria Math" panose="02040503050406030204" pitchFamily="18" charset="0"/>
-                      </a:rPr>
-                      <m:t>𝑍</m:t>
-                    </m:r>
-                  </m:oMath>
-                </a14:m>
-                <a:r>
-                  <a:rPr lang="en-US" sz="3200" dirty="0"/>
-                  <a:t>, where </a:t>
-                </a:r>
-                <a14:m>
-                  <m:oMath xmlns:m="http://schemas.openxmlformats.org/officeDocument/2006/math">
-                    <m:r>
-                      <a:rPr lang="en-US" sz="3200" b="0" i="1" smtClean="0">
-                        <a:solidFill>
-                          <a:srgbClr val="C00000"/>
-                        </a:solidFill>
-                        <a:latin typeface="Cambria Math" panose="02040503050406030204" pitchFamily="18" charset="0"/>
-                      </a:rPr>
-                      <m:t>𝑍</m:t>
-                    </m:r>
-                    <m:r>
-                      <a:rPr lang="en-US" sz="3200" b="0" i="1" smtClean="0">
-                        <a:solidFill>
-                          <a:srgbClr val="C00000"/>
-                        </a:solidFill>
-                        <a:latin typeface="Cambria Math" panose="02040503050406030204" pitchFamily="18" charset="0"/>
-                      </a:rPr>
-                      <m:t>∼</m:t>
-                    </m:r>
-                    <m:r>
-                      <m:rPr>
-                        <m:sty m:val="p"/>
-                      </m:rPr>
-                      <a:rPr lang="en-US" sz="3200" b="0" i="0" smtClean="0">
-                        <a:solidFill>
-                          <a:srgbClr val="C00000"/>
-                        </a:solidFill>
-                        <a:latin typeface="Cambria Math" panose="02040503050406030204" pitchFamily="18" charset="0"/>
-                      </a:rPr>
-                      <m:t>Lap</m:t>
-                    </m:r>
-                    <m:d>
-                      <m:dPr>
-                        <m:ctrlPr>
-                          <a:rPr lang="en-US" sz="3200" b="0" i="1" smtClean="0">
-                            <a:solidFill>
-                              <a:srgbClr val="C00000"/>
-                            </a:solidFill>
-                            <a:latin typeface="Cambria Math" panose="02040503050406030204" pitchFamily="18" charset="0"/>
-                          </a:rPr>
-                        </m:ctrlPr>
-                      </m:dPr>
-                      <m:e>
-                        <m:f>
-                          <m:fPr>
-                            <m:ctrlPr>
-                              <a:rPr lang="en-US" sz="3200" b="0" i="1" smtClean="0">
-                                <a:solidFill>
-                                  <a:srgbClr val="C00000"/>
-                                </a:solidFill>
-                                <a:latin typeface="Cambria Math" panose="02040503050406030204" pitchFamily="18" charset="0"/>
-                              </a:rPr>
-                            </m:ctrlPr>
-                          </m:fPr>
-                          <m:num>
-                            <m:sSub>
-                              <m:sSubPr>
-                                <m:ctrlPr>
-                                  <a:rPr lang="en-US" sz="3200" b="0" i="1" smtClean="0">
-                                    <a:solidFill>
-                                      <a:srgbClr val="C00000"/>
-                                    </a:solidFill>
-                                    <a:latin typeface="Cambria Math" panose="02040503050406030204" pitchFamily="18" charset="0"/>
-                                  </a:rPr>
-                                </m:ctrlPr>
-                              </m:sSubPr>
-                              <m:e>
-                                <m:r>
-                                  <a:rPr lang="en-US" sz="3200" b="0" i="1" smtClean="0">
-                                    <a:solidFill>
-                                      <a:srgbClr val="C00000"/>
-                                    </a:solidFill>
-                                    <a:latin typeface="Cambria Math" panose="02040503050406030204" pitchFamily="18" charset="0"/>
-                                  </a:rPr>
-                                  <m:t>𝜎</m:t>
-                                </m:r>
-                              </m:e>
-                              <m:sub>
-                                <m:r>
-                                  <a:rPr lang="en-US" sz="3200" b="0" i="1" smtClean="0">
-                                    <a:solidFill>
-                                      <a:srgbClr val="C00000"/>
-                                    </a:solidFill>
-                                    <a:latin typeface="Cambria Math" panose="02040503050406030204" pitchFamily="18" charset="0"/>
-                                  </a:rPr>
-                                  <m:t>𝑓</m:t>
-                                </m:r>
-                              </m:sub>
-                            </m:sSub>
-                          </m:num>
-                          <m:den>
-                            <m:r>
-                              <a:rPr lang="en-US" sz="3200" b="0" i="1" smtClean="0">
-                                <a:solidFill>
-                                  <a:srgbClr val="C00000"/>
-                                </a:solidFill>
-                                <a:latin typeface="Cambria Math" panose="02040503050406030204" pitchFamily="18" charset="0"/>
-                              </a:rPr>
-                              <m:t>𝜀</m:t>
-                            </m:r>
-                          </m:den>
-                        </m:f>
-                      </m:e>
-                    </m:d>
-                  </m:oMath>
-                </a14:m>
-                <a:endParaRPr lang="en-US" sz="3200" dirty="0"/>
-              </a:p>
-              <a:p>
-                <a:pPr>
-                  <a:buClr>
-                    <a:schemeClr val="tx1"/>
-                  </a:buClr>
-                </a:pPr>
-                <a:endParaRPr lang="en-US" sz="3200" dirty="0"/>
-              </a:p>
-              <a:p>
-                <a:pPr>
-                  <a:buClr>
-                    <a:schemeClr val="tx1"/>
-                  </a:buClr>
-                </a:pPr>
-                <a:r>
-                  <a:rPr lang="en-US" sz="3200" dirty="0">
-                    <a:solidFill>
-                      <a:srgbClr val="00B050"/>
-                    </a:solidFill>
-                  </a:rPr>
-                  <a:t>Laplacian distribution</a:t>
-                </a:r>
-                <a:r>
-                  <a:rPr lang="en-US" sz="3200" dirty="0"/>
-                  <a:t>: Probability density function for </a:t>
-                </a:r>
-                <a14:m>
-                  <m:oMath xmlns:m="http://schemas.openxmlformats.org/officeDocument/2006/math">
-                    <m:r>
-                      <m:rPr>
-                        <m:sty m:val="p"/>
-                      </m:rPr>
-                      <a:rPr lang="en-US" sz="3200" b="0" i="0" smtClean="0">
-                        <a:solidFill>
-                          <a:srgbClr val="C00000"/>
-                        </a:solidFill>
-                        <a:latin typeface="Cambria Math" panose="02040503050406030204" pitchFamily="18" charset="0"/>
-                      </a:rPr>
-                      <m:t>Lap</m:t>
-                    </m:r>
-                    <m:d>
-                      <m:dPr>
-                        <m:ctrlPr>
-                          <a:rPr lang="en-US" sz="3200" b="0" i="1" smtClean="0">
-                            <a:solidFill>
-                              <a:srgbClr val="C00000"/>
-                            </a:solidFill>
-                            <a:latin typeface="Cambria Math" panose="02040503050406030204" pitchFamily="18" charset="0"/>
-                          </a:rPr>
-                        </m:ctrlPr>
-                      </m:dPr>
-                      <m:e>
-                        <m:r>
-                          <a:rPr lang="en-US" sz="3200" b="0" i="1" smtClean="0">
-                            <a:solidFill>
-                              <a:srgbClr val="C00000"/>
-                            </a:solidFill>
-                            <a:latin typeface="Cambria Math" panose="02040503050406030204" pitchFamily="18" charset="0"/>
-                          </a:rPr>
-                          <m:t>𝑏</m:t>
-                        </m:r>
-                      </m:e>
-                    </m:d>
-                  </m:oMath>
-                </a14:m>
-                <a:r>
-                  <a:rPr lang="en-US" sz="3200" dirty="0"/>
-                  <a:t> is 	</a:t>
-                </a:r>
-                <a14:m>
-                  <m:oMath xmlns:m="http://schemas.openxmlformats.org/officeDocument/2006/math">
-                    <m:r>
-                      <a:rPr lang="en-US" sz="3200" b="0" i="1" smtClean="0">
-                        <a:solidFill>
-                          <a:srgbClr val="C00000"/>
-                        </a:solidFill>
-                        <a:latin typeface="Cambria Math" panose="02040503050406030204" pitchFamily="18" charset="0"/>
-                      </a:rPr>
-                      <m:t>𝑝</m:t>
-                    </m:r>
-                    <m:d>
-                      <m:dPr>
-                        <m:ctrlPr>
-                          <a:rPr lang="en-US" sz="3200" b="0" i="1" smtClean="0">
-                            <a:solidFill>
-                              <a:srgbClr val="C00000"/>
-                            </a:solidFill>
-                            <a:latin typeface="Cambria Math" panose="02040503050406030204" pitchFamily="18" charset="0"/>
-                          </a:rPr>
-                        </m:ctrlPr>
-                      </m:dPr>
-                      <m:e>
-                        <m:r>
-                          <a:rPr lang="en-US" sz="3200" b="0" i="1" smtClean="0">
-                            <a:solidFill>
-                              <a:srgbClr val="C00000"/>
-                            </a:solidFill>
-                            <a:latin typeface="Cambria Math" panose="02040503050406030204" pitchFamily="18" charset="0"/>
-                          </a:rPr>
-                          <m:t>𝑥</m:t>
-                        </m:r>
-                      </m:e>
-                    </m:d>
-                    <m:r>
-                      <a:rPr lang="en-US" sz="3200" b="0" i="1" smtClean="0">
-                        <a:solidFill>
-                          <a:srgbClr val="C00000"/>
-                        </a:solidFill>
-                        <a:latin typeface="Cambria Math" panose="02040503050406030204" pitchFamily="18" charset="0"/>
-                      </a:rPr>
-                      <m:t>=</m:t>
-                    </m:r>
-                    <m:f>
-                      <m:fPr>
-                        <m:ctrlPr>
-                          <a:rPr lang="en-US" sz="3200" b="0" i="1" smtClean="0">
-                            <a:solidFill>
-                              <a:srgbClr val="C00000"/>
-                            </a:solidFill>
-                            <a:latin typeface="Cambria Math" panose="02040503050406030204" pitchFamily="18" charset="0"/>
-                          </a:rPr>
-                        </m:ctrlPr>
-                      </m:fPr>
-                      <m:num>
-                        <m:r>
-                          <a:rPr lang="en-US" sz="3200" b="0" i="1" smtClean="0">
-                            <a:solidFill>
-                              <a:srgbClr val="C00000"/>
-                            </a:solidFill>
-                            <a:latin typeface="Cambria Math" panose="02040503050406030204" pitchFamily="18" charset="0"/>
-                          </a:rPr>
-                          <m:t>1</m:t>
-                        </m:r>
-                      </m:num>
-                      <m:den>
-                        <m:r>
-                          <a:rPr lang="en-US" sz="3200" b="0" i="1" smtClean="0">
-                            <a:solidFill>
-                              <a:srgbClr val="C00000"/>
-                            </a:solidFill>
-                            <a:latin typeface="Cambria Math" panose="02040503050406030204" pitchFamily="18" charset="0"/>
-                          </a:rPr>
-                          <m:t>2</m:t>
-                        </m:r>
-                        <m:r>
-                          <a:rPr lang="en-US" sz="3200" b="0" i="1" smtClean="0">
-                            <a:solidFill>
-                              <a:srgbClr val="C00000"/>
-                            </a:solidFill>
-                            <a:latin typeface="Cambria Math" panose="02040503050406030204" pitchFamily="18" charset="0"/>
-                          </a:rPr>
-                          <m:t>𝑏</m:t>
-                        </m:r>
-                      </m:den>
-                    </m:f>
-                    <m:r>
-                      <m:rPr>
-                        <m:sty m:val="p"/>
-                      </m:rPr>
-                      <a:rPr lang="en-US" sz="3200" b="0" i="0" smtClean="0">
-                        <a:solidFill>
-                          <a:srgbClr val="C00000"/>
-                        </a:solidFill>
-                        <a:latin typeface="Cambria Math" panose="02040503050406030204" pitchFamily="18" charset="0"/>
-                      </a:rPr>
-                      <m:t>exp</m:t>
-                    </m:r>
-                    <m:d>
-                      <m:dPr>
-                        <m:ctrlPr>
-                          <a:rPr lang="en-US" sz="3200" b="0" i="1" smtClean="0">
-                            <a:solidFill>
-                              <a:srgbClr val="C00000"/>
-                            </a:solidFill>
-                            <a:latin typeface="Cambria Math" panose="02040503050406030204" pitchFamily="18" charset="0"/>
-                          </a:rPr>
-                        </m:ctrlPr>
-                      </m:dPr>
-                      <m:e>
-                        <m:r>
-                          <a:rPr lang="en-US" sz="3200" b="0" i="1" smtClean="0">
-                            <a:solidFill>
-                              <a:srgbClr val="C00000"/>
-                            </a:solidFill>
-                            <a:latin typeface="Cambria Math" panose="02040503050406030204" pitchFamily="18" charset="0"/>
-                          </a:rPr>
-                          <m:t>−</m:t>
-                        </m:r>
-                        <m:f>
-                          <m:fPr>
-                            <m:ctrlPr>
-                              <a:rPr lang="en-US" sz="3200" b="0" i="1" smtClean="0">
-                                <a:solidFill>
-                                  <a:srgbClr val="C00000"/>
-                                </a:solidFill>
-                                <a:latin typeface="Cambria Math" panose="02040503050406030204" pitchFamily="18" charset="0"/>
-                              </a:rPr>
-                            </m:ctrlPr>
-                          </m:fPr>
-                          <m:num>
-                            <m:d>
-                              <m:dPr>
-                                <m:begChr m:val="|"/>
-                                <m:endChr m:val="|"/>
-                                <m:ctrlPr>
-                                  <a:rPr lang="en-US" sz="3200" b="0" i="1" smtClean="0">
-                                    <a:solidFill>
-                                      <a:srgbClr val="C00000"/>
-                                    </a:solidFill>
-                                    <a:latin typeface="Cambria Math" panose="02040503050406030204" pitchFamily="18" charset="0"/>
-                                  </a:rPr>
-                                </m:ctrlPr>
-                              </m:dPr>
-                              <m:e>
-                                <m:r>
-                                  <a:rPr lang="en-US" sz="3200" b="0" i="1" smtClean="0">
-                                    <a:solidFill>
-                                      <a:srgbClr val="C00000"/>
-                                    </a:solidFill>
-                                    <a:latin typeface="Cambria Math" panose="02040503050406030204" pitchFamily="18" charset="0"/>
-                                  </a:rPr>
-                                  <m:t>𝑥</m:t>
-                                </m:r>
-                              </m:e>
-                            </m:d>
-                          </m:num>
-                          <m:den>
-                            <m:r>
-                              <a:rPr lang="en-US" sz="3200" b="0" i="1" smtClean="0">
-                                <a:solidFill>
-                                  <a:srgbClr val="C00000"/>
-                                </a:solidFill>
-                                <a:latin typeface="Cambria Math" panose="02040503050406030204" pitchFamily="18" charset="0"/>
-                              </a:rPr>
-                              <m:t>𝑏</m:t>
-                            </m:r>
-                          </m:den>
-                        </m:f>
-                      </m:e>
-                    </m:d>
-                    <m:r>
-                      <a:rPr lang="en-US" sz="3200" b="0" i="0" smtClean="0">
-                        <a:solidFill>
-                          <a:srgbClr val="C00000"/>
-                        </a:solidFill>
-                        <a:latin typeface="Cambria Math" panose="02040503050406030204" pitchFamily="18" charset="0"/>
-                      </a:rPr>
-                      <m:t>=</m:t>
-                    </m:r>
-                    <m:f>
-                      <m:fPr>
-                        <m:ctrlPr>
-                          <a:rPr lang="en-US" sz="3200" b="0" i="1" smtClean="0">
-                            <a:solidFill>
-                              <a:srgbClr val="C00000"/>
-                            </a:solidFill>
-                            <a:latin typeface="Cambria Math" panose="02040503050406030204" pitchFamily="18" charset="0"/>
-                          </a:rPr>
-                        </m:ctrlPr>
-                      </m:fPr>
-                      <m:num>
-                        <m:r>
-                          <a:rPr lang="en-US" sz="3200" b="0" i="1" smtClean="0">
-                            <a:solidFill>
-                              <a:srgbClr val="C00000"/>
-                            </a:solidFill>
-                            <a:latin typeface="Cambria Math" panose="02040503050406030204" pitchFamily="18" charset="0"/>
-                          </a:rPr>
-                          <m:t>1</m:t>
-                        </m:r>
-                      </m:num>
-                      <m:den>
-                        <m:r>
-                          <a:rPr lang="en-US" sz="3200" b="0" i="1" smtClean="0">
-                            <a:solidFill>
-                              <a:srgbClr val="C00000"/>
-                            </a:solidFill>
-                            <a:latin typeface="Cambria Math" panose="02040503050406030204" pitchFamily="18" charset="0"/>
-                          </a:rPr>
-                          <m:t>2</m:t>
-                        </m:r>
-                        <m:r>
-                          <a:rPr lang="en-US" sz="3200" b="0" i="1" smtClean="0">
-                            <a:solidFill>
-                              <a:srgbClr val="C00000"/>
-                            </a:solidFill>
-                            <a:latin typeface="Cambria Math" panose="02040503050406030204" pitchFamily="18" charset="0"/>
-                          </a:rPr>
-                          <m:t>𝑏</m:t>
-                        </m:r>
-                      </m:den>
-                    </m:f>
-                    <m:sSup>
-                      <m:sSupPr>
-                        <m:ctrlPr>
-                          <a:rPr lang="en-US" sz="3200" b="0" i="1" smtClean="0">
-                            <a:solidFill>
-                              <a:srgbClr val="C00000"/>
-                            </a:solidFill>
-                            <a:latin typeface="Cambria Math" panose="02040503050406030204" pitchFamily="18" charset="0"/>
-                          </a:rPr>
-                        </m:ctrlPr>
-                      </m:sSupPr>
-                      <m:e>
-                        <m:r>
-                          <a:rPr lang="en-US" sz="3200" b="0" i="1" smtClean="0">
-                            <a:solidFill>
-                              <a:srgbClr val="C00000"/>
-                            </a:solidFill>
-                            <a:latin typeface="Cambria Math" panose="02040503050406030204" pitchFamily="18" charset="0"/>
-                          </a:rPr>
-                          <m:t>𝑒</m:t>
-                        </m:r>
-                      </m:e>
-                      <m:sup>
-                        <m:d>
-                          <m:dPr>
-                            <m:ctrlPr>
-                              <a:rPr lang="en-US" sz="3200" b="0" i="1" smtClean="0">
-                                <a:solidFill>
-                                  <a:srgbClr val="C00000"/>
-                                </a:solidFill>
-                                <a:latin typeface="Cambria Math" panose="02040503050406030204" pitchFamily="18" charset="0"/>
-                              </a:rPr>
-                            </m:ctrlPr>
-                          </m:dPr>
-                          <m:e>
-                            <m:r>
-                              <a:rPr lang="en-US" sz="3200" b="0" i="1" smtClean="0">
-                                <a:solidFill>
-                                  <a:srgbClr val="C00000"/>
-                                </a:solidFill>
-                                <a:latin typeface="Cambria Math" panose="02040503050406030204" pitchFamily="18" charset="0"/>
-                              </a:rPr>
-                              <m:t>−</m:t>
-                            </m:r>
-                            <m:f>
-                              <m:fPr>
-                                <m:ctrlPr>
-                                  <a:rPr lang="en-US" sz="3200" b="0" i="1" smtClean="0">
-                                    <a:solidFill>
-                                      <a:srgbClr val="C00000"/>
-                                    </a:solidFill>
-                                    <a:latin typeface="Cambria Math" panose="02040503050406030204" pitchFamily="18" charset="0"/>
-                                  </a:rPr>
-                                </m:ctrlPr>
-                              </m:fPr>
-                              <m:num>
-                                <m:d>
-                                  <m:dPr>
-                                    <m:begChr m:val="|"/>
-                                    <m:endChr m:val="|"/>
-                                    <m:ctrlPr>
-                                      <a:rPr lang="en-US" sz="3200" b="0" i="1" smtClean="0">
-                                        <a:solidFill>
-                                          <a:srgbClr val="C00000"/>
-                                        </a:solidFill>
-                                        <a:latin typeface="Cambria Math" panose="02040503050406030204" pitchFamily="18" charset="0"/>
-                                      </a:rPr>
-                                    </m:ctrlPr>
-                                  </m:dPr>
-                                  <m:e>
-                                    <m:r>
-                                      <a:rPr lang="en-US" sz="3200" b="0" i="1" smtClean="0">
-                                        <a:solidFill>
-                                          <a:srgbClr val="C00000"/>
-                                        </a:solidFill>
-                                        <a:latin typeface="Cambria Math" panose="02040503050406030204" pitchFamily="18" charset="0"/>
-                                      </a:rPr>
-                                      <m:t>𝑥</m:t>
-                                    </m:r>
-                                  </m:e>
-                                </m:d>
-                              </m:num>
-                              <m:den>
-                                <m:r>
-                                  <a:rPr lang="en-US" sz="3200" b="0" i="1" smtClean="0">
-                                    <a:solidFill>
-                                      <a:srgbClr val="C00000"/>
-                                    </a:solidFill>
-                                    <a:latin typeface="Cambria Math" panose="02040503050406030204" pitchFamily="18" charset="0"/>
-                                  </a:rPr>
-                                  <m:t>𝑏</m:t>
-                                </m:r>
-                              </m:den>
-                            </m:f>
-                          </m:e>
-                        </m:d>
-                      </m:sup>
-                    </m:sSup>
-                  </m:oMath>
-                </a14:m>
-                <a:endParaRPr lang="en-US" sz="3200" dirty="0"/>
-              </a:p>
-            </p:txBody>
-          </p:sp>
-        </mc:Choice>
-        <mc:Fallback xmlns="">
-          <p:sp>
-            <p:nvSpPr>
-              <p:cNvPr id="5" name="Content Placeholder 3">
-                <a:extLst>
-                  <a:ext uri="{FF2B5EF4-FFF2-40B4-BE49-F238E27FC236}">
-                    <a16:creationId xmlns:a16="http://schemas.microsoft.com/office/drawing/2014/main" id="{46EDD9D9-1338-4BC5-9D28-964A84C143C2}"/>
-                  </a:ext>
-                </a:extLst>
-              </p:cNvPr>
-              <p:cNvSpPr>
-                <a:spLocks noGrp="1" noRot="1" noChangeAspect="1" noMove="1" noResize="1" noEditPoints="1" noAdjustHandles="1" noChangeArrowheads="1" noChangeShapeType="1" noTextEdit="1"/>
-              </p:cNvSpPr>
-              <p:nvPr>
-                <p:ph idx="1"/>
-              </p:nvPr>
-            </p:nvSpPr>
-            <p:spPr>
-              <a:xfrm>
-                <a:off x="838200" y="1825624"/>
-                <a:ext cx="6790765" cy="4342094"/>
-              </a:xfrm>
-              <a:blipFill>
-                <a:blip r:embed="rId3"/>
-                <a:stretch>
-                  <a:fillRect l="-2066" t="-2805"/>
-                </a:stretch>
-              </a:blipFill>
-            </p:spPr>
-            <p:txBody>
-              <a:bodyPr/>
-              <a:lstStyle/>
-              <a:p>
-                <a:r>
-                  <a:rPr lang="en-US">
-                    <a:noFill/>
-                  </a:rPr>
-                  <a:t> </a:t>
-                </a:r>
-              </a:p>
-            </p:txBody>
-          </p:sp>
-        </mc:Fallback>
-      </mc:AlternateContent>
-      <p:pic>
-        <p:nvPicPr>
-          <p:cNvPr id="4" name="Picture 3">
-            <a:extLst>
-              <a:ext uri="{FF2B5EF4-FFF2-40B4-BE49-F238E27FC236}">
-                <a16:creationId xmlns:a16="http://schemas.microsoft.com/office/drawing/2014/main" id="{CC55C3D6-EDCC-71F0-6EBD-C424A2134345}"/>
-              </a:ext>
-            </a:extLst>
-          </p:cNvPr>
-          <p:cNvPicPr>
-            <a:picLocks noChangeAspect="1"/>
-          </p:cNvPicPr>
-          <p:nvPr/>
-        </p:nvPicPr>
-        <p:blipFill>
-          <a:blip r:embed="rId4">
-            <a:extLst>
-              <a:ext uri="{28A0092B-C50C-407E-A947-70E740481C1C}">
-                <a14:useLocalDpi xmlns:a14="http://schemas.microsoft.com/office/drawing/2010/main" val="0"/>
-              </a:ext>
-            </a:extLst>
-          </a:blip>
-          <a:stretch>
-            <a:fillRect/>
-          </a:stretch>
-        </p:blipFill>
-        <p:spPr>
-          <a:xfrm>
-            <a:off x="7348817" y="2253596"/>
-            <a:ext cx="4648200" cy="3486150"/>
-          </a:xfrm>
-          <a:prstGeom prst="rect">
-            <a:avLst/>
-          </a:prstGeom>
-        </p:spPr>
-      </p:pic>
-    </p:spTree>
-    <p:extLst>
-      <p:ext uri="{BB962C8B-B14F-4D97-AF65-F5344CB8AC3E}">
-        <p14:creationId xmlns:p14="http://schemas.microsoft.com/office/powerpoint/2010/main" val="1826214029"/>
-      </p:ext>
-    </p:extLst>
-  </p:cSld>
-  <p:clrMapOvr>
-    <a:masterClrMapping/>
-  </p:clrMapOvr>
-</p:sld>
-</file>
-
-<file path=ppt/slides/slide45.xml><?xml version="1.0" encoding="utf-8"?>
-<p:sld xmlns:a="http://schemas.openxmlformats.org/drawingml/2006/main" xmlns:r="http://schemas.openxmlformats.org/officeDocument/2006/relationships" xmlns:p="http://schemas.openxmlformats.org/presentationml/2006/main">
-  <p:cSld>
-    <p:spTree>
-      <p:nvGrpSpPr>
-        <p:cNvPr id="1" name=""/>
-        <p:cNvGrpSpPr/>
-        <p:nvPr/>
-      </p:nvGrpSpPr>
-      <p:grpSpPr>
-        <a:xfrm>
-          <a:off x="0" y="0"/>
-          <a:ext cx="0" cy="0"/>
-          <a:chOff x="0" y="0"/>
-          <a:chExt cx="0" cy="0"/>
-        </a:xfrm>
-      </p:grpSpPr>
-      <p:sp>
-        <p:nvSpPr>
-          <p:cNvPr id="2" name="Title 1">
-            <a:extLst>
-              <a:ext uri="{FF2B5EF4-FFF2-40B4-BE49-F238E27FC236}">
-                <a16:creationId xmlns:a16="http://schemas.microsoft.com/office/drawing/2014/main" id="{B17419AC-DCE6-4371-8DE2-D617E99D653D}"/>
-              </a:ext>
-            </a:extLst>
-          </p:cNvPr>
-          <p:cNvSpPr>
-            <a:spLocks noGrp="1"/>
-          </p:cNvSpPr>
-          <p:nvPr>
-            <p:ph type="title"/>
-          </p:nvPr>
-        </p:nvSpPr>
-        <p:spPr/>
-        <p:txBody>
-          <a:bodyPr/>
-          <a:lstStyle/>
-          <a:p>
-            <a:r>
-              <a:rPr lang="en-US" dirty="0">
-                <a:solidFill>
-                  <a:srgbClr val="C00000"/>
-                </a:solidFill>
-              </a:rPr>
-              <a:t>Laplace Mechanism</a:t>
+              <a:t>Private Data Analysis</a:t>
             </a:r>
           </a:p>
         </p:txBody>
       </p:sp>
       <p:sp>
         <p:nvSpPr>
-          <p:cNvPr id="5" name="Content Placeholder 3">
+          <p:cNvPr id="3" name="Content Placeholder 2">
             <a:extLst>
               <a:ext uri="{FF2B5EF4-FFF2-40B4-BE49-F238E27FC236}">
-                <a16:creationId xmlns:a16="http://schemas.microsoft.com/office/drawing/2014/main" id="{46EDD9D9-1338-4BC5-9D28-964A84C143C2}"/>
+                <a16:creationId xmlns:a16="http://schemas.microsoft.com/office/drawing/2014/main" id="{15255D49-9D60-44DD-910D-2EBD0529DEC9}"/>
               </a:ext>
             </a:extLst>
           </p:cNvPr>
@@ -28558,39 +24350,15 @@
         </p:nvSpPr>
         <p:spPr>
           <a:xfrm>
-            <a:off x="838200" y="1825624"/>
-            <a:ext cx="10242755" cy="4342094"/>
+            <a:off x="838200" y="4404117"/>
+            <a:ext cx="11066929" cy="2088755"/>
           </a:xfrm>
         </p:spPr>
         <p:txBody>
           <a:bodyPr>
-            <a:noAutofit/>
+            <a:normAutofit/>
           </a:bodyPr>
           <a:lstStyle/>
-          <a:p>
-            <a:pPr>
-              <a:buClr>
-                <a:schemeClr val="tx1"/>
-              </a:buClr>
-            </a:pPr>
-            <a:r>
-              <a:rPr lang="en-US" sz="3200" dirty="0">
-                <a:solidFill>
-                  <a:srgbClr val="00B050"/>
-                </a:solidFill>
-              </a:rPr>
-              <a:t>What does the Laplace mechanism do in the following cases?</a:t>
-            </a:r>
-            <a:endParaRPr lang="en-US" sz="3200" dirty="0"/>
-          </a:p>
-          <a:p>
-            <a:pPr>
-              <a:buClr>
-                <a:schemeClr val="tx1"/>
-              </a:buClr>
-            </a:pPr>
-            <a:endParaRPr lang="en-US" sz="3200" dirty="0"/>
-          </a:p>
           <a:p>
             <a:pPr>
               <a:buClr>
@@ -28599,16 +24367,8 @@
             </a:pPr>
             <a:r>
               <a:rPr lang="en-US" sz="3200" dirty="0"/>
-              <a:t>Suppose a study is conducted that measures the height of individuals, ranging from 1 to 300 centimeters</a:t>
+              <a:t>Analysis of medical datasets to predict possible issues</a:t>
             </a:r>
-          </a:p>
-          <a:p>
-            <a:pPr>
-              <a:buClr>
-                <a:schemeClr val="tx1"/>
-              </a:buClr>
-            </a:pPr>
-            <a:endParaRPr lang="en-US" sz="3200" dirty="0"/>
           </a:p>
           <a:p>
             <a:pPr>
@@ -28618,7 +24378,7 @@
             </a:pPr>
             <a:r>
               <a:rPr lang="en-US" sz="3200" dirty="0"/>
-              <a:t>What is the sensitivity of the maximum height query?</a:t>
+              <a:t>Pattern detection for social networks or epidemic spread</a:t>
             </a:r>
           </a:p>
           <a:p>
@@ -28629,1032 +24389,7 @@
             </a:pPr>
             <a:r>
               <a:rPr lang="en-US" sz="3200" dirty="0"/>
-              <a:t>What is the sensitivity of the average height query?</a:t>
-            </a:r>
-          </a:p>
-        </p:txBody>
-      </p:sp>
-    </p:spTree>
-    <p:extLst>
-      <p:ext uri="{BB962C8B-B14F-4D97-AF65-F5344CB8AC3E}">
-        <p14:creationId xmlns:p14="http://schemas.microsoft.com/office/powerpoint/2010/main" val="2830771986"/>
-      </p:ext>
-    </p:extLst>
-  </p:cSld>
-  <p:clrMapOvr>
-    <a:masterClrMapping/>
-  </p:clrMapOvr>
-</p:sld>
-</file>
-
-<file path=ppt/slides/slide46.xml><?xml version="1.0" encoding="utf-8"?>
-<p:sld xmlns:a="http://schemas.openxmlformats.org/drawingml/2006/main" xmlns:r="http://schemas.openxmlformats.org/officeDocument/2006/relationships" xmlns:p="http://schemas.openxmlformats.org/presentationml/2006/main">
-  <p:cSld>
-    <p:spTree>
-      <p:nvGrpSpPr>
-        <p:cNvPr id="1" name=""/>
-        <p:cNvGrpSpPr/>
-        <p:nvPr/>
-      </p:nvGrpSpPr>
-      <p:grpSpPr>
-        <a:xfrm>
-          <a:off x="0" y="0"/>
-          <a:ext cx="0" cy="0"/>
-          <a:chOff x="0" y="0"/>
-          <a:chExt cx="0" cy="0"/>
-        </a:xfrm>
-      </p:grpSpPr>
-      <p:sp>
-        <p:nvSpPr>
-          <p:cNvPr id="2" name="Title 1">
-            <a:extLst>
-              <a:ext uri="{FF2B5EF4-FFF2-40B4-BE49-F238E27FC236}">
-                <a16:creationId xmlns:a16="http://schemas.microsoft.com/office/drawing/2014/main" id="{B17419AC-DCE6-4371-8DE2-D617E99D653D}"/>
-              </a:ext>
-            </a:extLst>
-          </p:cNvPr>
-          <p:cNvSpPr>
-            <a:spLocks noGrp="1"/>
-          </p:cNvSpPr>
-          <p:nvPr>
-            <p:ph type="title"/>
-          </p:nvPr>
-        </p:nvSpPr>
-        <p:spPr/>
-        <p:txBody>
-          <a:bodyPr/>
-          <a:lstStyle/>
-          <a:p>
-            <a:r>
-              <a:rPr lang="en-US" dirty="0">
-                <a:solidFill>
-                  <a:srgbClr val="C00000"/>
-                </a:solidFill>
-              </a:rPr>
-              <a:t>Laplace Mechanism</a:t>
-            </a:r>
-          </a:p>
-        </p:txBody>
-      </p:sp>
-      <mc:AlternateContent xmlns:mc="http://schemas.openxmlformats.org/markup-compatibility/2006" xmlns:a14="http://schemas.microsoft.com/office/drawing/2010/main">
-        <mc:Choice Requires="a14">
-          <p:sp>
-            <p:nvSpPr>
-              <p:cNvPr id="5" name="Content Placeholder 3">
-                <a:extLst>
-                  <a:ext uri="{FF2B5EF4-FFF2-40B4-BE49-F238E27FC236}">
-                    <a16:creationId xmlns:a16="http://schemas.microsoft.com/office/drawing/2014/main" id="{46EDD9D9-1338-4BC5-9D28-964A84C143C2}"/>
-                  </a:ext>
-                </a:extLst>
-              </p:cNvPr>
-              <p:cNvSpPr>
-                <a:spLocks noGrp="1"/>
-              </p:cNvSpPr>
-              <p:nvPr>
-                <p:ph idx="1"/>
-              </p:nvPr>
-            </p:nvSpPr>
-            <p:spPr>
-              <a:xfrm>
-                <a:off x="838200" y="1825624"/>
-                <a:ext cx="10242755" cy="4342094"/>
-              </a:xfrm>
-            </p:spPr>
-            <p:txBody>
-              <a:bodyPr>
-                <a:noAutofit/>
-              </a:bodyPr>
-              <a:lstStyle/>
-              <a:p>
-                <a:pPr>
-                  <a:buClr>
-                    <a:schemeClr val="tx1"/>
-                  </a:buClr>
-                </a:pPr>
-                <a:r>
-                  <a:rPr lang="en-US" sz="3200" dirty="0">
-                    <a:solidFill>
-                      <a:srgbClr val="00B050"/>
-                    </a:solidFill>
-                  </a:rPr>
-                  <a:t>Theorem</a:t>
-                </a:r>
-                <a:r>
-                  <a:rPr lang="en-US" sz="3200" dirty="0"/>
-                  <a:t>: Laplace mechanism is </a:t>
-                </a:r>
-                <a14:m>
-                  <m:oMath xmlns:m="http://schemas.openxmlformats.org/officeDocument/2006/math">
-                    <m:r>
-                      <a:rPr lang="en-US" sz="3200" b="0" i="1" smtClean="0">
-                        <a:solidFill>
-                          <a:srgbClr val="C00000"/>
-                        </a:solidFill>
-                        <a:latin typeface="Cambria Math" panose="02040503050406030204" pitchFamily="18" charset="0"/>
-                      </a:rPr>
-                      <m:t>𝜀</m:t>
-                    </m:r>
-                  </m:oMath>
-                </a14:m>
-                <a:r>
-                  <a:rPr lang="en-US" sz="3200" dirty="0"/>
-                  <a:t>-differentially private (pure DP)</a:t>
-                </a:r>
-              </a:p>
-            </p:txBody>
-          </p:sp>
-        </mc:Choice>
-        <mc:Fallback xmlns="">
-          <p:sp>
-            <p:nvSpPr>
-              <p:cNvPr id="5" name="Content Placeholder 3">
-                <a:extLst>
-                  <a:ext uri="{FF2B5EF4-FFF2-40B4-BE49-F238E27FC236}">
-                    <a16:creationId xmlns:a16="http://schemas.microsoft.com/office/drawing/2014/main" id="{46EDD9D9-1338-4BC5-9D28-964A84C143C2}"/>
-                  </a:ext>
-                </a:extLst>
-              </p:cNvPr>
-              <p:cNvSpPr>
-                <a:spLocks noGrp="1" noRot="1" noChangeAspect="1" noMove="1" noResize="1" noEditPoints="1" noAdjustHandles="1" noChangeArrowheads="1" noChangeShapeType="1" noTextEdit="1"/>
-              </p:cNvSpPr>
-              <p:nvPr>
-                <p:ph idx="1"/>
-              </p:nvPr>
-            </p:nvSpPr>
-            <p:spPr>
-              <a:xfrm>
-                <a:off x="838200" y="1825624"/>
-                <a:ext cx="10242755" cy="4342094"/>
-              </a:xfrm>
-              <a:blipFill>
-                <a:blip r:embed="rId3"/>
-                <a:stretch>
-                  <a:fillRect l="-1369" t="-2805"/>
-                </a:stretch>
-              </a:blipFill>
-            </p:spPr>
-            <p:txBody>
-              <a:bodyPr/>
-              <a:lstStyle/>
-              <a:p>
-                <a:r>
-                  <a:rPr lang="en-US">
-                    <a:noFill/>
-                  </a:rPr>
-                  <a:t> </a:t>
-                </a:r>
-              </a:p>
-            </p:txBody>
-          </p:sp>
-        </mc:Fallback>
-      </mc:AlternateContent>
-    </p:spTree>
-    <p:extLst>
-      <p:ext uri="{BB962C8B-B14F-4D97-AF65-F5344CB8AC3E}">
-        <p14:creationId xmlns:p14="http://schemas.microsoft.com/office/powerpoint/2010/main" val="1761393567"/>
-      </p:ext>
-    </p:extLst>
-  </p:cSld>
-  <p:clrMapOvr>
-    <a:masterClrMapping/>
-  </p:clrMapOvr>
-</p:sld>
-</file>
-
-<file path=ppt/slides/slide47.xml><?xml version="1.0" encoding="utf-8"?>
-<p:sld xmlns:a="http://schemas.openxmlformats.org/drawingml/2006/main" xmlns:r="http://schemas.openxmlformats.org/officeDocument/2006/relationships" xmlns:p="http://schemas.openxmlformats.org/presentationml/2006/main">
-  <p:cSld>
-    <p:spTree>
-      <p:nvGrpSpPr>
-        <p:cNvPr id="1" name=""/>
-        <p:cNvGrpSpPr/>
-        <p:nvPr/>
-      </p:nvGrpSpPr>
-      <p:grpSpPr>
-        <a:xfrm>
-          <a:off x="0" y="0"/>
-          <a:ext cx="0" cy="0"/>
-          <a:chOff x="0" y="0"/>
-          <a:chExt cx="0" cy="0"/>
-        </a:xfrm>
-      </p:grpSpPr>
-      <p:sp>
-        <p:nvSpPr>
-          <p:cNvPr id="2" name="Title 1">
-            <a:extLst>
-              <a:ext uri="{FF2B5EF4-FFF2-40B4-BE49-F238E27FC236}">
-                <a16:creationId xmlns:a16="http://schemas.microsoft.com/office/drawing/2014/main" id="{B17419AC-DCE6-4371-8DE2-D617E99D653D}"/>
-              </a:ext>
-            </a:extLst>
-          </p:cNvPr>
-          <p:cNvSpPr>
-            <a:spLocks noGrp="1"/>
-          </p:cNvSpPr>
-          <p:nvPr>
-            <p:ph type="title"/>
-          </p:nvPr>
-        </p:nvSpPr>
-        <p:spPr/>
-        <p:txBody>
-          <a:bodyPr/>
-          <a:lstStyle/>
-          <a:p>
-            <a:r>
-              <a:rPr lang="en-US" dirty="0">
-                <a:solidFill>
-                  <a:srgbClr val="C00000"/>
-                </a:solidFill>
-              </a:rPr>
-              <a:t>Beyond Laplace Mechanism</a:t>
-            </a:r>
-          </a:p>
-        </p:txBody>
-      </p:sp>
-      <mc:AlternateContent xmlns:mc="http://schemas.openxmlformats.org/markup-compatibility/2006" xmlns:a14="http://schemas.microsoft.com/office/drawing/2010/main">
-        <mc:Choice Requires="a14">
-          <p:sp>
-            <p:nvSpPr>
-              <p:cNvPr id="5" name="Content Placeholder 3">
-                <a:extLst>
-                  <a:ext uri="{FF2B5EF4-FFF2-40B4-BE49-F238E27FC236}">
-                    <a16:creationId xmlns:a16="http://schemas.microsoft.com/office/drawing/2014/main" id="{46EDD9D9-1338-4BC5-9D28-964A84C143C2}"/>
-                  </a:ext>
-                </a:extLst>
-              </p:cNvPr>
-              <p:cNvSpPr>
-                <a:spLocks noGrp="1"/>
-              </p:cNvSpPr>
-              <p:nvPr>
-                <p:ph idx="1"/>
-              </p:nvPr>
-            </p:nvSpPr>
-            <p:spPr>
-              <a:xfrm>
-                <a:off x="838200" y="1825624"/>
-                <a:ext cx="10242755" cy="4342094"/>
-              </a:xfrm>
-            </p:spPr>
-            <p:txBody>
-              <a:bodyPr>
-                <a:noAutofit/>
-              </a:bodyPr>
-              <a:lstStyle/>
-              <a:p>
-                <a:pPr>
-                  <a:buClr>
-                    <a:schemeClr val="tx1"/>
-                  </a:buClr>
-                </a:pPr>
-                <a:r>
-                  <a:rPr lang="en-US" sz="3200" dirty="0"/>
-                  <a:t>What if the output is not a scalar, e.g., a vector?</a:t>
-                </a:r>
-              </a:p>
-              <a:p>
-                <a:pPr>
-                  <a:buClr>
-                    <a:schemeClr val="tx1"/>
-                  </a:buClr>
-                </a:pPr>
-                <a:endParaRPr lang="en-US" sz="3200" dirty="0"/>
-              </a:p>
-              <a:p>
-                <a:pPr>
-                  <a:buClr>
-                    <a:schemeClr val="tx1"/>
-                  </a:buClr>
-                </a:pPr>
-                <a:endParaRPr lang="en-US" sz="3200" dirty="0"/>
-              </a:p>
-              <a:p>
-                <a:pPr>
-                  <a:buClr>
-                    <a:schemeClr val="tx1"/>
-                  </a:buClr>
-                </a:pPr>
-                <a:r>
-                  <a:rPr lang="en-US" sz="3200" dirty="0"/>
-                  <a:t>Suppose the outputs lie in some space </a:t>
-                </a:r>
-                <a14:m>
-                  <m:oMath xmlns:m="http://schemas.openxmlformats.org/officeDocument/2006/math">
-                    <m:r>
-                      <a:rPr lang="en-US" sz="3200" b="0" i="1" smtClean="0">
-                        <a:solidFill>
-                          <a:srgbClr val="C00000"/>
-                        </a:solidFill>
-                        <a:latin typeface="Cambria Math" panose="02040503050406030204" pitchFamily="18" charset="0"/>
-                      </a:rPr>
-                      <m:t>𝑌</m:t>
-                    </m:r>
-                  </m:oMath>
-                </a14:m>
-                <a:endParaRPr lang="en-US" sz="3200" dirty="0"/>
-              </a:p>
-            </p:txBody>
-          </p:sp>
-        </mc:Choice>
-        <mc:Fallback xmlns="">
-          <p:sp>
-            <p:nvSpPr>
-              <p:cNvPr id="5" name="Content Placeholder 3">
-                <a:extLst>
-                  <a:ext uri="{FF2B5EF4-FFF2-40B4-BE49-F238E27FC236}">
-                    <a16:creationId xmlns:a16="http://schemas.microsoft.com/office/drawing/2014/main" id="{46EDD9D9-1338-4BC5-9D28-964A84C143C2}"/>
-                  </a:ext>
-                </a:extLst>
-              </p:cNvPr>
-              <p:cNvSpPr>
-                <a:spLocks noGrp="1" noRot="1" noChangeAspect="1" noMove="1" noResize="1" noEditPoints="1" noAdjustHandles="1" noChangeArrowheads="1" noChangeShapeType="1" noTextEdit="1"/>
-              </p:cNvSpPr>
-              <p:nvPr>
-                <p:ph idx="1"/>
-              </p:nvPr>
-            </p:nvSpPr>
-            <p:spPr>
-              <a:xfrm>
-                <a:off x="838200" y="1825624"/>
-                <a:ext cx="10242755" cy="4342094"/>
-              </a:xfrm>
-              <a:blipFill>
-                <a:blip r:embed="rId3"/>
-                <a:stretch>
-                  <a:fillRect l="-1369" t="-2945"/>
-                </a:stretch>
-              </a:blipFill>
-            </p:spPr>
-            <p:txBody>
-              <a:bodyPr/>
-              <a:lstStyle/>
-              <a:p>
-                <a:r>
-                  <a:rPr lang="en-US">
-                    <a:noFill/>
-                  </a:rPr>
-                  <a:t> </a:t>
-                </a:r>
-              </a:p>
-            </p:txBody>
-          </p:sp>
-        </mc:Fallback>
-      </mc:AlternateContent>
-    </p:spTree>
-    <p:extLst>
-      <p:ext uri="{BB962C8B-B14F-4D97-AF65-F5344CB8AC3E}">
-        <p14:creationId xmlns:p14="http://schemas.microsoft.com/office/powerpoint/2010/main" val="3798815518"/>
-      </p:ext>
-    </p:extLst>
-  </p:cSld>
-  <p:clrMapOvr>
-    <a:masterClrMapping/>
-  </p:clrMapOvr>
-</p:sld>
-</file>
-
-<file path=ppt/slides/slide48.xml><?xml version="1.0" encoding="utf-8"?>
-<p:sld xmlns:a="http://schemas.openxmlformats.org/drawingml/2006/main" xmlns:r="http://schemas.openxmlformats.org/officeDocument/2006/relationships" xmlns:p="http://schemas.openxmlformats.org/presentationml/2006/main">
-  <p:cSld>
-    <p:spTree>
-      <p:nvGrpSpPr>
-        <p:cNvPr id="1" name=""/>
-        <p:cNvGrpSpPr/>
-        <p:nvPr/>
-      </p:nvGrpSpPr>
-      <p:grpSpPr>
-        <a:xfrm>
-          <a:off x="0" y="0"/>
-          <a:ext cx="0" cy="0"/>
-          <a:chOff x="0" y="0"/>
-          <a:chExt cx="0" cy="0"/>
-        </a:xfrm>
-      </p:grpSpPr>
-      <p:sp>
-        <p:nvSpPr>
-          <p:cNvPr id="2" name="Title 1">
-            <a:extLst>
-              <a:ext uri="{FF2B5EF4-FFF2-40B4-BE49-F238E27FC236}">
-                <a16:creationId xmlns:a16="http://schemas.microsoft.com/office/drawing/2014/main" id="{B17419AC-DCE6-4371-8DE2-D617E99D653D}"/>
-              </a:ext>
-            </a:extLst>
-          </p:cNvPr>
-          <p:cNvSpPr>
-            <a:spLocks noGrp="1"/>
-          </p:cNvSpPr>
-          <p:nvPr>
-            <p:ph type="title"/>
-          </p:nvPr>
-        </p:nvSpPr>
-        <p:spPr/>
-        <p:txBody>
-          <a:bodyPr/>
-          <a:lstStyle/>
-          <a:p>
-            <a:r>
-              <a:rPr lang="en-US" dirty="0">
-                <a:solidFill>
-                  <a:srgbClr val="C00000"/>
-                </a:solidFill>
-              </a:rPr>
-              <a:t>Beyond Laplace Mechanism</a:t>
-            </a:r>
-          </a:p>
-        </p:txBody>
-      </p:sp>
-      <p:sp>
-        <p:nvSpPr>
-          <p:cNvPr id="5" name="Content Placeholder 3">
-            <a:extLst>
-              <a:ext uri="{FF2B5EF4-FFF2-40B4-BE49-F238E27FC236}">
-                <a16:creationId xmlns:a16="http://schemas.microsoft.com/office/drawing/2014/main" id="{46EDD9D9-1338-4BC5-9D28-964A84C143C2}"/>
-              </a:ext>
-            </a:extLst>
-          </p:cNvPr>
-          <p:cNvSpPr>
-            <a:spLocks noGrp="1"/>
-          </p:cNvSpPr>
-          <p:nvPr>
-            <p:ph idx="1"/>
-          </p:nvPr>
-        </p:nvSpPr>
-        <p:spPr>
-          <a:xfrm>
-            <a:off x="838200" y="1825624"/>
-            <a:ext cx="10242755" cy="4342094"/>
-          </a:xfrm>
-        </p:spPr>
-        <p:txBody>
-          <a:bodyPr>
-            <a:noAutofit/>
-          </a:bodyPr>
-          <a:lstStyle/>
-          <a:p>
-            <a:pPr>
-              <a:buClr>
-                <a:schemeClr val="tx1"/>
-              </a:buClr>
-            </a:pPr>
-            <a:r>
-              <a:rPr lang="en-US" sz="3200" dirty="0"/>
-              <a:t>Suppose a study is conducted that finds the current location of individuals, in the two-dimensional plane</a:t>
-            </a:r>
-          </a:p>
-          <a:p>
-            <a:pPr>
-              <a:buClr>
-                <a:schemeClr val="tx1"/>
-              </a:buClr>
-            </a:pPr>
-            <a:endParaRPr lang="en-US" sz="3200" dirty="0"/>
-          </a:p>
-          <a:p>
-            <a:pPr>
-              <a:buClr>
-                <a:schemeClr val="tx1"/>
-              </a:buClr>
-            </a:pPr>
-            <a:endParaRPr lang="en-US" sz="3200" dirty="0"/>
-          </a:p>
-          <a:p>
-            <a:pPr>
-              <a:buClr>
-                <a:schemeClr val="tx1"/>
-              </a:buClr>
-            </a:pPr>
-            <a:r>
-              <a:rPr lang="en-US" sz="3200" dirty="0"/>
-              <a:t>Who is the closest individual to a query location?</a:t>
-            </a:r>
-          </a:p>
-        </p:txBody>
-      </p:sp>
-    </p:spTree>
-    <p:extLst>
-      <p:ext uri="{BB962C8B-B14F-4D97-AF65-F5344CB8AC3E}">
-        <p14:creationId xmlns:p14="http://schemas.microsoft.com/office/powerpoint/2010/main" val="905233082"/>
-      </p:ext>
-    </p:extLst>
-  </p:cSld>
-  <p:clrMapOvr>
-    <a:masterClrMapping/>
-  </p:clrMapOvr>
-</p:sld>
-</file>
-
-<file path=ppt/slides/slide49.xml><?xml version="1.0" encoding="utf-8"?>
-<p:sld xmlns:a="http://schemas.openxmlformats.org/drawingml/2006/main" xmlns:r="http://schemas.openxmlformats.org/officeDocument/2006/relationships" xmlns:p="http://schemas.openxmlformats.org/presentationml/2006/main">
-  <p:cSld>
-    <p:spTree>
-      <p:nvGrpSpPr>
-        <p:cNvPr id="1" name=""/>
-        <p:cNvGrpSpPr/>
-        <p:nvPr/>
-      </p:nvGrpSpPr>
-      <p:grpSpPr>
-        <a:xfrm>
-          <a:off x="0" y="0"/>
-          <a:ext cx="0" cy="0"/>
-          <a:chOff x="0" y="0"/>
-          <a:chExt cx="0" cy="0"/>
-        </a:xfrm>
-      </p:grpSpPr>
-      <p:sp>
-        <p:nvSpPr>
-          <p:cNvPr id="2" name="Title 1">
-            <a:extLst>
-              <a:ext uri="{FF2B5EF4-FFF2-40B4-BE49-F238E27FC236}">
-                <a16:creationId xmlns:a16="http://schemas.microsoft.com/office/drawing/2014/main" id="{B17419AC-DCE6-4371-8DE2-D617E99D653D}"/>
-              </a:ext>
-            </a:extLst>
-          </p:cNvPr>
-          <p:cNvSpPr>
-            <a:spLocks noGrp="1"/>
-          </p:cNvSpPr>
-          <p:nvPr>
-            <p:ph type="title"/>
-          </p:nvPr>
-        </p:nvSpPr>
-        <p:spPr/>
-        <p:txBody>
-          <a:bodyPr/>
-          <a:lstStyle/>
-          <a:p>
-            <a:r>
-              <a:rPr lang="en-US" dirty="0">
-                <a:solidFill>
-                  <a:srgbClr val="C00000"/>
-                </a:solidFill>
-              </a:rPr>
-              <a:t>Exponential Mechanism</a:t>
-            </a:r>
-          </a:p>
-        </p:txBody>
-      </p:sp>
-      <mc:AlternateContent xmlns:mc="http://schemas.openxmlformats.org/markup-compatibility/2006" xmlns:a14="http://schemas.microsoft.com/office/drawing/2010/main">
-        <mc:Choice Requires="a14">
-          <p:sp>
-            <p:nvSpPr>
-              <p:cNvPr id="5" name="Content Placeholder 3">
-                <a:extLst>
-                  <a:ext uri="{FF2B5EF4-FFF2-40B4-BE49-F238E27FC236}">
-                    <a16:creationId xmlns:a16="http://schemas.microsoft.com/office/drawing/2014/main" id="{46EDD9D9-1338-4BC5-9D28-964A84C143C2}"/>
-                  </a:ext>
-                </a:extLst>
-              </p:cNvPr>
-              <p:cNvSpPr>
-                <a:spLocks noGrp="1"/>
-              </p:cNvSpPr>
-              <p:nvPr>
-                <p:ph idx="1"/>
-              </p:nvPr>
-            </p:nvSpPr>
-            <p:spPr>
-              <a:xfrm>
-                <a:off x="838200" y="1825624"/>
-                <a:ext cx="10242755" cy="4342094"/>
-              </a:xfrm>
-            </p:spPr>
-            <p:txBody>
-              <a:bodyPr>
-                <a:noAutofit/>
-              </a:bodyPr>
-              <a:lstStyle/>
-              <a:p>
-                <a:pPr>
-                  <a:buClr>
-                    <a:schemeClr val="tx1"/>
-                  </a:buClr>
-                </a:pPr>
-                <a:r>
-                  <a:rPr lang="en-US" sz="3200" dirty="0"/>
-                  <a:t>Choose a score function </a:t>
-                </a:r>
-                <a14:m>
-                  <m:oMath xmlns:m="http://schemas.openxmlformats.org/officeDocument/2006/math">
-                    <m:r>
-                      <a:rPr lang="en-US" sz="3200" b="0" i="1" smtClean="0">
-                        <a:solidFill>
-                          <a:srgbClr val="C00000"/>
-                        </a:solidFill>
-                        <a:latin typeface="Cambria Math" panose="02040503050406030204" pitchFamily="18" charset="0"/>
-                      </a:rPr>
-                      <m:t>𝑆</m:t>
-                    </m:r>
-                    <m:r>
-                      <a:rPr lang="en-US" sz="3200" b="0" i="0" smtClean="0">
-                        <a:solidFill>
-                          <a:srgbClr val="C00000"/>
-                        </a:solidFill>
-                        <a:latin typeface="Cambria Math" panose="02040503050406030204" pitchFamily="18" charset="0"/>
-                      </a:rPr>
-                      <m:t>:</m:t>
-                    </m:r>
-                    <m:r>
-                      <a:rPr lang="en-US" sz="3200" b="0" i="1" smtClean="0">
-                        <a:solidFill>
-                          <a:srgbClr val="C00000"/>
-                        </a:solidFill>
-                        <a:latin typeface="Cambria Math" panose="02040503050406030204" pitchFamily="18" charset="0"/>
-                      </a:rPr>
-                      <m:t>(</m:t>
-                    </m:r>
-                    <m:r>
-                      <a:rPr lang="en-US" sz="3200" b="0" i="1" smtClean="0">
-                        <a:solidFill>
-                          <a:srgbClr val="C00000"/>
-                        </a:solidFill>
-                        <a:latin typeface="Cambria Math" panose="02040503050406030204" pitchFamily="18" charset="0"/>
-                      </a:rPr>
-                      <m:t>𝑌</m:t>
-                    </m:r>
-                    <m:r>
-                      <a:rPr lang="en-US" sz="3200" b="0" i="1" smtClean="0">
-                        <a:solidFill>
-                          <a:srgbClr val="C00000"/>
-                        </a:solidFill>
-                        <a:latin typeface="Cambria Math" panose="02040503050406030204" pitchFamily="18" charset="0"/>
-                      </a:rPr>
-                      <m:t>,</m:t>
-                    </m:r>
-                    <m:sSup>
-                      <m:sSupPr>
-                        <m:ctrlPr>
-                          <a:rPr lang="en-US" sz="3200" b="0" i="1" smtClean="0">
-                            <a:solidFill>
-                              <a:srgbClr val="C00000"/>
-                            </a:solidFill>
-                            <a:latin typeface="Cambria Math" panose="02040503050406030204" pitchFamily="18" charset="0"/>
-                          </a:rPr>
-                        </m:ctrlPr>
-                      </m:sSupPr>
-                      <m:e>
-                        <m:r>
-                          <a:rPr lang="en-US" sz="3200" b="0" i="1" smtClean="0">
-                            <a:solidFill>
-                              <a:srgbClr val="C00000"/>
-                            </a:solidFill>
-                            <a:latin typeface="Cambria Math" panose="02040503050406030204" pitchFamily="18" charset="0"/>
-                          </a:rPr>
-                          <m:t>𝑋</m:t>
-                        </m:r>
-                      </m:e>
-                      <m:sup>
-                        <m:r>
-                          <a:rPr lang="en-US" sz="3200" b="0" i="1" smtClean="0">
-                            <a:solidFill>
-                              <a:srgbClr val="C00000"/>
-                            </a:solidFill>
-                            <a:latin typeface="Cambria Math" panose="02040503050406030204" pitchFamily="18" charset="0"/>
-                          </a:rPr>
-                          <m:t>𝑛</m:t>
-                        </m:r>
-                      </m:sup>
-                    </m:sSup>
-                    <m:r>
-                      <a:rPr lang="en-US" sz="3200" b="0" i="1" smtClean="0">
-                        <a:solidFill>
-                          <a:srgbClr val="C00000"/>
-                        </a:solidFill>
-                        <a:latin typeface="Cambria Math" panose="02040503050406030204" pitchFamily="18" charset="0"/>
-                      </a:rPr>
-                      <m:t>)→</m:t>
-                    </m:r>
-                    <m:r>
-                      <a:rPr lang="en-US" sz="3200" b="0" i="1" smtClean="0">
-                        <a:solidFill>
-                          <a:srgbClr val="C00000"/>
-                        </a:solidFill>
-                        <a:latin typeface="Cambria Math" panose="02040503050406030204" pitchFamily="18" charset="0"/>
-                      </a:rPr>
-                      <m:t>ℝ</m:t>
-                    </m:r>
-                  </m:oMath>
-                </a14:m>
-                <a:r>
-                  <a:rPr lang="en-US" sz="3200" i="1" dirty="0"/>
-                  <a:t> </a:t>
-                </a:r>
-                <a:r>
-                  <a:rPr lang="en-US" sz="3200" dirty="0"/>
-                  <a:t>and global sensitivity </a:t>
-                </a:r>
-                <a14:m>
-                  <m:oMath xmlns:m="http://schemas.openxmlformats.org/officeDocument/2006/math">
-                    <m:r>
-                      <a:rPr lang="en-US" sz="3200" b="0" i="1" smtClean="0">
-                        <a:solidFill>
-                          <a:srgbClr val="C00000"/>
-                        </a:solidFill>
-                        <a:latin typeface="Cambria Math" panose="02040503050406030204" pitchFamily="18" charset="0"/>
-                      </a:rPr>
-                      <m:t>𝜎</m:t>
-                    </m:r>
-                  </m:oMath>
-                </a14:m>
-                <a:endParaRPr lang="en-US" sz="3200" i="1" dirty="0"/>
-              </a:p>
-              <a:p>
-                <a:pPr>
-                  <a:buClr>
-                    <a:schemeClr val="tx1"/>
-                  </a:buClr>
-                </a:pPr>
-                <a:endParaRPr lang="en-US" sz="3200" dirty="0"/>
-              </a:p>
-              <a:p>
-                <a:pPr>
-                  <a:buClr>
-                    <a:schemeClr val="tx1"/>
-                  </a:buClr>
-                </a:pPr>
-                <a:r>
-                  <a:rPr lang="en-US" sz="3200" dirty="0"/>
-                  <a:t>Sample </a:t>
-                </a:r>
-                <a14:m>
-                  <m:oMath xmlns:m="http://schemas.openxmlformats.org/officeDocument/2006/math">
-                    <m:r>
-                      <a:rPr lang="en-US" sz="3200" b="0" i="1" smtClean="0">
-                        <a:solidFill>
-                          <a:srgbClr val="C00000"/>
-                        </a:solidFill>
-                        <a:latin typeface="Cambria Math" panose="02040503050406030204" pitchFamily="18" charset="0"/>
-                      </a:rPr>
-                      <m:t>𝑦</m:t>
-                    </m:r>
-                    <m:r>
-                      <a:rPr lang="en-US" sz="3200" b="0" i="1" smtClean="0">
-                        <a:solidFill>
-                          <a:srgbClr val="C00000"/>
-                        </a:solidFill>
-                        <a:latin typeface="Cambria Math" panose="02040503050406030204" pitchFamily="18" charset="0"/>
-                      </a:rPr>
-                      <m:t>∈</m:t>
-                    </m:r>
-                    <m:r>
-                      <a:rPr lang="en-US" sz="3200" b="0" i="1" smtClean="0">
-                        <a:solidFill>
-                          <a:srgbClr val="C00000"/>
-                        </a:solidFill>
-                        <a:latin typeface="Cambria Math" panose="02040503050406030204" pitchFamily="18" charset="0"/>
-                      </a:rPr>
-                      <m:t>𝑌</m:t>
-                    </m:r>
-                  </m:oMath>
-                </a14:m>
-                <a:r>
-                  <a:rPr lang="en-US" sz="3200" dirty="0"/>
-                  <a:t> with probability proportional to </a:t>
-                </a:r>
-                <a14:m>
-                  <m:oMath xmlns:m="http://schemas.openxmlformats.org/officeDocument/2006/math">
-                    <m:func>
-                      <m:funcPr>
-                        <m:ctrlPr>
-                          <a:rPr lang="en-US" sz="3200" b="0" i="1" smtClean="0">
-                            <a:solidFill>
-                              <a:srgbClr val="C00000"/>
-                            </a:solidFill>
-                            <a:latin typeface="Cambria Math" panose="02040503050406030204" pitchFamily="18" charset="0"/>
-                          </a:rPr>
-                        </m:ctrlPr>
-                      </m:funcPr>
-                      <m:fName>
-                        <m:r>
-                          <m:rPr>
-                            <m:sty m:val="p"/>
-                          </m:rPr>
-                          <a:rPr lang="en-US" sz="3200" b="0" i="0" smtClean="0">
-                            <a:solidFill>
-                              <a:srgbClr val="C00000"/>
-                            </a:solidFill>
-                            <a:latin typeface="Cambria Math" panose="02040503050406030204" pitchFamily="18" charset="0"/>
-                          </a:rPr>
-                          <m:t>exp</m:t>
-                        </m:r>
-                      </m:fName>
-                      <m:e>
-                        <m:d>
-                          <m:dPr>
-                            <m:ctrlPr>
-                              <a:rPr lang="en-US" sz="3200" b="0" i="1" smtClean="0">
-                                <a:solidFill>
-                                  <a:srgbClr val="C00000"/>
-                                </a:solidFill>
-                                <a:latin typeface="Cambria Math" panose="02040503050406030204" pitchFamily="18" charset="0"/>
-                              </a:rPr>
-                            </m:ctrlPr>
-                          </m:dPr>
-                          <m:e>
-                            <m:f>
-                              <m:fPr>
-                                <m:ctrlPr>
-                                  <a:rPr lang="en-US" sz="3200" b="0" i="1" smtClean="0">
-                                    <a:solidFill>
-                                      <a:srgbClr val="C00000"/>
-                                    </a:solidFill>
-                                    <a:latin typeface="Cambria Math" panose="02040503050406030204" pitchFamily="18" charset="0"/>
-                                  </a:rPr>
-                                </m:ctrlPr>
-                              </m:fPr>
-                              <m:num>
-                                <m:r>
-                                  <a:rPr lang="en-US" sz="3200" b="0" i="1" smtClean="0">
-                                    <a:solidFill>
-                                      <a:srgbClr val="C00000"/>
-                                    </a:solidFill>
-                                    <a:latin typeface="Cambria Math" panose="02040503050406030204" pitchFamily="18" charset="0"/>
-                                  </a:rPr>
-                                  <m:t>𝜀</m:t>
-                                </m:r>
-                              </m:num>
-                              <m:den>
-                                <m:r>
-                                  <a:rPr lang="en-US" sz="3200" b="0" i="1" smtClean="0">
-                                    <a:solidFill>
-                                      <a:srgbClr val="C00000"/>
-                                    </a:solidFill>
-                                    <a:latin typeface="Cambria Math" panose="02040503050406030204" pitchFamily="18" charset="0"/>
-                                  </a:rPr>
-                                  <m:t>2</m:t>
-                                </m:r>
-                                <m:r>
-                                  <a:rPr lang="en-US" sz="3200" b="0" i="1" smtClean="0">
-                                    <a:solidFill>
-                                      <a:srgbClr val="C00000"/>
-                                    </a:solidFill>
-                                    <a:latin typeface="Cambria Math" panose="02040503050406030204" pitchFamily="18" charset="0"/>
-                                  </a:rPr>
-                                  <m:t>𝜎</m:t>
-                                </m:r>
-                              </m:den>
-                            </m:f>
-                            <m:r>
-                              <a:rPr lang="en-US" sz="3200" b="0" i="1" smtClean="0">
-                                <a:solidFill>
-                                  <a:srgbClr val="C00000"/>
-                                </a:solidFill>
-                                <a:latin typeface="Cambria Math" panose="02040503050406030204" pitchFamily="18" charset="0"/>
-                              </a:rPr>
-                              <m:t>𝑆</m:t>
-                            </m:r>
-                            <m:r>
-                              <a:rPr lang="en-US" sz="3200" b="0" i="1" smtClean="0">
-                                <a:solidFill>
-                                  <a:srgbClr val="C00000"/>
-                                </a:solidFill>
-                                <a:latin typeface="Cambria Math" panose="02040503050406030204" pitchFamily="18" charset="0"/>
-                              </a:rPr>
-                              <m:t>(</m:t>
-                            </m:r>
-                            <m:r>
-                              <a:rPr lang="en-US" sz="3200" b="0" i="1" smtClean="0">
-                                <a:solidFill>
-                                  <a:srgbClr val="C00000"/>
-                                </a:solidFill>
-                                <a:latin typeface="Cambria Math" panose="02040503050406030204" pitchFamily="18" charset="0"/>
-                              </a:rPr>
-                              <m:t>𝑦</m:t>
-                            </m:r>
-                            <m:r>
-                              <a:rPr lang="en-US" sz="3200" b="0" i="1" smtClean="0">
-                                <a:solidFill>
-                                  <a:srgbClr val="C00000"/>
-                                </a:solidFill>
-                                <a:latin typeface="Cambria Math" panose="02040503050406030204" pitchFamily="18" charset="0"/>
-                              </a:rPr>
-                              <m:t>,</m:t>
-                            </m:r>
-                            <m:r>
-                              <a:rPr lang="en-US" sz="3200" b="0" i="1" smtClean="0">
-                                <a:solidFill>
-                                  <a:srgbClr val="C00000"/>
-                                </a:solidFill>
-                                <a:latin typeface="Cambria Math" panose="02040503050406030204" pitchFamily="18" charset="0"/>
-                              </a:rPr>
-                              <m:t>𝑥</m:t>
-                            </m:r>
-                            <m:r>
-                              <a:rPr lang="en-US" sz="3200" b="0" i="1" smtClean="0">
-                                <a:solidFill>
-                                  <a:srgbClr val="C00000"/>
-                                </a:solidFill>
-                                <a:latin typeface="Cambria Math" panose="02040503050406030204" pitchFamily="18" charset="0"/>
-                              </a:rPr>
-                              <m:t>)</m:t>
-                            </m:r>
-                          </m:e>
-                        </m:d>
-                      </m:e>
-                    </m:func>
-                  </m:oMath>
-                </a14:m>
-                <a:endParaRPr lang="en-US" sz="3200" dirty="0"/>
-              </a:p>
-            </p:txBody>
-          </p:sp>
-        </mc:Choice>
-        <mc:Fallback xmlns="">
-          <p:sp>
-            <p:nvSpPr>
-              <p:cNvPr id="5" name="Content Placeholder 3">
-                <a:extLst>
-                  <a:ext uri="{FF2B5EF4-FFF2-40B4-BE49-F238E27FC236}">
-                    <a16:creationId xmlns:a16="http://schemas.microsoft.com/office/drawing/2014/main" id="{46EDD9D9-1338-4BC5-9D28-964A84C143C2}"/>
-                  </a:ext>
-                </a:extLst>
-              </p:cNvPr>
-              <p:cNvSpPr>
-                <a:spLocks noGrp="1" noRot="1" noChangeAspect="1" noMove="1" noResize="1" noEditPoints="1" noAdjustHandles="1" noChangeArrowheads="1" noChangeShapeType="1" noTextEdit="1"/>
-              </p:cNvSpPr>
-              <p:nvPr>
-                <p:ph idx="1"/>
-              </p:nvPr>
-            </p:nvSpPr>
-            <p:spPr>
-              <a:xfrm>
-                <a:off x="838200" y="1825624"/>
-                <a:ext cx="10242755" cy="4342094"/>
-              </a:xfrm>
-              <a:blipFill>
-                <a:blip r:embed="rId3"/>
-                <a:stretch>
-                  <a:fillRect l="-1369" t="-2805"/>
-                </a:stretch>
-              </a:blipFill>
-            </p:spPr>
-            <p:txBody>
-              <a:bodyPr/>
-              <a:lstStyle/>
-              <a:p>
-                <a:r>
-                  <a:rPr lang="en-US">
-                    <a:noFill/>
-                  </a:rPr>
-                  <a:t> </a:t>
-                </a:r>
-              </a:p>
-            </p:txBody>
-          </p:sp>
-        </mc:Fallback>
-      </mc:AlternateContent>
-    </p:spTree>
-    <p:extLst>
-      <p:ext uri="{BB962C8B-B14F-4D97-AF65-F5344CB8AC3E}">
-        <p14:creationId xmlns:p14="http://schemas.microsoft.com/office/powerpoint/2010/main" val="2533236505"/>
-      </p:ext>
-    </p:extLst>
-  </p:cSld>
-  <p:clrMapOvr>
-    <a:masterClrMapping/>
-  </p:clrMapOvr>
-</p:sld>
-</file>
-
-<file path=ppt/slides/slide5.xml><?xml version="1.0" encoding="utf-8"?>
-<p:sld xmlns:a="http://schemas.openxmlformats.org/drawingml/2006/main" xmlns:r="http://schemas.openxmlformats.org/officeDocument/2006/relationships" xmlns:p="http://schemas.openxmlformats.org/presentationml/2006/main">
-  <p:cSld>
-    <p:spTree>
-      <p:nvGrpSpPr>
-        <p:cNvPr id="1" name=""/>
-        <p:cNvGrpSpPr/>
-        <p:nvPr/>
-      </p:nvGrpSpPr>
-      <p:grpSpPr>
-        <a:xfrm>
-          <a:off x="0" y="0"/>
-          <a:ext cx="0" cy="0"/>
-          <a:chOff x="0" y="0"/>
-          <a:chExt cx="0" cy="0"/>
-        </a:xfrm>
-      </p:grpSpPr>
-      <p:sp>
-        <p:nvSpPr>
-          <p:cNvPr id="2" name="Title 1">
-            <a:extLst>
-              <a:ext uri="{FF2B5EF4-FFF2-40B4-BE49-F238E27FC236}">
-                <a16:creationId xmlns:a16="http://schemas.microsoft.com/office/drawing/2014/main" id="{6D984B7A-8516-47FC-9176-8158CF0B5C45}"/>
-              </a:ext>
-            </a:extLst>
-          </p:cNvPr>
-          <p:cNvSpPr>
-            <a:spLocks noGrp="1"/>
-          </p:cNvSpPr>
-          <p:nvPr>
-            <p:ph type="title"/>
-          </p:nvPr>
-        </p:nvSpPr>
-        <p:spPr/>
-        <p:txBody>
-          <a:bodyPr/>
-          <a:lstStyle/>
-          <a:p>
-            <a:r>
-              <a:rPr lang="en-US" dirty="0">
-                <a:solidFill>
-                  <a:srgbClr val="C00000"/>
-                </a:solidFill>
-              </a:rPr>
-              <a:t>Anonymization</a:t>
+              <a:t>US Census information for apportionment</a:t>
             </a:r>
           </a:p>
         </p:txBody>
@@ -29778,6 +24513,275 @@
         </p:blipFill>
         <p:spPr bwMode="auto">
           <a:xfrm>
+            <a:off x="8026257" y="1633248"/>
+            <a:ext cx="1905000" cy="2390775"/>
+          </a:xfrm>
+          <a:prstGeom prst="rect">
+            <a:avLst/>
+          </a:prstGeom>
+          <a:noFill/>
+          <a:extLst>
+            <a:ext uri="{909E8E84-426E-40DD-AFC4-6F175D3DCCD1}">
+              <a14:hiddenFill xmlns:a14="http://schemas.microsoft.com/office/drawing/2010/main">
+                <a:solidFill>
+                  <a:srgbClr val="FFFFFF"/>
+                </a:solidFill>
+              </a14:hiddenFill>
+            </a:ext>
+          </a:extLst>
+        </p:spPr>
+      </p:pic>
+      <p:sp>
+        <p:nvSpPr>
+          <p:cNvPr id="7" name="TextBox 6">
+            <a:extLst>
+              <a:ext uri="{FF2B5EF4-FFF2-40B4-BE49-F238E27FC236}">
+                <a16:creationId xmlns:a16="http://schemas.microsoft.com/office/drawing/2014/main" id="{EF37C412-E016-188D-C53E-3744A9CE2ECD}"/>
+              </a:ext>
+            </a:extLst>
+          </p:cNvPr>
+          <p:cNvSpPr txBox="1"/>
+          <p:nvPr/>
+        </p:nvSpPr>
+        <p:spPr>
+          <a:xfrm>
+            <a:off x="455070" y="2626523"/>
+            <a:ext cx="2413932" cy="461665"/>
+          </a:xfrm>
+          <a:prstGeom prst="rect">
+            <a:avLst/>
+          </a:prstGeom>
+          <a:noFill/>
+        </p:spPr>
+        <p:txBody>
+          <a:bodyPr wrap="square">
+            <a:spAutoFit/>
+          </a:bodyPr>
+          <a:lstStyle/>
+          <a:p>
+            <a:r>
+              <a:rPr lang="en-US" sz="2400" dirty="0"/>
+              <a:t>Sensitive dataset</a:t>
+            </a:r>
+          </a:p>
+        </p:txBody>
+      </p:sp>
+      <p:sp>
+        <p:nvSpPr>
+          <p:cNvPr id="8" name="TextBox 7">
+            <a:extLst>
+              <a:ext uri="{FF2B5EF4-FFF2-40B4-BE49-F238E27FC236}">
+                <a16:creationId xmlns:a16="http://schemas.microsoft.com/office/drawing/2014/main" id="{2145379F-2887-798A-9376-ED41968A029E}"/>
+              </a:ext>
+            </a:extLst>
+          </p:cNvPr>
+          <p:cNvSpPr txBox="1"/>
+          <p:nvPr/>
+        </p:nvSpPr>
+        <p:spPr>
+          <a:xfrm>
+            <a:off x="10321921" y="2626523"/>
+            <a:ext cx="1170996" cy="461665"/>
+          </a:xfrm>
+          <a:prstGeom prst="rect">
+            <a:avLst/>
+          </a:prstGeom>
+          <a:noFill/>
+        </p:spPr>
+        <p:txBody>
+          <a:bodyPr wrap="square">
+            <a:spAutoFit/>
+          </a:bodyPr>
+          <a:lstStyle/>
+          <a:p>
+            <a:r>
+              <a:rPr lang="en-US" sz="2400" dirty="0"/>
+              <a:t>Analyst</a:t>
+            </a:r>
+          </a:p>
+        </p:txBody>
+      </p:sp>
+    </p:spTree>
+    <p:extLst>
+      <p:ext uri="{BB962C8B-B14F-4D97-AF65-F5344CB8AC3E}">
+        <p14:creationId xmlns:p14="http://schemas.microsoft.com/office/powerpoint/2010/main" val="2541964500"/>
+      </p:ext>
+    </p:extLst>
+  </p:cSld>
+  <p:clrMapOvr>
+    <a:masterClrMapping/>
+  </p:clrMapOvr>
+</p:sld>
+</file>
+
+<file path=ppt/slides/slide5.xml><?xml version="1.0" encoding="utf-8"?>
+<p:sld xmlns:a="http://schemas.openxmlformats.org/drawingml/2006/main" xmlns:r="http://schemas.openxmlformats.org/officeDocument/2006/relationships" xmlns:p="http://schemas.openxmlformats.org/presentationml/2006/main">
+  <p:cSld>
+    <p:spTree>
+      <p:nvGrpSpPr>
+        <p:cNvPr id="1" name=""/>
+        <p:cNvGrpSpPr/>
+        <p:nvPr/>
+      </p:nvGrpSpPr>
+      <p:grpSpPr>
+        <a:xfrm>
+          <a:off x="0" y="0"/>
+          <a:ext cx="0" cy="0"/>
+          <a:chOff x="0" y="0"/>
+          <a:chExt cx="0" cy="0"/>
+        </a:xfrm>
+      </p:grpSpPr>
+      <p:sp>
+        <p:nvSpPr>
+          <p:cNvPr id="2" name="Title 1">
+            <a:extLst>
+              <a:ext uri="{FF2B5EF4-FFF2-40B4-BE49-F238E27FC236}">
+                <a16:creationId xmlns:a16="http://schemas.microsoft.com/office/drawing/2014/main" id="{6D984B7A-8516-47FC-9176-8158CF0B5C45}"/>
+              </a:ext>
+            </a:extLst>
+          </p:cNvPr>
+          <p:cNvSpPr>
+            <a:spLocks noGrp="1"/>
+          </p:cNvSpPr>
+          <p:nvPr>
+            <p:ph type="title"/>
+          </p:nvPr>
+        </p:nvSpPr>
+        <p:spPr/>
+        <p:txBody>
+          <a:bodyPr/>
+          <a:lstStyle/>
+          <a:p>
+            <a:r>
+              <a:rPr lang="en-US" dirty="0">
+                <a:solidFill>
+                  <a:srgbClr val="C00000"/>
+                </a:solidFill>
+              </a:rPr>
+              <a:t>Anonymization</a:t>
+            </a:r>
+          </a:p>
+        </p:txBody>
+      </p:sp>
+      <p:pic>
+        <p:nvPicPr>
+          <p:cNvPr id="1028" name="Picture 4" descr="51,700+ Database Illustrations, Royalty-Free Vector Graphics &amp; Clip Art -  iStock | Data icon, Big data, Infographic">
+            <a:extLst>
+              <a:ext uri="{FF2B5EF4-FFF2-40B4-BE49-F238E27FC236}">
+                <a16:creationId xmlns:a16="http://schemas.microsoft.com/office/drawing/2014/main" id="{CED05864-259D-7712-1D15-03813D33DA14}"/>
+              </a:ext>
+            </a:extLst>
+          </p:cNvPr>
+          <p:cNvPicPr>
+            <a:picLocks noChangeAspect="1" noChangeArrowheads="1"/>
+          </p:cNvPicPr>
+          <p:nvPr/>
+        </p:nvPicPr>
+        <p:blipFill>
+          <a:blip r:embed="rId3">
+            <a:extLst>
+              <a:ext uri="{28A0092B-C50C-407E-A947-70E740481C1C}">
+                <a14:useLocalDpi xmlns:a14="http://schemas.microsoft.com/office/drawing/2010/main" val="0"/>
+              </a:ext>
+            </a:extLst>
+          </a:blip>
+          <a:srcRect/>
+          <a:stretch>
+            <a:fillRect/>
+          </a:stretch>
+        </p:blipFill>
+        <p:spPr bwMode="auto">
+          <a:xfrm>
+            <a:off x="2733820" y="1757074"/>
+            <a:ext cx="2143125" cy="2143125"/>
+          </a:xfrm>
+          <a:prstGeom prst="rect">
+            <a:avLst/>
+          </a:prstGeom>
+          <a:noFill/>
+          <a:extLst>
+            <a:ext uri="{909E8E84-426E-40DD-AFC4-6F175D3DCCD1}">
+              <a14:hiddenFill xmlns:a14="http://schemas.microsoft.com/office/drawing/2010/main">
+                <a:solidFill>
+                  <a:srgbClr val="FFFFFF"/>
+                </a:solidFill>
+              </a14:hiddenFill>
+            </a:ext>
+          </a:extLst>
+        </p:spPr>
+      </p:pic>
+      <p:cxnSp>
+        <p:nvCxnSpPr>
+          <p:cNvPr id="5" name="Straight Arrow Connector 4">
+            <a:extLst>
+              <a:ext uri="{FF2B5EF4-FFF2-40B4-BE49-F238E27FC236}">
+                <a16:creationId xmlns:a16="http://schemas.microsoft.com/office/drawing/2014/main" id="{1B4B03DF-E90A-F1F2-3701-2C4AAB6286AD}"/>
+              </a:ext>
+            </a:extLst>
+          </p:cNvPr>
+          <p:cNvCxnSpPr/>
+          <p:nvPr/>
+        </p:nvCxnSpPr>
+        <p:spPr>
+          <a:xfrm>
+            <a:off x="5436066" y="2793534"/>
+            <a:ext cx="1518407" cy="0"/>
+          </a:xfrm>
+          <a:prstGeom prst="straightConnector1">
+            <a:avLst/>
+          </a:prstGeom>
+          <a:ln w="76200">
+            <a:solidFill>
+              <a:schemeClr val="tx1"/>
+            </a:solidFill>
+            <a:headEnd type="triangle"/>
+            <a:tailEnd type="triangle"/>
+          </a:ln>
+        </p:spPr>
+        <p:style>
+          <a:lnRef idx="1">
+            <a:schemeClr val="accent1"/>
+          </a:lnRef>
+          <a:fillRef idx="0">
+            <a:schemeClr val="accent1"/>
+          </a:fillRef>
+          <a:effectRef idx="0">
+            <a:schemeClr val="accent1"/>
+          </a:effectRef>
+          <a:fontRef idx="minor">
+            <a:schemeClr val="tx1"/>
+          </a:fontRef>
+        </p:style>
+      </p:cxnSp>
+      <p:pic>
+        <p:nvPicPr>
+          <p:cNvPr id="1030" name="Picture 6" descr="detective-clipart-detective_clipart | Walnut Creek Library Foundation">
+            <a:extLst>
+              <a:ext uri="{FF2B5EF4-FFF2-40B4-BE49-F238E27FC236}">
+                <a16:creationId xmlns:a16="http://schemas.microsoft.com/office/drawing/2014/main" id="{D812CC9F-9DBD-1C79-9C08-FCF0F92EC35A}"/>
+              </a:ext>
+            </a:extLst>
+          </p:cNvPr>
+          <p:cNvPicPr>
+            <a:picLocks noChangeAspect="1" noChangeArrowheads="1"/>
+          </p:cNvPicPr>
+          <p:nvPr/>
+        </p:nvPicPr>
+        <p:blipFill>
+          <a:blip r:embed="rId4">
+            <a:extLst>
+              <a:ext uri="{28A0092B-C50C-407E-A947-70E740481C1C}">
+                <a14:useLocalDpi xmlns:a14="http://schemas.microsoft.com/office/drawing/2010/main" val="0"/>
+              </a:ext>
+            </a:extLst>
+          </a:blip>
+          <a:srcRect/>
+          <a:stretch>
+            <a:fillRect/>
+          </a:stretch>
+        </p:blipFill>
+        <p:spPr bwMode="auto">
+          <a:xfrm>
             <a:off x="7750860" y="4134235"/>
             <a:ext cx="1905000" cy="2390775"/>
           </a:xfrm>
@@ -29953,261 +24957,6 @@
     <p:extLst>
       <p:ext uri="{BB962C8B-B14F-4D97-AF65-F5344CB8AC3E}">
         <p14:creationId xmlns:p14="http://schemas.microsoft.com/office/powerpoint/2010/main" val="3235633650"/>
-      </p:ext>
-    </p:extLst>
-  </p:cSld>
-  <p:clrMapOvr>
-    <a:masterClrMapping/>
-  </p:clrMapOvr>
-</p:sld>
-</file>
-
-<file path=ppt/slides/slide50.xml><?xml version="1.0" encoding="utf-8"?>
-<p:sld xmlns:a="http://schemas.openxmlformats.org/drawingml/2006/main" xmlns:r="http://schemas.openxmlformats.org/officeDocument/2006/relationships" xmlns:p="http://schemas.openxmlformats.org/presentationml/2006/main">
-  <p:cSld>
-    <p:spTree>
-      <p:nvGrpSpPr>
-        <p:cNvPr id="1" name=""/>
-        <p:cNvGrpSpPr/>
-        <p:nvPr/>
-      </p:nvGrpSpPr>
-      <p:grpSpPr>
-        <a:xfrm>
-          <a:off x="0" y="0"/>
-          <a:ext cx="0" cy="0"/>
-          <a:chOff x="0" y="0"/>
-          <a:chExt cx="0" cy="0"/>
-        </a:xfrm>
-      </p:grpSpPr>
-      <p:sp>
-        <p:nvSpPr>
-          <p:cNvPr id="2" name="Title 1">
-            <a:extLst>
-              <a:ext uri="{FF2B5EF4-FFF2-40B4-BE49-F238E27FC236}">
-                <a16:creationId xmlns:a16="http://schemas.microsoft.com/office/drawing/2014/main" id="{B17419AC-DCE6-4371-8DE2-D617E99D653D}"/>
-              </a:ext>
-            </a:extLst>
-          </p:cNvPr>
-          <p:cNvSpPr>
-            <a:spLocks noGrp="1"/>
-          </p:cNvSpPr>
-          <p:nvPr>
-            <p:ph type="title"/>
-          </p:nvPr>
-        </p:nvSpPr>
-        <p:spPr/>
-        <p:txBody>
-          <a:bodyPr/>
-          <a:lstStyle/>
-          <a:p>
-            <a:r>
-              <a:rPr lang="en-US" dirty="0">
-                <a:solidFill>
-                  <a:srgbClr val="C00000"/>
-                </a:solidFill>
-              </a:rPr>
-              <a:t>Exponential Mechanism</a:t>
-            </a:r>
-          </a:p>
-        </p:txBody>
-      </p:sp>
-      <mc:AlternateContent xmlns:mc="http://schemas.openxmlformats.org/markup-compatibility/2006" xmlns:a14="http://schemas.microsoft.com/office/drawing/2010/main">
-        <mc:Choice Requires="a14">
-          <p:sp>
-            <p:nvSpPr>
-              <p:cNvPr id="5" name="Content Placeholder 3">
-                <a:extLst>
-                  <a:ext uri="{FF2B5EF4-FFF2-40B4-BE49-F238E27FC236}">
-                    <a16:creationId xmlns:a16="http://schemas.microsoft.com/office/drawing/2014/main" id="{46EDD9D9-1338-4BC5-9D28-964A84C143C2}"/>
-                  </a:ext>
-                </a:extLst>
-              </p:cNvPr>
-              <p:cNvSpPr>
-                <a:spLocks noGrp="1"/>
-              </p:cNvSpPr>
-              <p:nvPr>
-                <p:ph idx="1"/>
-              </p:nvPr>
-            </p:nvSpPr>
-            <p:spPr>
-              <a:xfrm>
-                <a:off x="838200" y="1825624"/>
-                <a:ext cx="10242755" cy="4342094"/>
-              </a:xfrm>
-            </p:spPr>
-            <p:txBody>
-              <a:bodyPr>
-                <a:noAutofit/>
-              </a:bodyPr>
-              <a:lstStyle/>
-              <a:p>
-                <a:pPr>
-                  <a:buClr>
-                    <a:schemeClr val="tx1"/>
-                  </a:buClr>
-                </a:pPr>
-                <a:r>
-                  <a:rPr lang="en-US" sz="3200" dirty="0">
-                    <a:solidFill>
-                      <a:srgbClr val="00B050"/>
-                    </a:solidFill>
-                  </a:rPr>
-                  <a:t>Theorem</a:t>
-                </a:r>
-                <a:r>
-                  <a:rPr lang="en-US" sz="3200" dirty="0"/>
-                  <a:t>: Exponential mechanism is </a:t>
-                </a:r>
-                <a14:m>
-                  <m:oMath xmlns:m="http://schemas.openxmlformats.org/officeDocument/2006/math">
-                    <m:r>
-                      <a:rPr lang="en-US" sz="3200" b="0" i="1" smtClean="0">
-                        <a:solidFill>
-                          <a:srgbClr val="C00000"/>
-                        </a:solidFill>
-                        <a:latin typeface="Cambria Math" panose="02040503050406030204" pitchFamily="18" charset="0"/>
-                      </a:rPr>
-                      <m:t>𝜀</m:t>
-                    </m:r>
-                  </m:oMath>
-                </a14:m>
-                <a:r>
-                  <a:rPr lang="en-US" sz="3200" dirty="0"/>
-                  <a:t>-differentially private (pure DP)</a:t>
-                </a:r>
-              </a:p>
-              <a:p>
-                <a:pPr marL="0" indent="0">
-                  <a:buClr>
-                    <a:schemeClr val="tx1"/>
-                  </a:buClr>
-                  <a:buNone/>
-                </a:pPr>
-                <a:endParaRPr lang="en-US" sz="3200" dirty="0"/>
-              </a:p>
-              <a:p>
-                <a:pPr>
-                  <a:buClr>
-                    <a:schemeClr val="tx1"/>
-                  </a:buClr>
-                </a:pPr>
-                <a:r>
-                  <a:rPr lang="en-US" sz="3200" dirty="0"/>
-                  <a:t>In fact, when </a:t>
-                </a:r>
-                <a14:m>
-                  <m:oMath xmlns:m="http://schemas.openxmlformats.org/officeDocument/2006/math">
-                    <m:r>
-                      <a:rPr lang="en-US" sz="3200" b="0" i="1" smtClean="0">
-                        <a:solidFill>
-                          <a:srgbClr val="C00000"/>
-                        </a:solidFill>
-                        <a:latin typeface="Cambria Math" panose="02040503050406030204" pitchFamily="18" charset="0"/>
-                      </a:rPr>
-                      <m:t>𝑌</m:t>
-                    </m:r>
-                  </m:oMath>
-                </a14:m>
-                <a:r>
-                  <a:rPr lang="en-US" sz="3200" dirty="0"/>
-                  <a:t> is the set of the real numbers, there is a setting of the score function </a:t>
-                </a:r>
-                <a14:m>
-                  <m:oMath xmlns:m="http://schemas.openxmlformats.org/officeDocument/2006/math">
-                    <m:r>
-                      <a:rPr lang="en-US" sz="3200" b="0" i="1" smtClean="0">
-                        <a:solidFill>
-                          <a:srgbClr val="C00000"/>
-                        </a:solidFill>
-                        <a:latin typeface="Cambria Math" panose="02040503050406030204" pitchFamily="18" charset="0"/>
-                      </a:rPr>
-                      <m:t>𝑆</m:t>
-                    </m:r>
-                  </m:oMath>
-                </a14:m>
-                <a:r>
-                  <a:rPr lang="en-US" sz="3200" dirty="0"/>
-                  <a:t> for which the exponential mechanism reduces down to the Laplace mechanism</a:t>
-                </a:r>
-              </a:p>
-              <a:p>
-                <a:pPr>
-                  <a:buClr>
-                    <a:schemeClr val="tx1"/>
-                  </a:buClr>
-                </a:pPr>
-                <a:endParaRPr lang="en-US" sz="3200" dirty="0"/>
-              </a:p>
-              <a:p>
-                <a:pPr>
-                  <a:buClr>
-                    <a:schemeClr val="tx1"/>
-                  </a:buClr>
-                </a:pPr>
-                <a:r>
-                  <a:rPr lang="en-US" sz="3200" dirty="0">
-                    <a:solidFill>
-                      <a:srgbClr val="FF0000"/>
-                    </a:solidFill>
-                  </a:rPr>
-                  <a:t>Downside</a:t>
-                </a:r>
-                <a:r>
-                  <a:rPr lang="en-US" sz="3200" dirty="0"/>
-                  <a:t>: sampling process may be inefficient</a:t>
-                </a:r>
-              </a:p>
-            </p:txBody>
-          </p:sp>
-        </mc:Choice>
-        <mc:Fallback xmlns="">
-          <p:sp>
-            <p:nvSpPr>
-              <p:cNvPr id="5" name="Content Placeholder 3">
-                <a:extLst>
-                  <a:ext uri="{FF2B5EF4-FFF2-40B4-BE49-F238E27FC236}">
-                    <a16:creationId xmlns:a16="http://schemas.microsoft.com/office/drawing/2014/main" id="{46EDD9D9-1338-4BC5-9D28-964A84C143C2}"/>
-                  </a:ext>
-                </a:extLst>
-              </p:cNvPr>
-              <p:cNvSpPr>
-                <a:spLocks noGrp="1" noRot="1" noChangeAspect="1" noMove="1" noResize="1" noEditPoints="1" noAdjustHandles="1" noChangeArrowheads="1" noChangeShapeType="1" noTextEdit="1"/>
-              </p:cNvSpPr>
-              <p:nvPr>
-                <p:ph idx="1"/>
-              </p:nvPr>
-            </p:nvSpPr>
-            <p:spPr>
-              <a:xfrm>
-                <a:off x="838200" y="1825624"/>
-                <a:ext cx="10242755" cy="4342094"/>
-              </a:xfrm>
-              <a:blipFill>
-                <a:blip r:embed="rId3"/>
-                <a:stretch>
-                  <a:fillRect l="-1369" t="-2805" r="-1429"/>
-                </a:stretch>
-              </a:blipFill>
-            </p:spPr>
-            <p:txBody>
-              <a:bodyPr/>
-              <a:lstStyle/>
-              <a:p>
-                <a:r>
-                  <a:rPr lang="en-US">
-                    <a:noFill/>
-                  </a:rPr>
-                  <a:t> </a:t>
-                </a:r>
-              </a:p>
-            </p:txBody>
-          </p:sp>
-        </mc:Fallback>
-      </mc:AlternateContent>
-    </p:spTree>
-    <p:extLst>
-      <p:ext uri="{BB962C8B-B14F-4D97-AF65-F5344CB8AC3E}">
-        <p14:creationId xmlns:p14="http://schemas.microsoft.com/office/powerpoint/2010/main" val="2899717349"/>
       </p:ext>
     </p:extLst>
   </p:cSld>
